--- a/docs/cheat-sheet-v2.pptx
+++ b/docs/cheat-sheet-v2.pptx
@@ -3007,8 +3007,8 @@
         </p:nvSpPr>
         <p:spPr>
           <a:xfrm>
-            <a:off x="76201" y="533401"/>
-            <a:ext cx="2438399" cy="2362200"/>
+            <a:off x="76201" y="533400"/>
+            <a:ext cx="2438399" cy="2590799"/>
           </a:xfrm>
           <a:prstGeom prst="rect">
             <a:avLst/>
@@ -4202,8 +4202,8 @@
         </p:nvSpPr>
         <p:spPr>
           <a:xfrm>
-            <a:off x="76201" y="2997201"/>
-            <a:ext cx="2438399" cy="2774696"/>
+            <a:off x="76201" y="3200400"/>
+            <a:ext cx="2438399" cy="2819399"/>
           </a:xfrm>
           <a:prstGeom prst="rect">
             <a:avLst/>
@@ -5284,7 +5284,7 @@
                   <a:schemeClr val="tx1"/>
                 </a:solidFill>
               </a:rPr>
-              <a:t>( </a:t>
+              <a:t>(</a:t>
             </a:r>
             <a:r>
               <a:rPr lang="en-GB" sz="1200" b="0" dirty="0">
@@ -5352,7 +5352,7 @@
                   <a:schemeClr val="tx1"/>
                 </a:solidFill>
               </a:rPr>
-              <a:t> )</a:t>
+              <a:t>)</a:t>
             </a:r>
           </a:p>
           <a:p>
@@ -5376,7 +5376,7 @@
                   <a:schemeClr val="tx1"/>
                 </a:solidFill>
               </a:rPr>
-              <a:t>( </a:t>
+              <a:t>(</a:t>
             </a:r>
             <a:r>
               <a:rPr lang="en-GB" sz="1200" b="0" dirty="0">
@@ -5444,7 +5444,7 @@
                   <a:schemeClr val="tx1"/>
                 </a:solidFill>
               </a:rPr>
-              <a:t> )</a:t>
+              <a:t>)</a:t>
             </a:r>
           </a:p>
           <a:p>
@@ -5678,7 +5678,7 @@
         <p:spPr>
           <a:xfrm>
             <a:off x="76204" y="76200"/>
-            <a:ext cx="2285996" cy="355602"/>
+            <a:ext cx="2438396" cy="355602"/>
           </a:xfrm>
           <a:prstGeom prst="rect">
             <a:avLst/>
@@ -5825,8 +5825,8 @@
         </p:nvSpPr>
         <p:spPr>
           <a:xfrm>
-            <a:off x="7543800" y="533400"/>
-            <a:ext cx="2285998" cy="2895600"/>
+            <a:off x="8229600" y="533400"/>
+            <a:ext cx="1600198" cy="3048000"/>
           </a:xfrm>
           <a:prstGeom prst="rect">
             <a:avLst/>
@@ -5937,13 +5937,13 @@
             <a:pPr>
               <a:tabLst>
                 <a:tab pos="171450" algn="l"/>
-                <a:tab pos="1544638" algn="l"/>
+                <a:tab pos="1427163" algn="l"/>
               </a:tabLst>
             </a:pPr>
             <a:r>
               <a:rPr lang="en-GB" sz="1600" u="sng" dirty="0">
                 <a:solidFill>
-                  <a:srgbClr val="FF0000"/>
+                  <a:schemeClr val="tx1"/>
                 </a:solidFill>
               </a:rPr>
               <a:t>MISC	</a:t>
@@ -5951,7 +5951,7 @@
             <a:r>
               <a:rPr lang="en-GB" sz="1050" u="sng" dirty="0">
                 <a:solidFill>
-                  <a:srgbClr val="FF0000"/>
+                  <a:schemeClr val="tx1"/>
                 </a:solidFill>
               </a:rPr>
               <a:t> </a:t>
@@ -5961,7 +5961,7 @@
             <a:r>
               <a:rPr lang="en-GB" sz="1200" dirty="0">
                 <a:solidFill>
-                  <a:srgbClr val="FF0000"/>
+                  <a:schemeClr val="tx1"/>
                 </a:solidFill>
               </a:rPr>
               <a:t>its</a:t>
@@ -5971,22 +5971,33 @@
             <a:r>
               <a:rPr lang="en-GB" sz="1200" b="0" dirty="0" err="1">
                 <a:solidFill>
-                  <a:srgbClr val="FF0000"/>
-                </a:solidFill>
-              </a:rPr>
-              <a:t>obj.</a:t>
+                  <a:schemeClr val="tx1">
+                    <a:lumMod val="50000"/>
+                    <a:lumOff val="50000"/>
+                  </a:schemeClr>
+                </a:solidFill>
+              </a:rPr>
+              <a:t>obj</a:t>
+            </a:r>
+            <a:r>
+              <a:rPr lang="en-GB" sz="1200" b="0" dirty="0" err="1">
+                <a:solidFill>
+                  <a:schemeClr val="tx1"/>
+                </a:solidFill>
+              </a:rPr>
+              <a:t>.</a:t>
             </a:r>
             <a:r>
               <a:rPr lang="en-GB" sz="1200" dirty="0" err="1">
                 <a:solidFill>
-                  <a:srgbClr val="FF0000"/>
+                  <a:schemeClr val="tx1"/>
                 </a:solidFill>
               </a:rPr>
               <a:t>clone</a:t>
             </a:r>
             <a:endParaRPr lang="en-GB" sz="1200" dirty="0">
               <a:solidFill>
-                <a:srgbClr val="FF0000"/>
+                <a:schemeClr val="tx1"/>
               </a:solidFill>
             </a:endParaRPr>
           </a:p>
@@ -5994,15 +6005,26 @@
             <a:r>
               <a:rPr lang="en-GB" sz="1200" b="0" dirty="0" err="1">
                 <a:solidFill>
-                  <a:srgbClr val="FF0000"/>
-                </a:solidFill>
-              </a:rPr>
-              <a:t>obj.</a:t>
+                  <a:schemeClr val="tx1">
+                    <a:lumMod val="50000"/>
+                    <a:lumOff val="50000"/>
+                  </a:schemeClr>
+                </a:solidFill>
+              </a:rPr>
+              <a:t>obj</a:t>
+            </a:r>
+            <a:r>
+              <a:rPr lang="en-GB" sz="1200" b="0" dirty="0" err="1">
+                <a:solidFill>
+                  <a:schemeClr val="tx1"/>
+                </a:solidFill>
+              </a:rPr>
+              <a:t>.</a:t>
             </a:r>
             <a:r>
               <a:rPr lang="en-GB" sz="1200" dirty="0" err="1">
                 <a:solidFill>
-                  <a:srgbClr val="FF0000"/>
+                  <a:schemeClr val="tx1"/>
                 </a:solidFill>
               </a:rPr>
               <a:t>style</a:t>
@@ -6010,17 +6032,55 @@
             <a:r>
               <a:rPr lang="en-GB" sz="1200" b="0" dirty="0">
                 <a:solidFill>
-                  <a:srgbClr val="FF0000"/>
-                </a:solidFill>
-              </a:rPr>
-              <a:t> ( {name: value, …} )</a:t>
+                  <a:schemeClr val="tx1"/>
+                </a:solidFill>
+              </a:rPr>
+              <a:t> ({</a:t>
+            </a:r>
+            <a:r>
+              <a:rPr lang="en-GB" sz="1200" b="0" dirty="0">
+                <a:solidFill>
+                  <a:schemeClr val="tx1">
+                    <a:lumMod val="50000"/>
+                    <a:lumOff val="50000"/>
+                  </a:schemeClr>
+                </a:solidFill>
+              </a:rPr>
+              <a:t>name</a:t>
+            </a:r>
+            <a:r>
+              <a:rPr lang="en-GB" sz="1200" b="0" dirty="0">
+                <a:solidFill>
+                  <a:schemeClr val="tx1"/>
+                </a:solidFill>
+              </a:rPr>
+              <a:t>: </a:t>
+            </a:r>
+            <a:r>
+              <a:rPr lang="en-GB" sz="1200" b="0" dirty="0">
+                <a:solidFill>
+                  <a:schemeClr val="tx1">
+                    <a:lumMod val="50000"/>
+                    <a:lumOff val="50000"/>
+                  </a:schemeClr>
+                </a:solidFill>
+              </a:rPr>
+              <a:t>value</a:t>
+            </a:r>
+            <a:r>
+              <a:rPr lang="en-GB" sz="1200" b="0" dirty="0">
+                <a:solidFill>
+                  <a:schemeClr val="tx1"/>
+                </a:solidFill>
+              </a:rPr>
+              <a:t>, …})</a:t>
             </a:r>
           </a:p>
           <a:p>
             <a:r>
               <a:rPr lang="en-GB" sz="1200" dirty="0" err="1">
                 <a:solidFill>
-                  <a:srgbClr val="FF0000"/>
+                  <a:schemeClr val="tx1"/>
                 </a:solidFill>
               </a:rPr>
               <a:t>allObjects</a:t>
@@ -6028,22 +6088,18 @@
             <a:r>
               <a:rPr lang="en-GB" sz="1200" b="0" dirty="0">
                 <a:solidFill>
-                  <a:srgbClr val="FF0000"/>
-                </a:solidFill>
-              </a:rPr>
-              <a:t> ( )</a:t>
-            </a:r>
-          </a:p>
-          <a:p>
-            <a:pPr lvl="0">
-              <a:spcBef>
-                <a:spcPts val="600"/>
-              </a:spcBef>
-            </a:pPr>
+                  <a:schemeClr val="tx1"/>
+                </a:solidFill>
+              </a:rPr>
+              <a:t> ()</a:t>
+            </a:r>
+          </a:p>
+          <a:p>
+            <a:pPr lvl="0"/>
             <a:r>
               <a:rPr lang="en-GB" sz="1200" dirty="0" err="1">
                 <a:solidFill>
-                  <a:srgbClr val="FF0000"/>
+                  <a:schemeClr val="tx1"/>
                 </a:solidFill>
               </a:rPr>
               <a:t>findPosition</a:t>
@@ -6051,7 +6107,7 @@
             <a:r>
               <a:rPr lang="en-GB" sz="1200" dirty="0">
                 <a:solidFill>
-                  <a:srgbClr val="FF0000"/>
+                  <a:schemeClr val="tx1"/>
                 </a:solidFill>
               </a:rPr>
               <a:t> </a:t>
@@ -6059,17 +6115,36 @@
             <a:r>
               <a:rPr lang="en-GB" sz="1200" b="0" dirty="0">
                 <a:solidFill>
-                  <a:srgbClr val="FF0000"/>
-                </a:solidFill>
-              </a:rPr>
-              <a:t>( event )</a:t>
+                  <a:schemeClr val="tx1"/>
+                </a:solidFill>
+              </a:rPr>
+              <a:t>(</a:t>
+            </a:r>
+            <a:r>
+              <a:rPr lang="en-GB" sz="1200" b="0" dirty="0">
+                <a:solidFill>
+                  <a:schemeClr val="tx1">
+                    <a:lumMod val="50000"/>
+                    <a:lumOff val="50000"/>
+                  </a:schemeClr>
+                </a:solidFill>
+              </a:rPr>
+              <a:t>event</a:t>
+            </a:r>
+            <a:r>
+              <a:rPr lang="en-GB" sz="1200" b="0" dirty="0">
+                <a:solidFill>
+                  <a:schemeClr val="tx1"/>
+                </a:solidFill>
+              </a:rPr>
+              <a:t>)</a:t>
             </a:r>
           </a:p>
           <a:p>
             <a:r>
               <a:rPr lang="en-GB" sz="1200" dirty="0" err="1">
                 <a:solidFill>
-                  <a:srgbClr val="FF0000"/>
+                  <a:schemeClr val="tx1"/>
                 </a:solidFill>
               </a:rPr>
               <a:t>findObject</a:t>
@@ -6077,7 +6152,7 @@
             <a:r>
               <a:rPr lang="en-GB" sz="1200" dirty="0">
                 <a:solidFill>
-                  <a:srgbClr val="FF0000"/>
+                  <a:schemeClr val="tx1"/>
                 </a:solidFill>
               </a:rPr>
               <a:t> </a:t>
@@ -6085,17 +6160,36 @@
             <a:r>
               <a:rPr lang="en-GB" sz="1200" b="0" dirty="0">
                 <a:solidFill>
-                  <a:srgbClr val="FF0000"/>
-                </a:solidFill>
-              </a:rPr>
-              <a:t>( event )</a:t>
+                  <a:schemeClr val="tx1"/>
+                </a:solidFill>
+              </a:rPr>
+              <a:t>(</a:t>
+            </a:r>
+            <a:r>
+              <a:rPr lang="en-GB" sz="1200" b="0" dirty="0">
+                <a:solidFill>
+                  <a:schemeClr val="tx1">
+                    <a:lumMod val="50000"/>
+                    <a:lumOff val="50000"/>
+                  </a:schemeClr>
+                </a:solidFill>
+              </a:rPr>
+              <a:t>event</a:t>
+            </a:r>
+            <a:r>
+              <a:rPr lang="en-GB" sz="1200" b="0" dirty="0">
+                <a:solidFill>
+                  <a:schemeClr val="tx1"/>
+                </a:solidFill>
+              </a:rPr>
+              <a:t>)</a:t>
             </a:r>
           </a:p>
           <a:p>
             <a:r>
               <a:rPr lang="en-GB" sz="1200" dirty="0" err="1">
                 <a:solidFill>
-                  <a:srgbClr val="FF0000"/>
+                  <a:schemeClr val="tx1"/>
                 </a:solidFill>
               </a:rPr>
               <a:t>findObjects</a:t>
@@ -6103,7 +6197,7 @@
             <a:r>
               <a:rPr lang="en-GB" sz="1200" dirty="0">
                 <a:solidFill>
-                  <a:srgbClr val="FF0000"/>
+                  <a:schemeClr val="tx1"/>
                 </a:solidFill>
               </a:rPr>
               <a:t> </a:t>
@@ -6111,17 +6205,36 @@
             <a:r>
               <a:rPr lang="en-GB" sz="1200" b="0" dirty="0">
                 <a:solidFill>
-                  <a:srgbClr val="FF0000"/>
-                </a:solidFill>
-              </a:rPr>
-              <a:t>( event )</a:t>
+                  <a:schemeClr val="tx1"/>
+                </a:solidFill>
+              </a:rPr>
+              <a:t>(</a:t>
+            </a:r>
+            <a:r>
+              <a:rPr lang="en-GB" sz="1200" b="0" dirty="0">
+                <a:solidFill>
+                  <a:schemeClr val="tx1">
+                    <a:lumMod val="50000"/>
+                    <a:lumOff val="50000"/>
+                  </a:schemeClr>
+                </a:solidFill>
+              </a:rPr>
+              <a:t>event</a:t>
+            </a:r>
+            <a:r>
+              <a:rPr lang="en-GB" sz="1200" b="0" dirty="0">
+                <a:solidFill>
+                  <a:schemeClr val="tx1"/>
+                </a:solidFill>
+              </a:rPr>
+              <a:t>)</a:t>
             </a:r>
           </a:p>
           <a:p>
             <a:r>
               <a:rPr lang="en-GB" sz="1200" dirty="0" err="1">
                 <a:solidFill>
-                  <a:srgbClr val="FF0000"/>
+                  <a:schemeClr val="tx1"/>
                 </a:solidFill>
               </a:rPr>
               <a:t>objectPosition</a:t>
@@ -6129,7 +6242,7 @@
             <a:r>
               <a:rPr lang="en-GB" sz="1200" dirty="0">
                 <a:solidFill>
-                  <a:srgbClr val="FF0000"/>
+                  <a:schemeClr val="tx1"/>
                 </a:solidFill>
               </a:rPr>
               <a:t> </a:t>
@@ -6137,17 +6250,36 @@
             <a:r>
               <a:rPr lang="en-GB" sz="1200" b="0" dirty="0">
                 <a:solidFill>
-                  <a:srgbClr val="FF0000"/>
-                </a:solidFill>
-              </a:rPr>
-              <a:t>( local )</a:t>
+                  <a:schemeClr val="tx1"/>
+                </a:solidFill>
+              </a:rPr>
+              <a:t>(</a:t>
+            </a:r>
+            <a:r>
+              <a:rPr lang="en-GB" sz="1200" b="0" dirty="0">
+                <a:solidFill>
+                  <a:schemeClr val="tx1">
+                    <a:lumMod val="50000"/>
+                    <a:lumOff val="50000"/>
+                  </a:schemeClr>
+                </a:solidFill>
+              </a:rPr>
+              <a:t>local</a:t>
+            </a:r>
+            <a:r>
+              <a:rPr lang="en-GB" sz="1200" b="0" dirty="0">
+                <a:solidFill>
+                  <a:schemeClr val="tx1"/>
+                </a:solidFill>
+              </a:rPr>
+              <a:t>)</a:t>
             </a:r>
           </a:p>
           <a:p>
             <a:r>
               <a:rPr lang="en-GB" sz="1200" dirty="0" err="1">
                 <a:solidFill>
-                  <a:srgbClr val="FF0000"/>
+                  <a:schemeClr val="tx1"/>
                 </a:solidFill>
               </a:rPr>
               <a:t>screenPosition</a:t>
@@ -6155,7 +6287,7 @@
             <a:r>
               <a:rPr lang="en-GB" sz="1200" dirty="0">
                 <a:solidFill>
-                  <a:srgbClr val="FF0000"/>
+                  <a:schemeClr val="tx1"/>
                 </a:solidFill>
               </a:rPr>
               <a:t> </a:t>
@@ -6163,22 +6295,55 @@
             <a:r>
               <a:rPr lang="en-GB" sz="1200" b="0" dirty="0">
                 <a:solidFill>
-                  <a:srgbClr val="FF0000"/>
-                </a:solidFill>
-              </a:rPr>
-              <a:t>( local, global )</a:t>
-            </a:r>
-          </a:p>
-          <a:p>
-            <a:pPr>
-              <a:spcBef>
-                <a:spcPts val="600"/>
-              </a:spcBef>
-            </a:pPr>
+                  <a:schemeClr val="tx1"/>
+                </a:solidFill>
+              </a:rPr>
+              <a:t>(</a:t>
+            </a:r>
+            <a:r>
+              <a:rPr lang="en-GB" sz="1200" b="0" dirty="0">
+                <a:solidFill>
+                  <a:schemeClr val="tx1">
+                    <a:lumMod val="50000"/>
+                    <a:lumOff val="50000"/>
+                  </a:schemeClr>
+                </a:solidFill>
+              </a:rPr>
+              <a:t>local</a:t>
+            </a:r>
+            <a:r>
+              <a:rPr lang="en-GB" sz="1200" b="0" dirty="0">
+                <a:solidFill>
+                  <a:schemeClr val="tx1"/>
+                </a:solidFill>
+              </a:rPr>
+              <a:t>, </a:t>
+            </a:r>
+            <a:r>
+              <a:rPr lang="en-GB" sz="1200" b="0" dirty="0">
+                <a:solidFill>
+                  <a:schemeClr val="tx1">
+                    <a:lumMod val="50000"/>
+                    <a:lumOff val="50000"/>
+                  </a:schemeClr>
+                </a:solidFill>
+              </a:rPr>
+              <a:t>global</a:t>
+            </a:r>
+            <a:r>
+              <a:rPr lang="en-GB" sz="1200" b="0" dirty="0">
+                <a:solidFill>
+                  <a:schemeClr val="tx1"/>
+                </a:solidFill>
+              </a:rPr>
+              <a:t>)</a:t>
+            </a:r>
+          </a:p>
+          <a:p>
             <a:r>
               <a:rPr lang="fr-FR" sz="1200" dirty="0">
                 <a:solidFill>
-                  <a:srgbClr val="FF0000"/>
+                  <a:schemeClr val="tx1"/>
                 </a:solidFill>
               </a:rPr>
               <a:t>radians</a:t>
@@ -6186,15 +6351,18 @@
             <a:r>
               <a:rPr lang="fr-FR" sz="1200" b="0" dirty="0">
                 <a:solidFill>
-                  <a:srgbClr val="FF0000"/>
-                </a:solidFill>
-              </a:rPr>
-              <a:t> ( </a:t>
+                  <a:schemeClr val="tx1"/>
+                </a:solidFill>
+              </a:rPr>
+              <a:t> (</a:t>
             </a:r>
             <a:r>
               <a:rPr lang="fr-FR" sz="1200" b="0" dirty="0" err="1">
                 <a:solidFill>
-                  <a:srgbClr val="FF0000"/>
+                  <a:schemeClr val="tx1">
+                    <a:lumMod val="50000"/>
+                    <a:lumOff val="50000"/>
+                  </a:schemeClr>
                 </a:solidFill>
               </a:rPr>
               <a:t>degrees</a:t>
@@ -6202,17 +6370,17 @@
             <a:r>
               <a:rPr lang="fr-FR" sz="1200" b="0" dirty="0">
                 <a:solidFill>
-                  <a:srgbClr val="FF0000"/>
-                </a:solidFill>
-              </a:rPr>
-              <a:t> )</a:t>
+                  <a:schemeClr val="tx1"/>
+                </a:solidFill>
+              </a:rPr>
+              <a:t>)</a:t>
             </a:r>
           </a:p>
           <a:p>
             <a:r>
               <a:rPr lang="fr-FR" sz="1200" dirty="0" err="1">
                 <a:solidFill>
-                  <a:srgbClr val="FF0000"/>
+                  <a:schemeClr val="tx1"/>
                 </a:solidFill>
               </a:rPr>
               <a:t>degrees</a:t>
@@ -6220,17 +6388,36 @@
             <a:r>
               <a:rPr lang="fr-FR" sz="1200" b="0" dirty="0">
                 <a:solidFill>
-                  <a:srgbClr val="FF0000"/>
-                </a:solidFill>
-              </a:rPr>
-              <a:t> ( radians )</a:t>
+                  <a:schemeClr val="tx1"/>
+                </a:solidFill>
+              </a:rPr>
+              <a:t> (</a:t>
+            </a:r>
+            <a:r>
+              <a:rPr lang="fr-FR" sz="1200" b="0" dirty="0">
+                <a:solidFill>
+                  <a:schemeClr val="tx1">
+                    <a:lumMod val="50000"/>
+                    <a:lumOff val="50000"/>
+                  </a:schemeClr>
+                </a:solidFill>
+              </a:rPr>
+              <a:t>radians</a:t>
+            </a:r>
+            <a:r>
+              <a:rPr lang="fr-FR" sz="1200" b="0" dirty="0">
+                <a:solidFill>
+                  <a:schemeClr val="tx1"/>
+                </a:solidFill>
+              </a:rPr>
+              <a:t>)</a:t>
             </a:r>
           </a:p>
           <a:p>
             <a:r>
               <a:rPr lang="fr-FR" sz="1200" dirty="0" err="1">
                 <a:solidFill>
-                  <a:srgbClr val="FF0000"/>
+                  <a:schemeClr val="tx1"/>
                 </a:solidFill>
               </a:rPr>
               <a:t>random</a:t>
@@ -6238,15 +6425,18 @@
             <a:r>
               <a:rPr lang="fr-FR" sz="1200" b="0" dirty="0">
                 <a:solidFill>
-                  <a:srgbClr val="FF0000"/>
-                </a:solidFill>
-              </a:rPr>
-              <a:t> ( </a:t>
+                  <a:schemeClr val="tx1"/>
+                </a:solidFill>
+              </a:rPr>
+              <a:t> (</a:t>
             </a:r>
             <a:r>
               <a:rPr lang="fr-FR" sz="1200" b="0" dirty="0" err="1">
                 <a:solidFill>
-                  <a:srgbClr val="FF0000"/>
+                  <a:schemeClr val="tx1">
+                    <a:lumMod val="50000"/>
+                    <a:lumOff val="50000"/>
+                  </a:schemeClr>
                 </a:solidFill>
               </a:rPr>
               <a:t>from</a:t>
@@ -6254,17 +6444,36 @@
             <a:r>
               <a:rPr lang="fr-FR" sz="1200" b="0" dirty="0">
                 <a:solidFill>
-                  <a:srgbClr val="FF0000"/>
-                </a:solidFill>
-              </a:rPr>
-              <a:t>, to )</a:t>
+                  <a:schemeClr val="tx1"/>
+                </a:solidFill>
+              </a:rPr>
+              <a:t>, </a:t>
+            </a:r>
+            <a:r>
+              <a:rPr lang="fr-FR" sz="1200" b="0" dirty="0">
+                <a:solidFill>
+                  <a:schemeClr val="tx1">
+                    <a:lumMod val="50000"/>
+                    <a:lumOff val="50000"/>
+                  </a:schemeClr>
+                </a:solidFill>
+              </a:rPr>
+              <a:t>to</a:t>
+            </a:r>
+            <a:r>
+              <a:rPr lang="fr-FR" sz="1200" b="0" dirty="0">
+                <a:solidFill>
+                  <a:schemeClr val="tx1"/>
+                </a:solidFill>
+              </a:rPr>
+              <a:t>)</a:t>
             </a:r>
           </a:p>
           <a:p>
             <a:r>
               <a:rPr lang="fr-FR" sz="1200" dirty="0" err="1">
                 <a:solidFill>
-                  <a:srgbClr val="FF0000"/>
+                  <a:schemeClr val="tx1"/>
                 </a:solidFill>
               </a:rPr>
               <a:t>random</a:t>
@@ -6272,26 +6481,48 @@
             <a:r>
               <a:rPr lang="fr-FR" sz="1200" b="0" dirty="0">
                 <a:solidFill>
-                  <a:srgbClr val="FF0000"/>
-                </a:solidFill>
-              </a:rPr>
-              <a:t> ( </a:t>
-            </a:r>
-            <a:r>
-              <a:rPr lang="fr-FR" sz="1200" b="0" dirty="0" err="1">
-                <a:solidFill>
-                  <a:srgbClr val="FF0000"/>
-                </a:solidFill>
-              </a:rPr>
-              <a:t>array</a:t>
+                  <a:schemeClr val="tx1"/>
+                </a:solidFill>
+              </a:rPr>
+              <a:t> ([</a:t>
             </a:r>
             <a:r>
               <a:rPr lang="fr-FR" sz="1200" b="0" dirty="0">
                 <a:solidFill>
-                  <a:srgbClr val="FF0000"/>
-                </a:solidFill>
-              </a:rPr>
-              <a:t> )</a:t>
+                  <a:schemeClr val="tx1">
+                    <a:lumMod val="50000"/>
+                    <a:lumOff val="50000"/>
+                  </a:schemeClr>
+                </a:solidFill>
+              </a:rPr>
+              <a:t>value</a:t>
+            </a:r>
+            <a:r>
+              <a:rPr lang="fr-FR" sz="1200" b="0" dirty="0">
+                <a:solidFill>
+                  <a:schemeClr val="tx1"/>
+                </a:solidFill>
+              </a:rPr>
+              <a:t>,</a:t>
+            </a:r>
+            <a:r>
+              <a:rPr lang="fr-FR" sz="1200" b="0" dirty="0">
+                <a:solidFill>
+                  <a:schemeClr val="tx1">
+                    <a:lumMod val="50000"/>
+                    <a:lumOff val="50000"/>
+                  </a:schemeClr>
+                </a:solidFill>
+              </a:rPr>
+              <a:t>…</a:t>
+            </a:r>
+            <a:r>
+              <a:rPr lang="fr-FR" sz="1200" b="0" dirty="0">
+                <a:solidFill>
+                  <a:schemeClr val="tx1"/>
+                </a:solidFill>
+              </a:rPr>
+              <a:t>])</a:t>
             </a:r>
           </a:p>
           <a:p>
@@ -6324,8 +6555,8 @@
         </p:nvSpPr>
         <p:spPr>
           <a:xfrm>
-            <a:off x="76203" y="5849797"/>
-            <a:ext cx="2666998" cy="914402"/>
+            <a:off x="76203" y="6095999"/>
+            <a:ext cx="5257797" cy="668199"/>
           </a:xfrm>
           <a:prstGeom prst="rect">
             <a:avLst/>
@@ -6436,7 +6667,7 @@
             <a:pPr>
               <a:tabLst>
                 <a:tab pos="171450" algn="l"/>
-                <a:tab pos="2459038" algn="l"/>
+                <a:tab pos="2286000" algn="l"/>
                 <a:tab pos="2859088" algn="l"/>
               </a:tabLst>
             </a:pPr>
@@ -6474,7 +6705,7 @@
           <a:p>
             <a:pPr>
               <a:tabLst>
-                <a:tab pos="171450" algn="l"/>
+                <a:tab pos="55563" algn="l"/>
                 <a:tab pos="2228850" algn="l"/>
                 <a:tab pos="2859088" algn="l"/>
               </a:tabLst>
@@ -6584,24 +6815,7 @@
                   <a:schemeClr val="tx1"/>
                 </a:solidFill>
               </a:rPr>
-              <a:t>)</a:t>
-            </a:r>
-          </a:p>
-          <a:p>
-            <a:pPr>
-              <a:tabLst>
-                <a:tab pos="171450" algn="l"/>
-                <a:tab pos="2228850" algn="l"/>
-                <a:tab pos="2859088" algn="l"/>
-              </a:tabLst>
-            </a:pPr>
-            <a:r>
-              <a:rPr lang="en-GB" sz="1200" b="0" dirty="0">
-                <a:solidFill>
-                  <a:schemeClr val="tx1"/>
-                </a:solidFill>
-              </a:rPr>
-              <a:t>	.</a:t>
+              <a:t>) .</a:t>
             </a:r>
             <a:r>
               <a:rPr lang="en-GB" sz="1200" dirty="0" err="1">
@@ -6717,8 +6931,8 @@
         </p:nvSpPr>
         <p:spPr>
           <a:xfrm>
-            <a:off x="7543800" y="3530598"/>
-            <a:ext cx="2285998" cy="2241299"/>
+            <a:off x="8229600" y="3657600"/>
+            <a:ext cx="1600198" cy="2362199"/>
           </a:xfrm>
           <a:prstGeom prst="rect">
             <a:avLst/>
@@ -6829,14 +7043,14 @@
             <a:pPr>
               <a:tabLst>
                 <a:tab pos="171450" algn="l"/>
-                <a:tab pos="1544638" algn="l"/>
+                <a:tab pos="1427163" algn="l"/>
                 <a:tab pos="1717675" algn="l"/>
               </a:tabLst>
             </a:pPr>
             <a:r>
               <a:rPr lang="en-GB" sz="1600" u="sng" dirty="0">
                 <a:solidFill>
-                  <a:srgbClr val="FF0000"/>
+                  <a:schemeClr val="tx1"/>
                 </a:solidFill>
               </a:rPr>
               <a:t>DRAWINGS</a:t>
@@ -6844,7 +7058,7 @@
             <a:r>
               <a:rPr lang="en-GB" sz="1200" u="sng" dirty="0">
                 <a:solidFill>
-                  <a:srgbClr val="FF0000"/>
+                  <a:schemeClr val="tx1"/>
                 </a:solidFill>
               </a:rPr>
               <a:t>	 </a:t>
@@ -6855,7 +7069,7 @@
             <a:r>
               <a:rPr lang="en-GB" sz="1200" dirty="0">
                 <a:solidFill>
-                  <a:srgbClr val="FF0000"/>
+                  <a:schemeClr val="tx1"/>
                 </a:solidFill>
               </a:rPr>
               <a:t>drawing </a:t>
@@ -6863,15 +7077,56 @@
             <a:r>
               <a:rPr lang="en-GB" sz="1200" b="0" dirty="0">
                 <a:solidFill>
-                  <a:srgbClr val="FF0000"/>
-                </a:solidFill>
-              </a:rPr>
-              <a:t>( width, height, </a:t>
+                  <a:schemeClr val="tx1"/>
+                </a:solidFill>
+              </a:rPr>
+              <a:t>(</a:t>
+            </a:r>
+            <a:r>
+              <a:rPr lang="en-GB" sz="1200" b="0" dirty="0">
+                <a:solidFill>
+                  <a:schemeClr val="tx1">
+                    <a:lumMod val="50000"/>
+                    <a:lumOff val="50000"/>
+                  </a:schemeClr>
+                </a:solidFill>
+              </a:rPr>
+              <a:t>width</a:t>
+            </a:r>
+            <a:r>
+              <a:rPr lang="en-GB" sz="1200" b="0" dirty="0">
+                <a:solidFill>
+                  <a:schemeClr val="tx1"/>
+                </a:solidFill>
+              </a:rPr>
+              <a:t>, </a:t>
+            </a:r>
+            <a:r>
+              <a:rPr lang="en-GB" sz="1200" b="0" dirty="0">
+                <a:solidFill>
+                  <a:schemeClr val="tx1">
+                    <a:lumMod val="50000"/>
+                    <a:lumOff val="50000"/>
+                  </a:schemeClr>
+                </a:solidFill>
+              </a:rPr>
+              <a:t>height</a:t>
+            </a:r>
+            <a:r>
+              <a:rPr lang="en-GB" sz="1200" b="0" dirty="0">
+                <a:solidFill>
+                  <a:schemeClr val="tx1"/>
+                </a:solidFill>
+              </a:rPr>
+              <a:t>, </a:t>
             </a:r>
             <a:r>
               <a:rPr lang="en-GB" sz="1200" b="0" dirty="0" err="1">
                 <a:solidFill>
-                  <a:srgbClr val="FF0000"/>
+                  <a:schemeClr val="tx1">
+                    <a:lumMod val="50000"/>
+                    <a:lumOff val="50000"/>
+                  </a:schemeClr>
                 </a:solidFill>
               </a:rPr>
               <a:t>color</a:t>
@@ -6879,10 +7134,10 @@
             <a:r>
               <a:rPr lang="en-GB" sz="1200" b="0" dirty="0">
                 <a:solidFill>
-                  <a:srgbClr val="FF0000"/>
-                </a:solidFill>
-              </a:rPr>
-              <a:t> )</a:t>
+                  <a:schemeClr val="tx1"/>
+                </a:solidFill>
+              </a:rPr>
+              <a:t>)</a:t>
             </a:r>
           </a:p>
           <a:p>
@@ -6895,7 +7150,7 @@
             <a:r>
               <a:rPr lang="en-GB" sz="1200" dirty="0" err="1">
                 <a:solidFill>
-                  <a:srgbClr val="FF0000"/>
+                  <a:schemeClr val="tx1"/>
                 </a:solidFill>
               </a:rPr>
               <a:t>moveTo</a:t>
@@ -6903,17 +7158,93 @@
             <a:r>
               <a:rPr lang="en-GB" sz="1200" b="0" dirty="0">
                 <a:solidFill>
-                  <a:srgbClr val="FF0000"/>
-                </a:solidFill>
-              </a:rPr>
-              <a:t> ( x, y, x, y, … )</a:t>
+                  <a:schemeClr val="tx1"/>
+                </a:solidFill>
+              </a:rPr>
+              <a:t> (</a:t>
+            </a:r>
+            <a:r>
+              <a:rPr lang="en-GB" sz="1200" b="0" dirty="0">
+                <a:solidFill>
+                  <a:schemeClr val="tx1">
+                    <a:lumMod val="50000"/>
+                    <a:lumOff val="50000"/>
+                  </a:schemeClr>
+                </a:solidFill>
+              </a:rPr>
+              <a:t>x</a:t>
+            </a:r>
+            <a:r>
+              <a:rPr lang="en-GB" sz="1200" b="0" dirty="0">
+                <a:solidFill>
+                  <a:schemeClr val="tx1"/>
+                </a:solidFill>
+              </a:rPr>
+              <a:t>, </a:t>
+            </a:r>
+            <a:r>
+              <a:rPr lang="en-GB" sz="1200" b="0" dirty="0">
+                <a:solidFill>
+                  <a:schemeClr val="tx1">
+                    <a:lumMod val="50000"/>
+                    <a:lumOff val="50000"/>
+                  </a:schemeClr>
+                </a:solidFill>
+              </a:rPr>
+              <a:t>y</a:t>
+            </a:r>
+            <a:r>
+              <a:rPr lang="en-GB" sz="1200" b="0" dirty="0">
+                <a:solidFill>
+                  <a:schemeClr val="tx1"/>
+                </a:solidFill>
+              </a:rPr>
+              <a:t>, </a:t>
+            </a:r>
+            <a:r>
+              <a:rPr lang="en-GB" sz="1200" b="0" dirty="0">
+                <a:solidFill>
+                  <a:schemeClr val="tx1">
+                    <a:lumMod val="50000"/>
+                    <a:lumOff val="50000"/>
+                  </a:schemeClr>
+                </a:solidFill>
+              </a:rPr>
+              <a:t>x</a:t>
+            </a:r>
+            <a:r>
+              <a:rPr lang="en-GB" sz="1200" b="0" dirty="0">
+                <a:solidFill>
+                  <a:schemeClr val="tx1"/>
+                </a:solidFill>
+              </a:rPr>
+              <a:t>, </a:t>
+            </a:r>
+            <a:r>
+              <a:rPr lang="en-GB" sz="1200" b="0" dirty="0">
+                <a:solidFill>
+                  <a:schemeClr val="tx1">
+                    <a:lumMod val="50000"/>
+                    <a:lumOff val="50000"/>
+                  </a:schemeClr>
+                </a:solidFill>
+              </a:rPr>
+              <a:t>y</a:t>
+            </a:r>
+            <a:r>
+              <a:rPr lang="en-GB" sz="1200" b="0" dirty="0">
+                <a:solidFill>
+                  <a:schemeClr val="tx1"/>
+                </a:solidFill>
+              </a:rPr>
+              <a:t>, …)</a:t>
             </a:r>
           </a:p>
           <a:p>
             <a:r>
               <a:rPr lang="en-GB" sz="1200" dirty="0" err="1">
                 <a:solidFill>
-                  <a:srgbClr val="FF0000"/>
+                  <a:schemeClr val="tx1"/>
                 </a:solidFill>
               </a:rPr>
               <a:t>lineTo</a:t>
@@ -6921,17 +7252,93 @@
             <a:r>
               <a:rPr lang="en-GB" sz="1200" b="0" dirty="0">
                 <a:solidFill>
-                  <a:srgbClr val="FF0000"/>
-                </a:solidFill>
-              </a:rPr>
-              <a:t> ( x, y, x, y, … )</a:t>
+                  <a:schemeClr val="tx1"/>
+                </a:solidFill>
+              </a:rPr>
+              <a:t> (</a:t>
+            </a:r>
+            <a:r>
+              <a:rPr lang="en-GB" sz="1200" b="0" dirty="0">
+                <a:solidFill>
+                  <a:schemeClr val="tx1">
+                    <a:lumMod val="50000"/>
+                    <a:lumOff val="50000"/>
+                  </a:schemeClr>
+                </a:solidFill>
+              </a:rPr>
+              <a:t>x</a:t>
+            </a:r>
+            <a:r>
+              <a:rPr lang="en-GB" sz="1200" b="0" dirty="0">
+                <a:solidFill>
+                  <a:schemeClr val="tx1"/>
+                </a:solidFill>
+              </a:rPr>
+              <a:t>, </a:t>
+            </a:r>
+            <a:r>
+              <a:rPr lang="en-GB" sz="1200" b="0" dirty="0">
+                <a:solidFill>
+                  <a:schemeClr val="tx1">
+                    <a:lumMod val="50000"/>
+                    <a:lumOff val="50000"/>
+                  </a:schemeClr>
+                </a:solidFill>
+              </a:rPr>
+              <a:t>y</a:t>
+            </a:r>
+            <a:r>
+              <a:rPr lang="en-GB" sz="1200" b="0" dirty="0">
+                <a:solidFill>
+                  <a:schemeClr val="tx1"/>
+                </a:solidFill>
+              </a:rPr>
+              <a:t>, </a:t>
+            </a:r>
+            <a:r>
+              <a:rPr lang="en-GB" sz="1200" b="0" dirty="0">
+                <a:solidFill>
+                  <a:schemeClr val="tx1">
+                    <a:lumMod val="50000"/>
+                    <a:lumOff val="50000"/>
+                  </a:schemeClr>
+                </a:solidFill>
+              </a:rPr>
+              <a:t>x</a:t>
+            </a:r>
+            <a:r>
+              <a:rPr lang="en-GB" sz="1200" b="0" dirty="0">
+                <a:solidFill>
+                  <a:schemeClr val="tx1"/>
+                </a:solidFill>
+              </a:rPr>
+              <a:t>, </a:t>
+            </a:r>
+            <a:r>
+              <a:rPr lang="en-GB" sz="1200" b="0" dirty="0">
+                <a:solidFill>
+                  <a:schemeClr val="tx1">
+                    <a:lumMod val="50000"/>
+                    <a:lumOff val="50000"/>
+                  </a:schemeClr>
+                </a:solidFill>
+              </a:rPr>
+              <a:t>y</a:t>
+            </a:r>
+            <a:r>
+              <a:rPr lang="en-GB" sz="1200" b="0" dirty="0">
+                <a:solidFill>
+                  <a:schemeClr val="tx1"/>
+                </a:solidFill>
+              </a:rPr>
+              <a:t>, …)</a:t>
             </a:r>
           </a:p>
           <a:p>
             <a:r>
               <a:rPr lang="en-GB" sz="1200" dirty="0" err="1">
                 <a:solidFill>
-                  <a:srgbClr val="FF0000"/>
+                  <a:schemeClr val="tx1"/>
                 </a:solidFill>
               </a:rPr>
               <a:t>curveTo</a:t>
@@ -6939,15 +7346,29 @@
             <a:r>
               <a:rPr lang="en-GB" sz="1200" b="0" dirty="0">
                 <a:solidFill>
-                  <a:srgbClr val="FF0000"/>
-                </a:solidFill>
-              </a:rPr>
-              <a:t> ( m</a:t>
+                  <a:schemeClr val="tx1"/>
+                </a:solidFill>
+              </a:rPr>
+              <a:t> (</a:t>
+            </a:r>
+            <a:r>
+              <a:rPr lang="en-GB" sz="1200" b="0" dirty="0">
+                <a:solidFill>
+                  <a:schemeClr val="tx1">
+                    <a:lumMod val="50000"/>
+                    <a:lumOff val="50000"/>
+                  </a:schemeClr>
+                </a:solidFill>
+              </a:rPr>
+              <a:t>m</a:t>
             </a:r>
             <a:r>
               <a:rPr lang="en-GB" sz="1200" b="0" baseline="-25000" dirty="0">
                 <a:solidFill>
-                  <a:srgbClr val="FF0000"/>
+                  <a:schemeClr val="tx1">
+                    <a:lumMod val="50000"/>
+                    <a:lumOff val="50000"/>
+                  </a:schemeClr>
                 </a:solidFill>
               </a:rPr>
               <a:t>x</a:t>
@@ -6955,15 +7376,29 @@
             <a:r>
               <a:rPr lang="en-GB" sz="1200" b="0" dirty="0">
                 <a:solidFill>
-                  <a:srgbClr val="FF0000"/>
-                </a:solidFill>
-              </a:rPr>
-              <a:t>, m</a:t>
+                  <a:schemeClr val="tx1"/>
+                </a:solidFill>
+              </a:rPr>
+              <a:t>, </a:t>
+            </a:r>
+            <a:r>
+              <a:rPr lang="en-GB" sz="1200" b="0" dirty="0">
+                <a:solidFill>
+                  <a:schemeClr val="tx1">
+                    <a:lumMod val="50000"/>
+                    <a:lumOff val="50000"/>
+                  </a:schemeClr>
+                </a:solidFill>
+              </a:rPr>
+              <a:t>m</a:t>
             </a:r>
             <a:r>
               <a:rPr lang="en-GB" sz="1200" b="0" baseline="-25000" dirty="0">
                 <a:solidFill>
-                  <a:srgbClr val="FF0000"/>
+                  <a:schemeClr val="tx1">
+                    <a:lumMod val="50000"/>
+                    <a:lumOff val="50000"/>
+                  </a:schemeClr>
                 </a:solidFill>
               </a:rPr>
               <a:t>y</a:t>
@@ -6971,17 +7406,55 @@
             <a:r>
               <a:rPr lang="en-GB" sz="1200" b="0" dirty="0">
                 <a:solidFill>
-                  <a:srgbClr val="FF0000"/>
-                </a:solidFill>
-              </a:rPr>
-              <a:t>, x, y )</a:t>
+                  <a:schemeClr val="tx1"/>
+                </a:solidFill>
+              </a:rPr>
+              <a:t>, </a:t>
+            </a:r>
+            <a:r>
+              <a:rPr lang="en-GB" sz="1200" b="0" dirty="0">
+                <a:solidFill>
+                  <a:schemeClr val="tx1">
+                    <a:lumMod val="50000"/>
+                    <a:lumOff val="50000"/>
+                  </a:schemeClr>
+                </a:solidFill>
+              </a:rPr>
+              <a:t>x</a:t>
+            </a:r>
+            <a:r>
+              <a:rPr lang="en-GB" sz="1200" b="0" dirty="0">
+                <a:solidFill>
+                  <a:schemeClr val="tx1"/>
+                </a:solidFill>
+              </a:rPr>
+              <a:t>, </a:t>
+            </a:r>
+            <a:r>
+              <a:rPr lang="en-GB" sz="1200" b="0" dirty="0">
+                <a:solidFill>
+                  <a:schemeClr val="tx1">
+                    <a:lumMod val="50000"/>
+                    <a:lumOff val="50000"/>
+                  </a:schemeClr>
+                </a:solidFill>
+              </a:rPr>
+              <a:t>y</a:t>
+            </a:r>
+            <a:r>
+              <a:rPr lang="en-GB" sz="1200" b="0" dirty="0">
+                <a:solidFill>
+                  <a:schemeClr val="tx1"/>
+                </a:solidFill>
+              </a:rPr>
+              <a:t>)</a:t>
             </a:r>
           </a:p>
           <a:p>
             <a:r>
               <a:rPr lang="en-GB" sz="1200" dirty="0">
                 <a:solidFill>
-                  <a:srgbClr val="FF0000"/>
+                  <a:schemeClr val="tx1"/>
                 </a:solidFill>
               </a:rPr>
               <a:t>arc</a:t>
@@ -6989,15 +7462,113 @@
             <a:r>
               <a:rPr lang="en-GB" sz="1200" b="0" dirty="0">
                 <a:solidFill>
-                  <a:srgbClr val="FF0000"/>
-                </a:solidFill>
-              </a:rPr>
-              <a:t> ( x, y, radius, from, to, </a:t>
+                  <a:schemeClr val="tx1"/>
+                </a:solidFill>
+              </a:rPr>
+              <a:t> (</a:t>
+            </a:r>
+            <a:r>
+              <a:rPr lang="en-GB" sz="1200" b="0" dirty="0">
+                <a:solidFill>
+                  <a:schemeClr val="tx1">
+                    <a:lumMod val="50000"/>
+                    <a:lumOff val="50000"/>
+                  </a:schemeClr>
+                </a:solidFill>
+              </a:rPr>
+              <a:t>x</a:t>
+            </a:r>
+            <a:r>
+              <a:rPr lang="en-GB" sz="1200" b="0" dirty="0">
+                <a:solidFill>
+                  <a:schemeClr val="tx1"/>
+                </a:solidFill>
+              </a:rPr>
+              <a:t>, </a:t>
+            </a:r>
+            <a:r>
+              <a:rPr lang="en-GB" sz="1200" b="0" dirty="0">
+                <a:solidFill>
+                  <a:schemeClr val="tx1">
+                    <a:lumMod val="50000"/>
+                    <a:lumOff val="50000"/>
+                  </a:schemeClr>
+                </a:solidFill>
+              </a:rPr>
+              <a:t>y</a:t>
+            </a:r>
+            <a:r>
+              <a:rPr lang="en-GB" sz="1200" b="0" dirty="0">
+                <a:solidFill>
+                  <a:schemeClr val="tx1"/>
+                </a:solidFill>
+              </a:rPr>
+              <a:t>, </a:t>
+            </a:r>
+            <a:r>
+              <a:rPr lang="en-GB" sz="1200" b="0" dirty="0">
+                <a:solidFill>
+                  <a:schemeClr val="tx1">
+                    <a:lumMod val="50000"/>
+                    <a:lumOff val="50000"/>
+                  </a:schemeClr>
+                </a:solidFill>
+              </a:rPr>
+              <a:t>radius</a:t>
+            </a:r>
+            <a:r>
+              <a:rPr lang="en-GB" sz="1200" b="0" dirty="0">
+                <a:solidFill>
+                  <a:schemeClr val="tx1"/>
+                </a:solidFill>
+              </a:rPr>
+              <a:t>, </a:t>
+            </a:r>
+            <a:r>
+              <a:rPr lang="en-GB" sz="1200" b="0" dirty="0">
+                <a:solidFill>
+                  <a:schemeClr val="tx1">
+                    <a:lumMod val="50000"/>
+                    <a:lumOff val="50000"/>
+                  </a:schemeClr>
+                </a:solidFill>
+              </a:rPr>
+              <a:t>from</a:t>
+            </a:r>
+            <a:r>
+              <a:rPr lang="en-GB" sz="1200" b="0" dirty="0">
+                <a:solidFill>
+                  <a:schemeClr val="tx1"/>
+                </a:solidFill>
+              </a:rPr>
+              <a:t>, </a:t>
+            </a:r>
+            <a:r>
+              <a:rPr lang="en-GB" sz="1200" b="0" dirty="0">
+                <a:solidFill>
+                  <a:schemeClr val="tx1">
+                    <a:lumMod val="50000"/>
+                    <a:lumOff val="50000"/>
+                  </a:schemeClr>
+                </a:solidFill>
+              </a:rPr>
+              <a:t>to</a:t>
+            </a:r>
+            <a:r>
+              <a:rPr lang="en-GB" sz="1200" b="0" dirty="0">
+                <a:solidFill>
+                  <a:schemeClr val="tx1"/>
+                </a:solidFill>
+              </a:rPr>
+              <a:t>, </a:t>
             </a:r>
             <a:r>
               <a:rPr lang="en-GB" sz="1200" b="0" dirty="0" err="1">
                 <a:solidFill>
-                  <a:srgbClr val="FF0000"/>
+                  <a:schemeClr val="tx1">
+                    <a:lumMod val="50000"/>
+                    <a:lumOff val="50000"/>
+                  </a:schemeClr>
                 </a:solidFill>
               </a:rPr>
               <a:t>cw</a:t>
@@ -7005,17 +7576,25 @@
             <a:r>
               <a:rPr lang="en-GB" sz="1200" b="0" dirty="0">
                 <a:solidFill>
-                  <a:srgbClr val="FF0000"/>
-                </a:solidFill>
-              </a:rPr>
-              <a:t> )</a:t>
-            </a:r>
+                  <a:schemeClr val="tx1">
+                    <a:lumMod val="50000"/>
+                    <a:lumOff val="50000"/>
+                  </a:schemeClr>
+                </a:solidFill>
+              </a:rPr>
+              <a:t>)</a:t>
+            </a:r>
+            <a:endParaRPr lang="en-GB" sz="1200" b="0" dirty="0">
+              <a:solidFill>
+                <a:schemeClr val="tx1"/>
+              </a:solidFill>
+            </a:endParaRPr>
           </a:p>
           <a:p>
             <a:r>
               <a:rPr lang="en-GB" sz="1200" dirty="0">
                 <a:solidFill>
-                  <a:srgbClr val="FF0000"/>
+                  <a:schemeClr val="tx1"/>
                 </a:solidFill>
               </a:rPr>
               <a:t>stroke </a:t>
@@ -7023,15 +7602,18 @@
             <a:r>
               <a:rPr lang="en-GB" sz="1200" b="0" dirty="0">
                 <a:solidFill>
-                  <a:srgbClr val="FF0000"/>
-                </a:solidFill>
-              </a:rPr>
-              <a:t>( </a:t>
+                  <a:schemeClr val="tx1"/>
+                </a:solidFill>
+              </a:rPr>
+              <a:t>(</a:t>
             </a:r>
             <a:r>
               <a:rPr lang="en-GB" sz="1200" b="0" dirty="0" err="1">
                 <a:solidFill>
-                  <a:srgbClr val="FF0000"/>
+                  <a:schemeClr val="tx1">
+                    <a:lumMod val="50000"/>
+                    <a:lumOff val="50000"/>
+                  </a:schemeClr>
                 </a:solidFill>
               </a:rPr>
               <a:t>color</a:t>
@@ -7039,17 +7621,52 @@
             <a:r>
               <a:rPr lang="en-GB" sz="1200" b="0" dirty="0">
                 <a:solidFill>
-                  <a:srgbClr val="FF0000"/>
-                </a:solidFill>
-              </a:rPr>
-              <a:t>, width, closed )</a:t>
-            </a:r>
+                  <a:schemeClr val="tx1"/>
+                </a:solidFill>
+              </a:rPr>
+              <a:t>, </a:t>
+            </a:r>
+            <a:r>
+              <a:rPr lang="en-GB" sz="1200" b="0" dirty="0">
+                <a:solidFill>
+                  <a:schemeClr val="tx1">
+                    <a:lumMod val="50000"/>
+                    <a:lumOff val="50000"/>
+                  </a:schemeClr>
+                </a:solidFill>
+              </a:rPr>
+              <a:t>width</a:t>
+            </a:r>
+            <a:r>
+              <a:rPr lang="en-GB" sz="1200" b="0" dirty="0">
+                <a:solidFill>
+                  <a:schemeClr val="tx1"/>
+                </a:solidFill>
+              </a:rPr>
+              <a:t>, </a:t>
+            </a:r>
+            <a:r>
+              <a:rPr lang="en-GB" sz="1200" b="0" dirty="0">
+                <a:solidFill>
+                  <a:schemeClr val="tx1">
+                    <a:lumMod val="50000"/>
+                    <a:lumOff val="50000"/>
+                  </a:schemeClr>
+                </a:solidFill>
+              </a:rPr>
+              <a:t>closed)</a:t>
+            </a:r>
+            <a:endParaRPr lang="en-GB" sz="1200" b="0" dirty="0">
+              <a:solidFill>
+                <a:schemeClr val="tx1"/>
+              </a:solidFill>
+            </a:endParaRPr>
           </a:p>
           <a:p>
             <a:r>
               <a:rPr lang="en-GB" sz="1200" dirty="0">
                 <a:solidFill>
-                  <a:srgbClr val="FF0000"/>
+                  <a:schemeClr val="tx1"/>
                 </a:solidFill>
               </a:rPr>
               <a:t>fill </a:t>
@@ -7057,15 +7674,18 @@
             <a:r>
               <a:rPr lang="en-GB" sz="1200" b="0" dirty="0">
                 <a:solidFill>
-                  <a:srgbClr val="FF0000"/>
-                </a:solidFill>
-              </a:rPr>
-              <a:t>( </a:t>
+                  <a:schemeClr val="tx1"/>
+                </a:solidFill>
+              </a:rPr>
+              <a:t>(</a:t>
             </a:r>
             <a:r>
               <a:rPr lang="en-GB" sz="1200" b="0" dirty="0" err="1">
                 <a:solidFill>
-                  <a:srgbClr val="FF0000"/>
+                  <a:schemeClr val="tx1">
+                    <a:lumMod val="50000"/>
+                    <a:lumOff val="50000"/>
+                  </a:schemeClr>
                 </a:solidFill>
               </a:rPr>
               <a:t>color</a:t>
@@ -7073,17 +7693,25 @@
             <a:r>
               <a:rPr lang="en-GB" sz="1200" b="0" dirty="0">
                 <a:solidFill>
-                  <a:srgbClr val="FF0000"/>
-                </a:solidFill>
-              </a:rPr>
-              <a:t> )</a:t>
-            </a:r>
+                  <a:schemeClr val="tx1">
+                    <a:lumMod val="50000"/>
+                    <a:lumOff val="50000"/>
+                  </a:schemeClr>
+                </a:solidFill>
+              </a:rPr>
+              <a:t>)</a:t>
+            </a:r>
+            <a:endParaRPr lang="en-GB" sz="1200" b="0" dirty="0">
+              <a:solidFill>
+                <a:schemeClr val="tx1"/>
+              </a:solidFill>
+            </a:endParaRPr>
           </a:p>
           <a:p>
             <a:r>
               <a:rPr lang="en-GB" sz="1200" dirty="0" err="1">
                 <a:solidFill>
-                  <a:srgbClr val="FF0000"/>
+                  <a:schemeClr val="tx1"/>
                 </a:solidFill>
               </a:rPr>
               <a:t>fillText</a:t>
@@ -7091,7 +7719,7 @@
             <a:r>
               <a:rPr lang="en-GB" sz="1200" dirty="0">
                 <a:solidFill>
-                  <a:srgbClr val="FF0000"/>
+                  <a:schemeClr val="tx1"/>
                 </a:solidFill>
               </a:rPr>
               <a:t> </a:t>
@@ -7099,15 +7727,75 @@
             <a:r>
               <a:rPr lang="en-GB" sz="1200" b="0" dirty="0">
                 <a:solidFill>
-                  <a:srgbClr val="FF0000"/>
-                </a:solidFill>
-              </a:rPr>
-              <a:t>( x, y, text, </a:t>
+                  <a:schemeClr val="tx1"/>
+                </a:solidFill>
+              </a:rPr>
+              <a:t>(</a:t>
+            </a:r>
+            <a:r>
+              <a:rPr lang="en-GB" sz="1200" b="0" dirty="0">
+                <a:solidFill>
+                  <a:schemeClr val="tx1">
+                    <a:lumMod val="50000"/>
+                    <a:lumOff val="50000"/>
+                  </a:schemeClr>
+                </a:solidFill>
+              </a:rPr>
+              <a:t>x</a:t>
+            </a:r>
+            <a:r>
+              <a:rPr lang="en-GB" sz="1200" b="0" dirty="0">
+                <a:solidFill>
+                  <a:schemeClr val="tx1"/>
+                </a:solidFill>
+              </a:rPr>
+              <a:t>, </a:t>
+            </a:r>
+            <a:r>
+              <a:rPr lang="en-GB" sz="1200" b="0" dirty="0">
+                <a:solidFill>
+                  <a:schemeClr val="tx1">
+                    <a:lumMod val="50000"/>
+                    <a:lumOff val="50000"/>
+                  </a:schemeClr>
+                </a:solidFill>
+              </a:rPr>
+              <a:t>y</a:t>
+            </a:r>
+            <a:r>
+              <a:rPr lang="en-GB" sz="1200" b="0" dirty="0">
+                <a:solidFill>
+                  <a:schemeClr val="tx1"/>
+                </a:solidFill>
+              </a:rPr>
+              <a:t>, </a:t>
+            </a:r>
+            <a:r>
+              <a:rPr lang="en-GB" sz="1200" b="0" dirty="0">
+                <a:solidFill>
+                  <a:schemeClr val="tx1">
+                    <a:lumMod val="50000"/>
+                    <a:lumOff val="50000"/>
+                  </a:schemeClr>
+                </a:solidFill>
+              </a:rPr>
+              <a:t>text</a:t>
+            </a:r>
+            <a:r>
+              <a:rPr lang="en-GB" sz="1200" b="0" dirty="0">
+                <a:solidFill>
+                  <a:schemeClr val="tx1"/>
+                </a:solidFill>
+              </a:rPr>
+              <a:t>, </a:t>
             </a:r>
             <a:r>
               <a:rPr lang="en-GB" sz="1200" b="0" dirty="0" err="1">
                 <a:solidFill>
-                  <a:srgbClr val="FF0000"/>
+                  <a:schemeClr val="tx1">
+                    <a:lumMod val="50000"/>
+                    <a:lumOff val="50000"/>
+                  </a:schemeClr>
                 </a:solidFill>
               </a:rPr>
               <a:t>color</a:t>
@@ -7115,28 +7803,79 @@
             <a:r>
               <a:rPr lang="en-GB" sz="1200" b="0" dirty="0">
                 <a:solidFill>
-                  <a:srgbClr val="FF0000"/>
-                </a:solidFill>
-              </a:rPr>
-              <a:t>, font )</a:t>
-            </a:r>
-          </a:p>
-          <a:p>
-            <a:r>
-              <a:rPr lang="en-GB" sz="1200" b="0" dirty="0">
-                <a:solidFill>
-                  <a:srgbClr val="FF0000"/>
-                </a:solidFill>
-              </a:rPr>
-              <a:t>	"bold 20px Courier"</a:t>
-            </a:r>
+                  <a:schemeClr val="tx1"/>
+                </a:solidFill>
+              </a:rPr>
+              <a:t>, </a:t>
+            </a:r>
+            <a:r>
+              <a:rPr lang="en-GB" sz="1200" b="0" dirty="0">
+                <a:solidFill>
+                  <a:schemeClr val="tx1">
+                    <a:lumMod val="50000"/>
+                    <a:lumOff val="50000"/>
+                  </a:schemeClr>
+                </a:solidFill>
+              </a:rPr>
+              <a:t>font)</a:t>
+            </a:r>
+            <a:endParaRPr lang="en-GB" sz="1200" b="0" dirty="0">
+              <a:solidFill>
+                <a:schemeClr val="tx1"/>
+              </a:solidFill>
+            </a:endParaRPr>
+          </a:p>
+          <a:p>
+            <a:pPr>
+              <a:tabLst>
+                <a:tab pos="457200" algn="l"/>
+              </a:tabLst>
+            </a:pPr>
+            <a:r>
+              <a:rPr lang="en-GB" sz="1200" b="0" dirty="0">
+                <a:solidFill>
+                  <a:schemeClr val="tx1"/>
+                </a:solidFill>
+              </a:rPr>
+              <a:t>	</a:t>
+            </a:r>
+            <a:r>
+              <a:rPr lang="en-GB" sz="1200" b="0" dirty="0">
+                <a:solidFill>
+                  <a:schemeClr val="tx1">
+                    <a:lumMod val="50000"/>
+                    <a:lumOff val="50000"/>
+                  </a:schemeClr>
+                </a:solidFill>
+              </a:rPr>
+              <a:t>"bold 20px Courier"</a:t>
+            </a:r>
+            <a:r>
+              <a:rPr lang="bg-BG" sz="1200" b="0" dirty="0">
+                <a:solidFill>
+                  <a:schemeClr val="tx1">
+                    <a:lumMod val="50000"/>
+                    <a:lumOff val="50000"/>
+                  </a:schemeClr>
+                </a:solidFill>
+              </a:rPr>
+              <a:t> </a:t>
+            </a:r>
+            <a:endParaRPr lang="en-GB" sz="1200" b="0" dirty="0">
+              <a:solidFill>
+                <a:schemeClr val="tx1">
+                  <a:lumMod val="50000"/>
+                  <a:lumOff val="50000"/>
+                </a:schemeClr>
+              </a:solidFill>
+            </a:endParaRPr>
           </a:p>
           <a:p>
             <a:pPr lvl="0"/>
             <a:r>
               <a:rPr lang="en-GB" sz="1200" dirty="0">
                 <a:solidFill>
-                  <a:srgbClr val="FF0000"/>
+                  <a:schemeClr val="tx1"/>
                 </a:solidFill>
               </a:rPr>
               <a:t>clear </a:t>
@@ -7144,15 +7883,18 @@
             <a:r>
               <a:rPr lang="en-GB" sz="1200" b="0" dirty="0">
                 <a:solidFill>
-                  <a:srgbClr val="FF0000"/>
-                </a:solidFill>
-              </a:rPr>
-              <a:t>( </a:t>
+                  <a:schemeClr val="tx1"/>
+                </a:solidFill>
+              </a:rPr>
+              <a:t>(</a:t>
             </a:r>
             <a:r>
               <a:rPr lang="en-GB" sz="1200" b="0" dirty="0" err="1">
                 <a:solidFill>
-                  <a:srgbClr val="FF0000"/>
+                  <a:schemeClr val="tx1">
+                    <a:lumMod val="50000"/>
+                    <a:lumOff val="50000"/>
+                  </a:schemeClr>
                 </a:solidFill>
               </a:rPr>
               <a:t>color</a:t>
@@ -7160,10 +7902,10 @@
             <a:r>
               <a:rPr lang="en-GB" sz="1200" b="0" dirty="0">
                 <a:solidFill>
-                  <a:srgbClr val="FF0000"/>
-                </a:solidFill>
-              </a:rPr>
-              <a:t> )</a:t>
+                  <a:schemeClr val="tx1"/>
+                </a:solidFill>
+              </a:rPr>
+              <a:t>)</a:t>
             </a:r>
           </a:p>
         </p:txBody>
@@ -7182,8 +7924,8 @@
         </p:nvSpPr>
         <p:spPr>
           <a:xfrm>
-            <a:off x="4953000" y="533400"/>
-            <a:ext cx="2514600" cy="3537375"/>
+            <a:off x="5410200" y="533400"/>
+            <a:ext cx="2738120" cy="3047999"/>
           </a:xfrm>
           <a:prstGeom prst="rect">
             <a:avLst/>
@@ -7309,12 +8051,118 @@
           <a:p>
             <a:pPr lvl="0"/>
             <a:r>
+              <a:rPr lang="fr-FR" sz="1200" dirty="0">
+                <a:solidFill>
+                  <a:srgbClr val="FF0000"/>
+                </a:solidFill>
+              </a:rPr>
+              <a:t>background</a:t>
+            </a:r>
+            <a:r>
               <a:rPr lang="fr-FR" sz="1200" b="0" dirty="0">
                 <a:solidFill>
                   <a:srgbClr val="FF0000"/>
                 </a:solidFill>
               </a:rPr>
-              <a:t>&lt;script src="</a:t>
+              <a:t> (</a:t>
+            </a:r>
+            <a:r>
+              <a:rPr lang="fr-FR" sz="1200" b="0" dirty="0" err="1">
+                <a:solidFill>
+                  <a:srgbClr val="FF0000"/>
+                </a:solidFill>
+              </a:rPr>
+              <a:t>color</a:t>
+            </a:r>
+            <a:r>
+              <a:rPr lang="fr-FR" sz="1200" b="0" dirty="0">
+                <a:solidFill>
+                  <a:srgbClr val="FF0000"/>
+                </a:solidFill>
+              </a:rPr>
+              <a:t>)</a:t>
+            </a:r>
+          </a:p>
+          <a:p>
+            <a:pPr lvl="0"/>
+            <a:r>
+              <a:rPr lang="fr-FR" sz="1200" dirty="0" err="1">
+                <a:solidFill>
+                  <a:srgbClr val="FF0000"/>
+                </a:solidFill>
+              </a:rPr>
+              <a:t>oxyz</a:t>
+            </a:r>
+            <a:r>
+              <a:rPr lang="fr-FR" sz="1200" b="0" dirty="0">
+                <a:solidFill>
+                  <a:srgbClr val="FF0000"/>
+                </a:solidFill>
+              </a:rPr>
+              <a:t> (size, </a:t>
+            </a:r>
+            <a:r>
+              <a:rPr lang="fr-FR" sz="1200" b="0" dirty="0" err="1">
+                <a:solidFill>
+                  <a:srgbClr val="FF0000"/>
+                </a:solidFill>
+              </a:rPr>
+              <a:t>color</a:t>
+            </a:r>
+            <a:r>
+              <a:rPr lang="fr-FR" sz="1200" b="0" dirty="0">
+                <a:solidFill>
+                  <a:srgbClr val="FF0000"/>
+                </a:solidFill>
+              </a:rPr>
+              <a:t>)</a:t>
+            </a:r>
+          </a:p>
+          <a:p>
+            <a:pPr lvl="0"/>
+            <a:r>
+              <a:rPr lang="fr-FR" sz="1200" dirty="0" err="1">
+                <a:solidFill>
+                  <a:srgbClr val="FF0000"/>
+                </a:solidFill>
+              </a:rPr>
+              <a:t>demo</a:t>
+            </a:r>
+            <a:r>
+              <a:rPr lang="fr-FR" sz="1200" b="0" dirty="0">
+                <a:solidFill>
+                  <a:srgbClr val="FF0000"/>
+                </a:solidFill>
+              </a:rPr>
+              <a:t> (distance, altitude, speed)</a:t>
+            </a:r>
+          </a:p>
+          <a:p>
+            <a:r>
+              <a:rPr lang="fr-FR" sz="1200" dirty="0" err="1">
+                <a:solidFill>
+                  <a:srgbClr val="FF0000"/>
+                </a:solidFill>
+              </a:rPr>
+              <a:t>orbit</a:t>
+            </a:r>
+            <a:r>
+              <a:rPr lang="fr-FR" sz="1200" b="0" dirty="0">
+                <a:solidFill>
+                  <a:srgbClr val="FF0000"/>
+                </a:solidFill>
+              </a:rPr>
+              <a:t> (distance, altitude, speed)</a:t>
+            </a:r>
+          </a:p>
+          <a:p>
+            <a:r>
+              <a:rPr lang="fr-FR" sz="1200" dirty="0" err="1">
+                <a:solidFill>
+                  <a:srgbClr val="FF0000"/>
+                </a:solidFill>
+              </a:rPr>
+              <a:t>lookAt</a:t>
             </a:r>
             <a:r>
               <a:rPr lang="fr-FR" sz="1200" dirty="0">
@@ -7322,7 +8170,7 @@
                   <a:srgbClr val="FF0000"/>
                 </a:solidFill>
               </a:rPr>
-              <a:t>suica.js</a:t>
+              <a:t> </a:t>
             </a:r>
             <a:r>
               <a:rPr lang="fr-FR" sz="1200" b="0" dirty="0">
@@ -7330,18 +8178,41 @@
                   <a:srgbClr val="FF0000"/>
                 </a:solidFill>
               </a:rPr>
-              <a:t>"&gt;&lt;/script&gt;</a:t>
-            </a:r>
-          </a:p>
-          <a:p>
-            <a:pPr lvl="0"/>
+              <a:t>(</a:t>
+            </a:r>
+            <a:r>
+              <a:rPr lang="fr-FR" sz="1200" b="0" dirty="0" err="1">
+                <a:solidFill>
+                  <a:srgbClr val="FF0000"/>
+                </a:solidFill>
+              </a:rPr>
+              <a:t>from</a:t>
+            </a:r>
             <a:r>
               <a:rPr lang="fr-FR" sz="1200" b="0" dirty="0">
                 <a:solidFill>
                   <a:srgbClr val="FF0000"/>
                 </a:solidFill>
               </a:rPr>
-              <a:t>&lt;</a:t>
+              <a:t>, to, up)</a:t>
+            </a:r>
+          </a:p>
+          <a:p>
+            <a:r>
+              <a:rPr lang="fr-FR" sz="1200" dirty="0">
+                <a:solidFill>
+                  <a:srgbClr val="FF0000"/>
+                </a:solidFill>
+              </a:rPr>
+              <a:t>perspective</a:t>
+            </a:r>
+            <a:r>
+              <a:rPr lang="fr-FR" sz="1200" b="0" dirty="0">
+                <a:solidFill>
+                  <a:srgbClr val="FF0000"/>
+                </a:solidFill>
+              </a:rPr>
+              <a:t> (</a:t>
             </a:r>
             <a:r>
               <a:rPr lang="fr-FR" sz="1200" b="0" dirty="0" err="1">
@@ -7349,7 +8220,7 @@
                   <a:srgbClr val="FF0000"/>
                 </a:solidFill>
               </a:rPr>
-              <a:t>suica</a:t>
+              <a:t>near</a:t>
             </a:r>
             <a:r>
               <a:rPr lang="fr-FR" sz="1200" b="0" dirty="0">
@@ -7357,7 +8228,7 @@
                   <a:srgbClr val="FF0000"/>
                 </a:solidFill>
               </a:rPr>
-              <a:t>&gt; … &lt;/</a:t>
+              <a:t>, far, </a:t>
             </a:r>
             <a:r>
               <a:rPr lang="fr-FR" sz="1200" b="0" dirty="0" err="1">
@@ -7365,7 +8236,7 @@
                   <a:srgbClr val="FF0000"/>
                 </a:solidFill>
               </a:rPr>
-              <a:t>suica</a:t>
+              <a:t>fov</a:t>
             </a:r>
             <a:r>
               <a:rPr lang="fr-FR" sz="1200" b="0" dirty="0">
@@ -7373,22 +8244,141 @@
                   <a:srgbClr val="FF0000"/>
                 </a:solidFill>
               </a:rPr>
-              <a:t>&gt;</a:t>
-            </a:r>
-          </a:p>
-          <a:p>
-            <a:pPr lvl="0">
-              <a:spcBef>
-                <a:spcPts val="600"/>
-              </a:spcBef>
-            </a:pPr>
+              <a:t>)</a:t>
+            </a:r>
+          </a:p>
+          <a:p>
+            <a:r>
+              <a:rPr lang="fr-FR" sz="1200" dirty="0" err="1">
+                <a:solidFill>
+                  <a:srgbClr val="FF0000"/>
+                </a:solidFill>
+              </a:rPr>
+              <a:t>orthographic</a:t>
+            </a:r>
+            <a:r>
+              <a:rPr lang="fr-FR" sz="1200" b="0" dirty="0">
+                <a:solidFill>
+                  <a:srgbClr val="FF0000"/>
+                </a:solidFill>
+              </a:rPr>
+              <a:t> (</a:t>
+            </a:r>
+            <a:r>
+              <a:rPr lang="fr-FR" sz="1200" b="0" dirty="0" err="1">
+                <a:solidFill>
+                  <a:srgbClr val="FF0000"/>
+                </a:solidFill>
+              </a:rPr>
+              <a:t>near</a:t>
+            </a:r>
+            <a:r>
+              <a:rPr lang="fr-FR" sz="1200" b="0" dirty="0">
+                <a:solidFill>
+                  <a:srgbClr val="FF0000"/>
+                </a:solidFill>
+              </a:rPr>
+              <a:t>, far)</a:t>
+            </a:r>
+          </a:p>
+          <a:p>
+            <a:r>
+              <a:rPr lang="fr-FR" sz="1200" dirty="0" err="1">
+                <a:solidFill>
+                  <a:srgbClr val="FF0000"/>
+                </a:solidFill>
+              </a:rPr>
+              <a:t>fullWindow</a:t>
+            </a:r>
+            <a:r>
+              <a:rPr lang="fr-FR" sz="1200" b="0" dirty="0">
+                <a:solidFill>
+                  <a:srgbClr val="FF0000"/>
+                </a:solidFill>
+              </a:rPr>
+              <a:t> ()</a:t>
+            </a:r>
+          </a:p>
+          <a:p>
+            <a:r>
+              <a:rPr lang="fr-FR" sz="1200" dirty="0" err="1">
+                <a:solidFill>
+                  <a:srgbClr val="FF0000"/>
+                </a:solidFill>
+              </a:rPr>
+              <a:t>fullScreen</a:t>
+            </a:r>
+            <a:r>
+              <a:rPr lang="fr-FR" sz="1200" b="0" dirty="0">
+                <a:solidFill>
+                  <a:srgbClr val="FF0000"/>
+                </a:solidFill>
+              </a:rPr>
+              <a:t> ()</a:t>
+            </a:r>
+          </a:p>
+          <a:p>
+            <a:r>
+              <a:rPr lang="fr-FR" sz="1200" dirty="0" err="1">
+                <a:solidFill>
+                  <a:srgbClr val="FF0000"/>
+                </a:solidFill>
+              </a:rPr>
+              <a:t>stereo</a:t>
+            </a:r>
+            <a:r>
+              <a:rPr lang="fr-FR" sz="1200" b="0" dirty="0">
+                <a:solidFill>
+                  <a:srgbClr val="FF0000"/>
+                </a:solidFill>
+              </a:rPr>
+              <a:t> (distance)</a:t>
+            </a:r>
+          </a:p>
+          <a:p>
+            <a:r>
+              <a:rPr lang="fr-FR" sz="1200" dirty="0" err="1">
+                <a:solidFill>
+                  <a:srgbClr val="FF0000"/>
+                </a:solidFill>
+              </a:rPr>
+              <a:t>anaglyph</a:t>
+            </a:r>
+            <a:r>
+              <a:rPr lang="fr-FR" sz="1200" b="0" dirty="0">
+                <a:solidFill>
+                  <a:srgbClr val="FF0000"/>
+                </a:solidFill>
+              </a:rPr>
+              <a:t> (distance)</a:t>
+            </a:r>
+          </a:p>
+          <a:p>
+            <a:r>
+              <a:rPr lang="fr-FR" sz="1200" dirty="0" err="1">
+                <a:solidFill>
+                  <a:srgbClr val="FF0000"/>
+                </a:solidFill>
+              </a:rPr>
+              <a:t>vr</a:t>
+            </a:r>
+            <a:r>
+              <a:rPr lang="fr-FR" sz="1200" b="0" dirty="0">
+                <a:solidFill>
+                  <a:srgbClr val="FF0000"/>
+                </a:solidFill>
+              </a:rPr>
+              <a:t> ()</a:t>
+            </a:r>
+          </a:p>
+          <a:p>
             <a:r>
               <a:rPr lang="fr-FR" sz="1200" dirty="0">
                 <a:solidFill>
                   <a:srgbClr val="FF0000"/>
                 </a:solidFill>
               </a:rPr>
-              <a:t>background</a:t>
+              <a:t>capture</a:t>
             </a:r>
             <a:r>
               <a:rPr lang="fr-FR" sz="1200" b="0" dirty="0">
@@ -7396,7 +8386,7 @@
                   <a:srgbClr val="FF0000"/>
                 </a:solidFill>
               </a:rPr>
-              <a:t> ( </a:t>
+              <a:t> (</a:t>
             </a:r>
             <a:r>
               <a:rPr lang="fr-FR" sz="1200" b="0" dirty="0" err="1">
@@ -7404,7 +8394,7 @@
                   <a:srgbClr val="FF0000"/>
                 </a:solidFill>
               </a:rPr>
-              <a:t>color</a:t>
+              <a:t>filename</a:t>
             </a:r>
             <a:r>
               <a:rPr lang="fr-FR" sz="1200" b="0" dirty="0">
@@ -7412,18 +8402,15 @@
                   <a:srgbClr val="FF0000"/>
                 </a:solidFill>
               </a:rPr>
-              <a:t> )</a:t>
-            </a:r>
-          </a:p>
-          <a:p>
-            <a:pPr lvl="0"/>
-            <a:r>
-              <a:rPr lang="fr-FR" sz="1200" dirty="0">
+              <a:t>, time, </a:t>
+            </a:r>
+            <a:r>
+              <a:rPr lang="fr-FR" sz="1200" b="0" dirty="0" err="1">
                 <a:solidFill>
                   <a:srgbClr val="FF0000"/>
                 </a:solidFill>
               </a:rPr>
-              <a:t>proactive</a:t>
+              <a:t>fps</a:t>
             </a:r>
             <a:r>
               <a:rPr lang="fr-FR" sz="1200" b="0" dirty="0">
@@ -7431,18 +8418,15 @@
                   <a:srgbClr val="FF0000"/>
                 </a:solidFill>
               </a:rPr>
-              <a:t> ( )</a:t>
-            </a:r>
-          </a:p>
-          <a:p>
-            <a:pPr lvl="0"/>
-            <a:r>
-              <a:rPr lang="fr-FR" sz="1200" dirty="0" err="1">
+              <a:t>, format, </a:t>
+            </a:r>
+            <a:r>
+              <a:rPr lang="fr-FR" sz="1200" b="0" dirty="0" err="1">
                 <a:solidFill>
                   <a:srgbClr val="FF0000"/>
                 </a:solidFill>
               </a:rPr>
-              <a:t>oxyz</a:t>
+              <a:t>skipframes</a:t>
             </a:r>
             <a:r>
               <a:rPr lang="fr-FR" sz="1200" b="0" dirty="0">
@@ -7450,352 +8434,7 @@
                   <a:srgbClr val="FF0000"/>
                 </a:solidFill>
               </a:rPr>
-              <a:t> ( size, </a:t>
-            </a:r>
-            <a:r>
-              <a:rPr lang="fr-FR" sz="1200" b="0" dirty="0" err="1">
-                <a:solidFill>
-                  <a:srgbClr val="FF0000"/>
-                </a:solidFill>
-              </a:rPr>
-              <a:t>color</a:t>
-            </a:r>
-            <a:r>
-              <a:rPr lang="fr-FR" sz="1200" b="0" dirty="0">
-                <a:solidFill>
-                  <a:srgbClr val="FF0000"/>
-                </a:solidFill>
-              </a:rPr>
-              <a:t> )</a:t>
-            </a:r>
-          </a:p>
-          <a:p>
-            <a:pPr lvl="0"/>
-            <a:r>
-              <a:rPr lang="fr-FR" sz="1200" dirty="0" err="1">
-                <a:solidFill>
-                  <a:srgbClr val="FF0000"/>
-                </a:solidFill>
-              </a:rPr>
-              <a:t>demo</a:t>
-            </a:r>
-            <a:r>
-              <a:rPr lang="fr-FR" sz="1200" b="0" dirty="0">
-                <a:solidFill>
-                  <a:srgbClr val="FF0000"/>
-                </a:solidFill>
-              </a:rPr>
-              <a:t> ( distance, altitude, speed )</a:t>
-            </a:r>
-          </a:p>
-          <a:p>
-            <a:r>
-              <a:rPr lang="fr-FR" sz="1200" dirty="0" err="1">
-                <a:solidFill>
-                  <a:srgbClr val="FF0000"/>
-                </a:solidFill>
-              </a:rPr>
-              <a:t>orbit</a:t>
-            </a:r>
-            <a:r>
-              <a:rPr lang="fr-FR" sz="1200" b="0" dirty="0">
-                <a:solidFill>
-                  <a:srgbClr val="FF0000"/>
-                </a:solidFill>
-              </a:rPr>
-              <a:t> ( distance, altitude, speed )</a:t>
-            </a:r>
-          </a:p>
-          <a:p>
-            <a:r>
-              <a:rPr lang="fr-FR" sz="1200" dirty="0" err="1">
-                <a:solidFill>
-                  <a:srgbClr val="FF0000"/>
-                </a:solidFill>
-              </a:rPr>
-              <a:t>lookAt</a:t>
-            </a:r>
-            <a:r>
-              <a:rPr lang="fr-FR" sz="1200" dirty="0">
-                <a:solidFill>
-                  <a:srgbClr val="FF0000"/>
-                </a:solidFill>
-              </a:rPr>
-              <a:t> </a:t>
-            </a:r>
-            <a:r>
-              <a:rPr lang="fr-FR" sz="1200" b="0" dirty="0">
-                <a:solidFill>
-                  <a:srgbClr val="FF0000"/>
-                </a:solidFill>
-              </a:rPr>
-              <a:t>( </a:t>
-            </a:r>
-            <a:r>
-              <a:rPr lang="fr-FR" sz="1200" b="0" dirty="0" err="1">
-                <a:solidFill>
-                  <a:srgbClr val="FF0000"/>
-                </a:solidFill>
-              </a:rPr>
-              <a:t>from</a:t>
-            </a:r>
-            <a:r>
-              <a:rPr lang="fr-FR" sz="1200" b="0" dirty="0">
-                <a:solidFill>
-                  <a:srgbClr val="FF0000"/>
-                </a:solidFill>
-              </a:rPr>
-              <a:t>, to, up )</a:t>
-            </a:r>
-          </a:p>
-          <a:p>
-            <a:pPr>
-              <a:spcBef>
-                <a:spcPts val="600"/>
-              </a:spcBef>
-            </a:pPr>
-            <a:r>
-              <a:rPr lang="fr-FR" sz="1200" dirty="0">
-                <a:solidFill>
-                  <a:srgbClr val="FF0000"/>
-                </a:solidFill>
-              </a:rPr>
-              <a:t>perspective</a:t>
-            </a:r>
-            <a:r>
-              <a:rPr lang="fr-FR" sz="1200" b="0" dirty="0">
-                <a:solidFill>
-                  <a:srgbClr val="FF0000"/>
-                </a:solidFill>
-              </a:rPr>
-              <a:t> ( </a:t>
-            </a:r>
-            <a:r>
-              <a:rPr lang="fr-FR" sz="1200" b="0" dirty="0" err="1">
-                <a:solidFill>
-                  <a:srgbClr val="FF0000"/>
-                </a:solidFill>
-              </a:rPr>
-              <a:t>near</a:t>
-            </a:r>
-            <a:r>
-              <a:rPr lang="fr-FR" sz="1200" b="0" dirty="0">
-                <a:solidFill>
-                  <a:srgbClr val="FF0000"/>
-                </a:solidFill>
-              </a:rPr>
-              <a:t>, far, </a:t>
-            </a:r>
-            <a:r>
-              <a:rPr lang="fr-FR" sz="1200" b="0" dirty="0" err="1">
-                <a:solidFill>
-                  <a:srgbClr val="FF0000"/>
-                </a:solidFill>
-              </a:rPr>
-              <a:t>fov</a:t>
-            </a:r>
-            <a:r>
-              <a:rPr lang="fr-FR" sz="1200" b="0" dirty="0">
-                <a:solidFill>
-                  <a:srgbClr val="FF0000"/>
-                </a:solidFill>
-              </a:rPr>
-              <a:t> )</a:t>
-            </a:r>
-          </a:p>
-          <a:p>
-            <a:r>
-              <a:rPr lang="fr-FR" sz="1200" dirty="0" err="1">
-                <a:solidFill>
-                  <a:srgbClr val="FF0000"/>
-                </a:solidFill>
-              </a:rPr>
-              <a:t>orthographic</a:t>
-            </a:r>
-            <a:r>
-              <a:rPr lang="fr-FR" sz="1200" b="0" dirty="0">
-                <a:solidFill>
-                  <a:srgbClr val="FF0000"/>
-                </a:solidFill>
-              </a:rPr>
-              <a:t> ( </a:t>
-            </a:r>
-            <a:r>
-              <a:rPr lang="fr-FR" sz="1200" b="0" dirty="0" err="1">
-                <a:solidFill>
-                  <a:srgbClr val="FF0000"/>
-                </a:solidFill>
-              </a:rPr>
-              <a:t>near</a:t>
-            </a:r>
-            <a:r>
-              <a:rPr lang="fr-FR" sz="1200" b="0" dirty="0">
-                <a:solidFill>
-                  <a:srgbClr val="FF0000"/>
-                </a:solidFill>
-              </a:rPr>
-              <a:t>, far )</a:t>
-            </a:r>
-          </a:p>
-          <a:p>
-            <a:r>
-              <a:rPr lang="fr-FR" sz="1200" dirty="0" err="1">
-                <a:solidFill>
-                  <a:srgbClr val="FF0000"/>
-                </a:solidFill>
-              </a:rPr>
-              <a:t>fullWindow</a:t>
-            </a:r>
-            <a:r>
-              <a:rPr lang="fr-FR" sz="1200" b="0" dirty="0">
-                <a:solidFill>
-                  <a:srgbClr val="FF0000"/>
-                </a:solidFill>
-              </a:rPr>
-              <a:t> ( )</a:t>
-            </a:r>
-          </a:p>
-          <a:p>
-            <a:r>
-              <a:rPr lang="fr-FR" sz="1200" dirty="0" err="1">
-                <a:solidFill>
-                  <a:srgbClr val="FF0000"/>
-                </a:solidFill>
-              </a:rPr>
-              <a:t>fullScreen</a:t>
-            </a:r>
-            <a:r>
-              <a:rPr lang="fr-FR" sz="1200" b="0" dirty="0">
-                <a:solidFill>
-                  <a:srgbClr val="FF0000"/>
-                </a:solidFill>
-              </a:rPr>
-              <a:t> ( )</a:t>
-            </a:r>
-          </a:p>
-          <a:p>
-            <a:r>
-              <a:rPr lang="fr-FR" sz="1200" dirty="0" err="1">
-                <a:solidFill>
-                  <a:srgbClr val="FF0000"/>
-                </a:solidFill>
-              </a:rPr>
-              <a:t>stereo</a:t>
-            </a:r>
-            <a:r>
-              <a:rPr lang="fr-FR" sz="1200" b="0" dirty="0">
-                <a:solidFill>
-                  <a:srgbClr val="FF0000"/>
-                </a:solidFill>
-              </a:rPr>
-              <a:t> ( distance )</a:t>
-            </a:r>
-          </a:p>
-          <a:p>
-            <a:r>
-              <a:rPr lang="fr-FR" sz="1200" dirty="0" err="1">
-                <a:solidFill>
-                  <a:srgbClr val="FF0000"/>
-                </a:solidFill>
-              </a:rPr>
-              <a:t>anaglyph</a:t>
-            </a:r>
-            <a:r>
-              <a:rPr lang="fr-FR" sz="1200" b="0" dirty="0">
-                <a:solidFill>
-                  <a:srgbClr val="FF0000"/>
-                </a:solidFill>
-              </a:rPr>
-              <a:t> ( distance )</a:t>
-            </a:r>
-          </a:p>
-          <a:p>
-            <a:r>
-              <a:rPr lang="fr-FR" sz="1200" dirty="0" err="1">
-                <a:solidFill>
-                  <a:srgbClr val="FF0000"/>
-                </a:solidFill>
-              </a:rPr>
-              <a:t>vr</a:t>
-            </a:r>
-            <a:r>
-              <a:rPr lang="fr-FR" sz="1200" b="0" dirty="0">
-                <a:solidFill>
-                  <a:srgbClr val="FF0000"/>
-                </a:solidFill>
-              </a:rPr>
-              <a:t> ( )</a:t>
-            </a:r>
-          </a:p>
-          <a:p>
-            <a:pPr>
-              <a:spcBef>
-                <a:spcPts val="600"/>
-              </a:spcBef>
-            </a:pPr>
-            <a:r>
-              <a:rPr lang="fr-FR" sz="1200" dirty="0">
-                <a:solidFill>
-                  <a:srgbClr val="FF0000"/>
-                </a:solidFill>
-              </a:rPr>
-              <a:t>capture</a:t>
-            </a:r>
-            <a:r>
-              <a:rPr lang="fr-FR" sz="1200" b="0" dirty="0">
-                <a:solidFill>
-                  <a:srgbClr val="FF0000"/>
-                </a:solidFill>
-              </a:rPr>
-              <a:t> ( </a:t>
-            </a:r>
-            <a:r>
-              <a:rPr lang="fr-FR" sz="1200" b="0" dirty="0" err="1">
-                <a:solidFill>
-                  <a:srgbClr val="FF0000"/>
-                </a:solidFill>
-              </a:rPr>
-              <a:t>filename</a:t>
-            </a:r>
-            <a:r>
-              <a:rPr lang="fr-FR" sz="1200" b="0" dirty="0">
-                <a:solidFill>
-                  <a:srgbClr val="FF0000"/>
-                </a:solidFill>
-              </a:rPr>
-              <a:t>, time, </a:t>
-            </a:r>
-            <a:r>
-              <a:rPr lang="fr-FR" sz="1200" b="0" dirty="0" err="1">
-                <a:solidFill>
-                  <a:srgbClr val="FF0000"/>
-                </a:solidFill>
-              </a:rPr>
-              <a:t>fps</a:t>
-            </a:r>
-            <a:r>
-              <a:rPr lang="fr-FR" sz="1200" b="0" dirty="0">
-                <a:solidFill>
-                  <a:srgbClr val="FF0000"/>
-                </a:solidFill>
-              </a:rPr>
-              <a:t>, format, </a:t>
-            </a:r>
-            <a:r>
-              <a:rPr lang="fr-FR" sz="1200" b="0" dirty="0" err="1">
-                <a:solidFill>
-                  <a:srgbClr val="FF0000"/>
-                </a:solidFill>
-              </a:rPr>
-              <a:t>skipframes</a:t>
-            </a:r>
-            <a:r>
-              <a:rPr lang="fr-FR" sz="1200" b="0" dirty="0">
-                <a:solidFill>
-                  <a:srgbClr val="FF0000"/>
-                </a:solidFill>
-              </a:rPr>
-              <a:t> )</a:t>
+              <a:t>)</a:t>
             </a:r>
             <a:endParaRPr lang="en-GB" sz="1200" b="0" dirty="0">
               <a:solidFill>
@@ -7820,7 +8459,7 @@
         <p:spPr>
           <a:xfrm>
             <a:off x="2590800" y="533401"/>
-            <a:ext cx="2286002" cy="2590799"/>
+            <a:ext cx="2744218" cy="2590801"/>
           </a:xfrm>
           <a:prstGeom prst="rect">
             <a:avLst/>
@@ -7931,7 +8570,7 @@
             <a:pPr>
               <a:tabLst>
                 <a:tab pos="173038" algn="l"/>
-                <a:tab pos="2057400" algn="r"/>
+                <a:tab pos="2571750" algn="r"/>
               </a:tabLst>
             </a:pPr>
             <a:r>
@@ -8030,7 +8669,7 @@
             <a:pPr marL="342900" indent="-342900">
               <a:tabLst>
                 <a:tab pos="173038" algn="l"/>
-                <a:tab pos="2174875" algn="r"/>
+                <a:tab pos="2571750" algn="r"/>
               </a:tabLst>
             </a:pPr>
             <a:r>
@@ -8109,26 +8748,16 @@
               </a:rPr>
               <a:t>FFFFFF</a:t>
             </a:r>
-            <a:br>
-              <a:rPr lang="en-US" sz="1200" b="0" dirty="0">
-                <a:solidFill>
-                  <a:schemeClr val="tx1">
-                    <a:lumMod val="50000"/>
-                    <a:lumOff val="50000"/>
-                  </a:schemeClr>
-                </a:solidFill>
-              </a:rPr>
-            </a:br>
-            <a:r>
-              <a:rPr lang="en-US" sz="1200" b="0" dirty="0">
-                <a:solidFill>
-                  <a:schemeClr val="tx1">
-                    <a:lumMod val="50000"/>
-                    <a:lumOff val="50000"/>
-                  </a:schemeClr>
-                </a:solidFill>
-              </a:rPr>
-              <a:t>= </a:t>
+            <a:r>
+              <a:rPr lang="bg-BG" sz="1200" b="0" dirty="0">
+                <a:solidFill>
+                  <a:schemeClr val="tx1">
+                    <a:lumMod val="50000"/>
+                    <a:lumOff val="50000"/>
+                  </a:schemeClr>
+                </a:solidFill>
+              </a:rPr>
+              <a:t> / </a:t>
             </a:r>
             <a:r>
               <a:rPr lang="en-US" sz="1200" b="0" dirty="0">
@@ -8196,18 +8825,7 @@
               <a:t>]</a:t>
             </a:r>
             <a:r>
-              <a:rPr lang="en-US" sz="1200" b="0" dirty="0">
-                <a:solidFill>
-                  <a:schemeClr val="tx1">
-                    <a:lumMod val="50000"/>
-                    <a:lumOff val="50000"/>
-                  </a:schemeClr>
-                </a:solidFill>
-              </a:rPr>
-              <a:t> 	</a:t>
-            </a:r>
-            <a:r>
-              <a:rPr lang="en-US" b="0" dirty="0">
+              <a:rPr lang="en-US" b="0" baseline="30000" dirty="0">
                 <a:solidFill>
                   <a:schemeClr val="tx1">
                     <a:lumMod val="50000"/>
@@ -8323,47 +8941,37 @@
               <a:t>)</a:t>
             </a:r>
             <a:r>
-              <a:rPr lang="en-US" sz="1200" b="0" dirty="0">
-                <a:solidFill>
-                  <a:schemeClr val="tx1">
-                    <a:lumMod val="50000"/>
-                    <a:lumOff val="50000"/>
-                  </a:schemeClr>
-                </a:solidFill>
-              </a:rPr>
-              <a:t>	</a:t>
-            </a:r>
-            <a:r>
-              <a:rPr lang="en-US" b="0" dirty="0">
-                <a:solidFill>
-                  <a:schemeClr val="tx1">
-                    <a:lumMod val="50000"/>
-                    <a:lumOff val="50000"/>
-                  </a:schemeClr>
-                </a:solidFill>
-              </a:rPr>
-              <a:t>0…255</a:t>
-            </a:r>
-            <a:br>
-              <a:rPr lang="en-US" sz="1050" b="0" dirty="0">
-                <a:solidFill>
-                  <a:schemeClr val="tx1">
-                    <a:lumMod val="50000"/>
-                    <a:lumOff val="50000"/>
-                  </a:schemeClr>
-                </a:solidFill>
-              </a:rPr>
-            </a:br>
-            <a:r>
-              <a:rPr lang="en-US" sz="1200" b="0" dirty="0">
-                <a:solidFill>
-                  <a:schemeClr val="tx1">
-                    <a:lumMod val="50000"/>
-                    <a:lumOff val="50000"/>
-                  </a:schemeClr>
-                </a:solidFill>
-              </a:rPr>
-              <a:t>= </a:t>
+              <a:rPr lang="en-US" b="0" baseline="30000" dirty="0">
+                <a:solidFill>
+                  <a:schemeClr val="tx1">
+                    <a:lumMod val="50000"/>
+                    <a:lumOff val="50000"/>
+                  </a:schemeClr>
+                </a:solidFill>
+              </a:rPr>
+              <a:t>255</a:t>
+            </a:r>
+            <a:r>
+              <a:rPr lang="bg-BG" sz="1200" b="0" dirty="0">
+                <a:solidFill>
+                  <a:schemeClr val="tx1">
+                    <a:lumMod val="50000"/>
+                    <a:lumOff val="50000"/>
+                  </a:schemeClr>
+                </a:solidFill>
+              </a:rPr>
+              <a:t> / </a:t>
+            </a:r>
+            <a:r>
+              <a:rPr lang="en-US" sz="1200" b="0" dirty="0">
+                <a:solidFill>
+                  <a:schemeClr val="tx1">
+                    <a:lumMod val="50000"/>
+                    <a:lumOff val="50000"/>
+                  </a:schemeClr>
+                </a:solidFill>
+              </a:rPr>
+              <a:t> </a:t>
             </a:r>
             <a:r>
               <a:rPr lang="en-US" sz="1200" dirty="0" err="1">
@@ -8393,7 +9001,7 @@
               <a:t>(</a:t>
             </a:r>
             <a:r>
-              <a:rPr lang="en-US" sz="1200" b="0" dirty="0" err="1">
+              <a:rPr lang="en-US" sz="1200" b="0" dirty="0">
                 <a:solidFill>
                   <a:schemeClr val="tx1">
                     <a:lumMod val="50000"/>
@@ -8404,7 +9012,18 @@
               <a:t>h</a:t>
             </a:r>
             <a:r>
-              <a:rPr lang="en-US" sz="1200" b="0" dirty="0" err="1">
+              <a:rPr lang="en-US" sz="1200" b="0" baseline="30000" dirty="0">
+                <a:solidFill>
+                  <a:schemeClr val="tx1">
+                    <a:lumMod val="50000"/>
+                    <a:lumOff val="50000"/>
+                  </a:schemeClr>
+                </a:solidFill>
+              </a:rPr>
+              <a:t>360</a:t>
+            </a:r>
+            <a:r>
+              <a:rPr lang="en-US" sz="1200" b="0" dirty="0">
                 <a:solidFill>
                   <a:schemeClr val="tx1"/>
                 </a:solidFill>
@@ -8412,7 +9031,7 @@
               <a:t>,</a:t>
             </a:r>
             <a:r>
-              <a:rPr lang="en-US" sz="1200" b="0" dirty="0" err="1">
+              <a:rPr lang="en-US" sz="1200" b="0" dirty="0">
                 <a:solidFill>
                   <a:schemeClr val="tx1">
                     <a:lumMod val="50000"/>
@@ -8423,7 +9042,18 @@
               <a:t>s</a:t>
             </a:r>
             <a:r>
-              <a:rPr lang="en-US" sz="1200" b="0" dirty="0" err="1">
+              <a:rPr lang="bg-BG" sz="1200" b="0" baseline="30000" dirty="0">
+                <a:solidFill>
+                  <a:schemeClr val="tx1">
+                    <a:lumMod val="50000"/>
+                    <a:lumOff val="50000"/>
+                  </a:schemeClr>
+                </a:solidFill>
+              </a:rPr>
+              <a:t>100</a:t>
+            </a:r>
+            <a:r>
+              <a:rPr lang="en-US" sz="1200" b="0" dirty="0">
                 <a:solidFill>
                   <a:schemeClr val="tx1"/>
                 </a:solidFill>
@@ -8431,7 +9061,7 @@
               <a:t>,</a:t>
             </a:r>
             <a:r>
-              <a:rPr lang="en-US" sz="1200" b="0" dirty="0" err="1">
+              <a:rPr lang="en-US" sz="1200" b="0" dirty="0">
                 <a:solidFill>
                   <a:schemeClr val="tx1">
                     <a:lumMod val="50000"/>
@@ -8442,67 +9072,23 @@
               <a:t>l</a:t>
             </a:r>
             <a:r>
+              <a:rPr lang="bg-BG" sz="1200" b="0" baseline="30000" dirty="0">
+                <a:solidFill>
+                  <a:schemeClr val="tx1">
+                    <a:lumMod val="50000"/>
+                    <a:lumOff val="50000"/>
+                  </a:schemeClr>
+                </a:solidFill>
+              </a:rPr>
+              <a:t>100</a:t>
+            </a:r>
+            <a:r>
               <a:rPr lang="en-US" sz="1200" b="0" dirty="0">
                 <a:solidFill>
                   <a:schemeClr val="tx1"/>
                 </a:solidFill>
               </a:rPr>
               <a:t>)</a:t>
-            </a:r>
-            <a:r>
-              <a:rPr lang="en-US" sz="1200" b="0" dirty="0">
-                <a:solidFill>
-                  <a:schemeClr val="tx1">
-                    <a:lumMod val="50000"/>
-                    <a:lumOff val="50000"/>
-                  </a:schemeClr>
-                </a:solidFill>
-              </a:rPr>
-              <a:t>	</a:t>
-            </a:r>
-            <a:r>
-              <a:rPr lang="en-US" sz="1100" b="0" dirty="0">
-                <a:solidFill>
-                  <a:schemeClr val="tx1">
-                    <a:lumMod val="50000"/>
-                    <a:lumOff val="50000"/>
-                  </a:schemeClr>
-                </a:solidFill>
-              </a:rPr>
-              <a:t>h=</a:t>
-            </a:r>
-            <a:r>
-              <a:rPr lang="en-US" b="0" dirty="0">
-                <a:solidFill>
-                  <a:schemeClr val="tx1">
-                    <a:lumMod val="50000"/>
-                    <a:lumOff val="50000"/>
-                  </a:schemeClr>
-                </a:solidFill>
-              </a:rPr>
-              <a:t>0…360</a:t>
-            </a:r>
-            <a:r>
-              <a:rPr lang="en-US" sz="1100" b="0" dirty="0">
-                <a:solidFill>
-                  <a:schemeClr val="tx1">
-                    <a:lumMod val="50000"/>
-                    <a:lumOff val="50000"/>
-                  </a:schemeClr>
-                </a:solidFill>
-              </a:rPr>
-              <a:t>, </a:t>
-            </a:r>
-            <a:r>
-              <a:rPr lang="en-US" b="0" dirty="0">
-                <a:solidFill>
-                  <a:schemeClr val="tx1">
-                    <a:lumMod val="50000"/>
-                    <a:lumOff val="50000"/>
-                  </a:schemeClr>
-                </a:solidFill>
-              </a:rPr>
-              <a:t>0…100</a:t>
             </a:r>
             <a:endParaRPr lang="en-US" sz="1050" b="0" dirty="0">
               <a:solidFill>
@@ -8656,7 +9242,7 @@
                   <a:schemeClr val="tx1"/>
                 </a:solidFill>
               </a:rPr>
-              <a:t>.jpg" </a:t>
+              <a:t>" </a:t>
             </a:r>
             <a:r>
               <a:rPr lang="en-US" sz="1200" b="0" dirty="0">
@@ -8669,16 +9255,17 @@
               </a:rPr>
               <a:t>/</a:t>
             </a:r>
-            <a:br>
-              <a:rPr lang="en-US" sz="1200" b="0" dirty="0">
-                <a:solidFill>
-                  <a:schemeClr val="tx1">
-                    <a:lumMod val="50000"/>
-                    <a:lumOff val="50000"/>
-                  </a:schemeClr>
-                </a:solidFill>
-              </a:rPr>
-            </a:br>
+            <a:r>
+              <a:rPr lang="bg-BG" sz="1200" b="0" dirty="0">
+                <a:solidFill>
+                  <a:schemeClr val="tx1">
+                    <a:lumMod val="50000"/>
+                    <a:lumOff val="50000"/>
+                  </a:schemeClr>
+                </a:solidFill>
+              </a:rPr>
+              <a:t> </a:t>
+            </a:r>
             <a:r>
               <a:rPr lang="en-US" sz="1200" dirty="0">
                 <a:solidFill>
@@ -8712,7 +9299,7 @@
                   <a:schemeClr val="tx1"/>
                 </a:solidFill>
               </a:rPr>
-              <a:t>.jpg ")</a:t>
+              <a:t>")</a:t>
             </a:r>
           </a:p>
           <a:p>
@@ -9071,7 +9658,51 @@
                   </a:schemeClr>
                 </a:solidFill>
               </a:rPr>
-              <a:t>= true/false</a:t>
+              <a:t>= true</a:t>
+            </a:r>
+            <a:r>
+              <a:rPr lang="bg-BG" sz="1200" b="0" dirty="0">
+                <a:solidFill>
+                  <a:schemeClr val="tx1">
+                    <a:lumMod val="50000"/>
+                    <a:lumOff val="50000"/>
+                  </a:schemeClr>
+                </a:solidFill>
+              </a:rPr>
+              <a:t> </a:t>
+            </a:r>
+            <a:r>
+              <a:rPr lang="en-US" sz="1200" b="0" dirty="0">
+                <a:solidFill>
+                  <a:schemeClr val="tx1">
+                    <a:lumMod val="50000"/>
+                    <a:lumOff val="50000"/>
+                  </a:schemeClr>
+                </a:solidFill>
+              </a:rPr>
+              <a:t>/</a:t>
+            </a:r>
+            <a:r>
+              <a:rPr lang="bg-BG" sz="1200" b="0" dirty="0">
+                <a:solidFill>
+                  <a:schemeClr val="tx1">
+                    <a:lumMod val="50000"/>
+                    <a:lumOff val="50000"/>
+                  </a:schemeClr>
+                </a:solidFill>
+              </a:rPr>
+              <a:t> </a:t>
+            </a:r>
+            <a:r>
+              <a:rPr lang="en-US" sz="1200" b="0" dirty="0">
+                <a:solidFill>
+                  <a:schemeClr val="tx1">
+                    <a:lumMod val="50000"/>
+                    <a:lumOff val="50000"/>
+                  </a:schemeClr>
+                </a:solidFill>
+              </a:rPr>
+              <a:t>yes / false / no</a:t>
             </a:r>
           </a:p>
         </p:txBody>
@@ -9090,8 +9721,8 @@
         </p:nvSpPr>
         <p:spPr>
           <a:xfrm>
-            <a:off x="8458200" y="76200"/>
-            <a:ext cx="1371598" cy="355602"/>
+            <a:off x="8229600" y="76200"/>
+            <a:ext cx="1600198" cy="355602"/>
           </a:xfrm>
           <a:prstGeom prst="rect">
             <a:avLst/>
@@ -9233,10 +9864,10 @@
       </p:sp>
       <p:sp>
         <p:nvSpPr>
-          <p:cNvPr id="14" name="TextBox 13">
+          <p:cNvPr id="16" name="TextBox 15">
             <a:extLst>
               <a:ext uri="{FF2B5EF4-FFF2-40B4-BE49-F238E27FC236}">
-                <a16:creationId xmlns:a16="http://schemas.microsoft.com/office/drawing/2014/main" id="{FFA66577-82B0-4430-9DA9-9552F9D79896}"/>
+                <a16:creationId xmlns:a16="http://schemas.microsoft.com/office/drawing/2014/main" id="{AF994614-CB7B-4906-8F52-6F032CB29F97}"/>
               </a:ext>
             </a:extLst>
           </p:cNvPr>
@@ -9245,8 +9876,8 @@
         </p:nvSpPr>
         <p:spPr>
           <a:xfrm>
-            <a:off x="2438400" y="76201"/>
-            <a:ext cx="5943600" cy="355601"/>
+            <a:off x="5410200" y="6095999"/>
+            <a:ext cx="4419597" cy="668200"/>
           </a:xfrm>
           <a:prstGeom prst="rect">
             <a:avLst/>
@@ -9372,145 +10003,6 @@
       </p:sp>
       <p:sp>
         <p:nvSpPr>
-          <p:cNvPr id="16" name="TextBox 15">
-            <a:extLst>
-              <a:ext uri="{FF2B5EF4-FFF2-40B4-BE49-F238E27FC236}">
-                <a16:creationId xmlns:a16="http://schemas.microsoft.com/office/drawing/2014/main" id="{AF994614-CB7B-4906-8F52-6F032CB29F97}"/>
-              </a:ext>
-            </a:extLst>
-          </p:cNvPr>
-          <p:cNvSpPr txBox="1"/>
-          <p:nvPr/>
-        </p:nvSpPr>
-        <p:spPr>
-          <a:xfrm>
-            <a:off x="2819399" y="5849798"/>
-            <a:ext cx="7010398" cy="914401"/>
-          </a:xfrm>
-          <a:prstGeom prst="rect">
-            <a:avLst/>
-          </a:prstGeom>
-          <a:solidFill>
-            <a:schemeClr val="bg1">
-              <a:lumMod val="95000"/>
-            </a:schemeClr>
-          </a:solidFill>
-          <a:ln w="3175">
-            <a:noFill/>
-          </a:ln>
-        </p:spPr>
-        <p:style>
-          <a:lnRef idx="2">
-            <a:schemeClr val="accent1">
-              <a:shade val="50000"/>
-            </a:schemeClr>
-          </a:lnRef>
-          <a:fillRef idx="1">
-            <a:schemeClr val="accent1"/>
-          </a:fillRef>
-          <a:effectRef idx="0">
-            <a:schemeClr val="accent1"/>
-          </a:effectRef>
-          <a:fontRef idx="minor">
-            <a:schemeClr val="lt1"/>
-          </a:fontRef>
-        </p:style>
-        <p:txBody>
-          <a:bodyPr rot="0" spcFirstLastPara="0" vertOverflow="overflow" horzOverflow="overflow" vert="horz" wrap="square" lIns="91440" tIns="45720" rIns="0" bIns="45720" numCol="1" spcCol="0" rtlCol="0" fromWordArt="0" anchor="t" anchorCtr="0" forceAA="0" compatLnSpc="1">
-            <a:prstTxWarp prst="textNoShape">
-              <a:avLst/>
-            </a:prstTxWarp>
-            <a:noAutofit/>
-          </a:bodyPr>
-          <a:lstStyle>
-            <a:defPPr>
-              <a:defRPr lang="en-US"/>
-            </a:defPPr>
-            <a:lvl1pPr>
-              <a:tabLst>
-                <a:tab pos="171450" algn="l"/>
-              </a:tabLst>
-              <a:defRPr sz="1000" b="1">
-                <a:solidFill>
-                  <a:schemeClr val="accent1"/>
-                </a:solidFill>
-                <a:latin typeface="Agency FB" panose="020B0503020202020204" pitchFamily="34" charset="0"/>
-              </a:defRPr>
-            </a:lvl1pPr>
-            <a:lvl2pPr>
-              <a:defRPr>
-                <a:solidFill>
-                  <a:schemeClr val="lt1"/>
-                </a:solidFill>
-              </a:defRPr>
-            </a:lvl2pPr>
-            <a:lvl3pPr>
-              <a:defRPr>
-                <a:solidFill>
-                  <a:schemeClr val="lt1"/>
-                </a:solidFill>
-              </a:defRPr>
-            </a:lvl3pPr>
-            <a:lvl4pPr>
-              <a:defRPr>
-                <a:solidFill>
-                  <a:schemeClr val="lt1"/>
-                </a:solidFill>
-              </a:defRPr>
-            </a:lvl4pPr>
-            <a:lvl5pPr>
-              <a:defRPr>
-                <a:solidFill>
-                  <a:schemeClr val="lt1"/>
-                </a:solidFill>
-              </a:defRPr>
-            </a:lvl5pPr>
-            <a:lvl6pPr>
-              <a:defRPr>
-                <a:solidFill>
-                  <a:schemeClr val="lt1"/>
-                </a:solidFill>
-              </a:defRPr>
-            </a:lvl6pPr>
-            <a:lvl7pPr>
-              <a:defRPr>
-                <a:solidFill>
-                  <a:schemeClr val="lt1"/>
-                </a:solidFill>
-              </a:defRPr>
-            </a:lvl7pPr>
-            <a:lvl8pPr>
-              <a:defRPr>
-                <a:solidFill>
-                  <a:schemeClr val="lt1"/>
-                </a:solidFill>
-              </a:defRPr>
-            </a:lvl8pPr>
-            <a:lvl9pPr>
-              <a:defRPr>
-                <a:solidFill>
-                  <a:schemeClr val="lt1"/>
-                </a:solidFill>
-              </a:defRPr>
-            </a:lvl9pPr>
-          </a:lstStyle>
-          <a:p>
-            <a:pPr>
-              <a:tabLst>
-                <a:tab pos="173038" algn="l"/>
-                <a:tab pos="2286000" algn="r"/>
-              </a:tabLst>
-            </a:pPr>
-            <a:endParaRPr lang="en-GB" sz="1200" b="0" dirty="0">
-              <a:solidFill>
-                <a:schemeClr val="tx1"/>
-              </a:solidFill>
-            </a:endParaRPr>
-          </a:p>
-        </p:txBody>
-      </p:sp>
-      <p:sp>
-        <p:nvSpPr>
           <p:cNvPr id="17" name="TextBox 16">
             <a:extLst>
               <a:ext uri="{FF2B5EF4-FFF2-40B4-BE49-F238E27FC236}">
@@ -9523,8 +10015,8 @@
         </p:nvSpPr>
         <p:spPr>
           <a:xfrm>
-            <a:off x="4953000" y="4172373"/>
-            <a:ext cx="2514600" cy="1599524"/>
+            <a:off x="5410200" y="3657600"/>
+            <a:ext cx="2738120" cy="2362199"/>
           </a:xfrm>
           <a:prstGeom prst="rect">
             <a:avLst/>
@@ -9795,7 +10287,7 @@
                   <a:srgbClr val="FF0000"/>
                 </a:solidFill>
               </a:rPr>
-              <a:t>( </a:t>
+              <a:t>(</a:t>
             </a:r>
             <a:r>
               <a:rPr lang="en-GB" sz="1200" b="0" dirty="0" err="1">
@@ -9827,7 +10319,7 @@
                   <a:srgbClr val="FF0000"/>
                 </a:solidFill>
               </a:rPr>
-              <a:t> )</a:t>
+              <a:t>)</a:t>
             </a:r>
           </a:p>
           <a:p>
@@ -9861,7 +10353,7 @@
                   <a:srgbClr val="FF0000"/>
                 </a:solidFill>
               </a:rPr>
-              <a:t>( </a:t>
+              <a:t>(</a:t>
             </a:r>
             <a:r>
               <a:rPr lang="en-GB" sz="1200" b="0" dirty="0" err="1">
@@ -9877,7 +10369,7 @@
                   <a:srgbClr val="FF0000"/>
                 </a:solidFill>
               </a:rPr>
-              <a:t> )</a:t>
+              <a:t>)</a:t>
             </a:r>
           </a:p>
           <a:p>
@@ -9939,7 +10431,7 @@
                   <a:srgbClr val="FF0000"/>
                 </a:solidFill>
               </a:rPr>
-              <a:t> ( event ) { … }</a:t>
+              <a:t> (event) { … }</a:t>
             </a:r>
           </a:p>
           <a:p>
@@ -9965,7 +10457,7 @@
                   <a:srgbClr val="FF0000"/>
                 </a:solidFill>
               </a:rPr>
-              <a:t> ( time, </a:t>
+              <a:t> (time, </a:t>
             </a:r>
             <a:r>
               <a:rPr lang="en-GB" sz="1200" b="0" dirty="0" err="1">
@@ -9981,7 +10473,7 @@
                   <a:srgbClr val="FF0000"/>
                 </a:solidFill>
               </a:rPr>
-              <a:t> ) { … }</a:t>
+              <a:t>) { … }</a:t>
             </a:r>
             <a:endParaRPr lang="en-GB" sz="1200" dirty="0">
               <a:solidFill>
@@ -9990,22 +10482,27 @@
             </a:endParaRPr>
           </a:p>
           <a:p>
-            <a:endParaRPr lang="en-GB" sz="1200" dirty="0">
-              <a:solidFill>
-                <a:srgbClr val="FF0000"/>
-              </a:solidFill>
-            </a:endParaRPr>
-          </a:p>
-          <a:p>
-            <a:pPr lvl="0"/>
-            <a:endParaRPr lang="en-GB" sz="1200" dirty="0">
-              <a:solidFill>
-                <a:srgbClr val="FF0000"/>
-              </a:solidFill>
-            </a:endParaRPr>
-          </a:p>
-          <a:p>
-            <a:pPr lvl="0"/>
+            <a:pPr>
+              <a:spcBef>
+                <a:spcPts val="600"/>
+              </a:spcBef>
+            </a:pPr>
+            <a:r>
+              <a:rPr lang="fr-FR" sz="1200" dirty="0">
+                <a:solidFill>
+                  <a:srgbClr val="FF0000"/>
+                </a:solidFill>
+              </a:rPr>
+              <a:t>proactive</a:t>
+            </a:r>
+            <a:r>
+              <a:rPr lang="fr-FR" sz="1200" b="0" dirty="0">
+                <a:solidFill>
+                  <a:srgbClr val="FF0000"/>
+                </a:solidFill>
+              </a:rPr>
+              <a:t> ()</a:t>
+            </a:r>
             <a:endParaRPr lang="en-GB" sz="1200" dirty="0">
               <a:solidFill>
                 <a:srgbClr val="FF0000"/>
@@ -10028,8 +10525,8 @@
         </p:nvSpPr>
         <p:spPr>
           <a:xfrm>
-            <a:off x="2595880" y="3225799"/>
-            <a:ext cx="2280922" cy="2546098"/>
+            <a:off x="2595880" y="3200401"/>
+            <a:ext cx="2738120" cy="2819399"/>
           </a:xfrm>
           <a:prstGeom prst="rect">
             <a:avLst/>
@@ -10140,7 +10637,7 @@
             <a:pPr>
               <a:tabLst>
                 <a:tab pos="173038" algn="l"/>
-                <a:tab pos="2174875" algn="r"/>
+                <a:tab pos="2517775" algn="r"/>
               </a:tabLst>
             </a:pPr>
             <a:r>
@@ -10156,7 +10653,7 @@
             <a:pPr marL="342900" indent="-342900">
               <a:tabLst>
                 <a:tab pos="173038" algn="l"/>
-                <a:tab pos="2057400" algn="r"/>
+                <a:tab pos="2517775" algn="r"/>
               </a:tabLst>
             </a:pPr>
             <a:r>
@@ -10273,7 +10770,7 @@
             <a:pPr>
               <a:tabLst>
                 <a:tab pos="173038" algn="l"/>
-                <a:tab pos="2174875" algn="r"/>
+                <a:tab pos="2517775" algn="r"/>
               </a:tabLst>
             </a:pPr>
             <a:r>
@@ -10376,7 +10873,7 @@
             <a:pPr>
               <a:tabLst>
                 <a:tab pos="173038" algn="l"/>
-                <a:tab pos="2174875" algn="r"/>
+                <a:tab pos="2517775" algn="r"/>
               </a:tabLst>
             </a:pPr>
             <a:r>
@@ -10544,7 +11041,7 @@
             <a:pPr>
               <a:tabLst>
                 <a:tab pos="173038" algn="l"/>
-                <a:tab pos="2174875" algn="r"/>
+                <a:tab pos="2517775" algn="r"/>
               </a:tabLst>
             </a:pPr>
             <a:r>
@@ -10625,7 +11122,7 @@
             <a:pPr>
               <a:tabLst>
                 <a:tab pos="173038" algn="l"/>
-                <a:tab pos="2174875" algn="r"/>
+                <a:tab pos="2517775" algn="r"/>
               </a:tabLst>
             </a:pPr>
             <a:r>
@@ -10698,7 +11195,7 @@
             <a:pPr>
               <a:tabLst>
                 <a:tab pos="173038" algn="l"/>
-                <a:tab pos="2174875" algn="r"/>
+                <a:tab pos="2517775" algn="r"/>
               </a:tabLst>
             </a:pPr>
             <a:r>
@@ -10815,7 +11312,7 @@
             <a:pPr>
               <a:tabLst>
                 <a:tab pos="173038" algn="l"/>
-                <a:tab pos="2174875" algn="r"/>
+                <a:tab pos="2517775" algn="r"/>
               </a:tabLst>
             </a:pPr>
             <a:r>
@@ -10961,7 +11458,7 @@
             <a:pPr>
               <a:tabLst>
                 <a:tab pos="173038" algn="l"/>
-                <a:tab pos="2174875" algn="r"/>
+                <a:tab pos="2517775" algn="r"/>
               </a:tabLst>
             </a:pPr>
             <a:r>
@@ -11158,7 +11655,7 @@
             <a:pPr>
               <a:tabLst>
                 <a:tab pos="173038" algn="l"/>
-                <a:tab pos="2174875" algn="r"/>
+                <a:tab pos="2517775" algn="r"/>
               </a:tabLst>
             </a:pPr>
             <a:r>
@@ -11220,7 +11717,7 @@
             <a:pPr>
               <a:tabLst>
                 <a:tab pos="173038" algn="l"/>
-                <a:tab pos="2174875" algn="r"/>
+                <a:tab pos="2517775" algn="r"/>
               </a:tabLst>
             </a:pPr>
             <a:r>
@@ -11282,7 +11779,7 @@
             <a:pPr>
               <a:tabLst>
                 <a:tab pos="173038" algn="l"/>
-                <a:tab pos="2174875" algn="r"/>
+                <a:tab pos="2517775" algn="r"/>
               </a:tabLst>
             </a:pPr>
             <a:r>
@@ -11344,6 +11841,157 @@
                 <a:srgbClr val="FF0000"/>
               </a:solidFill>
             </a:endParaRPr>
+          </a:p>
+        </p:txBody>
+      </p:sp>
+      <p:sp>
+        <p:nvSpPr>
+          <p:cNvPr id="19" name="TextBox 18">
+            <a:extLst>
+              <a:ext uri="{FF2B5EF4-FFF2-40B4-BE49-F238E27FC236}">
+                <a16:creationId xmlns:a16="http://schemas.microsoft.com/office/drawing/2014/main" id="{A23F9FB8-ABF0-4714-8EFA-6FD82862320C}"/>
+              </a:ext>
+            </a:extLst>
+          </p:cNvPr>
+          <p:cNvSpPr txBox="1"/>
+          <p:nvPr/>
+        </p:nvSpPr>
+        <p:spPr>
+          <a:xfrm>
+            <a:off x="2590800" y="76201"/>
+            <a:ext cx="5562600" cy="367790"/>
+          </a:xfrm>
+          <a:prstGeom prst="rect">
+            <a:avLst/>
+          </a:prstGeom>
+          <a:solidFill>
+            <a:schemeClr val="bg1"/>
+          </a:solidFill>
+          <a:ln w="3175">
+            <a:noFill/>
+          </a:ln>
+        </p:spPr>
+        <p:style>
+          <a:lnRef idx="2">
+            <a:schemeClr val="accent1">
+              <a:shade val="50000"/>
+            </a:schemeClr>
+          </a:lnRef>
+          <a:fillRef idx="1">
+            <a:schemeClr val="accent1"/>
+          </a:fillRef>
+          <a:effectRef idx="0">
+            <a:schemeClr val="accent1"/>
+          </a:effectRef>
+          <a:fontRef idx="minor">
+            <a:schemeClr val="lt1"/>
+          </a:fontRef>
+        </p:style>
+        <p:txBody>
+          <a:bodyPr rot="0" spcFirstLastPara="0" vertOverflow="overflow" horzOverflow="overflow" vert="horz" wrap="square" lIns="91440" tIns="45720" rIns="0" bIns="45720" numCol="1" spcCol="0" rtlCol="0" fromWordArt="0" anchor="ctr" anchorCtr="0" forceAA="0" compatLnSpc="1">
+            <a:prstTxWarp prst="textNoShape">
+              <a:avLst/>
+            </a:prstTxWarp>
+            <a:noAutofit/>
+          </a:bodyPr>
+          <a:lstStyle>
+            <a:defPPr>
+              <a:defRPr lang="en-US"/>
+            </a:defPPr>
+            <a:lvl1pPr>
+              <a:tabLst>
+                <a:tab pos="171450" algn="l"/>
+              </a:tabLst>
+              <a:defRPr sz="1000" b="1">
+                <a:solidFill>
+                  <a:schemeClr val="accent1"/>
+                </a:solidFill>
+                <a:latin typeface="Agency FB" panose="020B0503020202020204" pitchFamily="34" charset="0"/>
+              </a:defRPr>
+            </a:lvl1pPr>
+            <a:lvl2pPr>
+              <a:defRPr>
+                <a:solidFill>
+                  <a:schemeClr val="lt1"/>
+                </a:solidFill>
+              </a:defRPr>
+            </a:lvl2pPr>
+            <a:lvl3pPr>
+              <a:defRPr>
+                <a:solidFill>
+                  <a:schemeClr val="lt1"/>
+                </a:solidFill>
+              </a:defRPr>
+            </a:lvl3pPr>
+            <a:lvl4pPr>
+              <a:defRPr>
+                <a:solidFill>
+                  <a:schemeClr val="lt1"/>
+                </a:solidFill>
+              </a:defRPr>
+            </a:lvl4pPr>
+            <a:lvl5pPr>
+              <a:defRPr>
+                <a:solidFill>
+                  <a:schemeClr val="lt1"/>
+                </a:solidFill>
+              </a:defRPr>
+            </a:lvl5pPr>
+            <a:lvl6pPr>
+              <a:defRPr>
+                <a:solidFill>
+                  <a:schemeClr val="lt1"/>
+                </a:solidFill>
+              </a:defRPr>
+            </a:lvl6pPr>
+            <a:lvl7pPr>
+              <a:defRPr>
+                <a:solidFill>
+                  <a:schemeClr val="lt1"/>
+                </a:solidFill>
+              </a:defRPr>
+            </a:lvl7pPr>
+            <a:lvl8pPr>
+              <a:defRPr>
+                <a:solidFill>
+                  <a:schemeClr val="lt1"/>
+                </a:solidFill>
+              </a:defRPr>
+            </a:lvl8pPr>
+            <a:lvl9pPr>
+              <a:defRPr>
+                <a:solidFill>
+                  <a:schemeClr val="lt1"/>
+                </a:solidFill>
+              </a:defRPr>
+            </a:lvl9pPr>
+          </a:lstStyle>
+          <a:p>
+            <a:pPr lvl="0"/>
+            <a:r>
+              <a:rPr lang="fr-FR" sz="1200" b="0" dirty="0">
+                <a:solidFill>
+                  <a:schemeClr val="tx1"/>
+                </a:solidFill>
+              </a:rPr>
+              <a:t>&lt;script src="</a:t>
+            </a:r>
+            <a:r>
+              <a:rPr lang="fr-FR" sz="1200" dirty="0">
+                <a:solidFill>
+                  <a:schemeClr val="tx1"/>
+                </a:solidFill>
+              </a:rPr>
+              <a:t>suica.js</a:t>
+            </a:r>
+            <a:r>
+              <a:rPr lang="fr-FR" sz="1200" b="0" dirty="0">
+                <a:solidFill>
+                  <a:schemeClr val="tx1"/>
+                </a:solidFill>
+              </a:rPr>
+              <a:t>"&gt;&lt;/script&gt;</a:t>
+            </a:r>
           </a:p>
         </p:txBody>
       </p:sp>
@@ -12326,6 +12974,7 @@
             </a:r>
           </a:p>
           <a:p>
+            <a:pPr algn="r"/>
             <a:r>
               <a:rPr lang="en-GB" sz="1200" b="0" dirty="0">
                 <a:solidFill>
@@ -12371,7 +13020,7 @@
         <p:spPr>
           <a:xfrm>
             <a:off x="76205" y="3143505"/>
-            <a:ext cx="2438396" cy="2723896"/>
+            <a:ext cx="2438396" cy="2419095"/>
           </a:xfrm>
           <a:prstGeom prst="rect">
             <a:avLst/>
@@ -13377,13 +14026,37 @@
             <a:r>
               <a:rPr lang="en-GB" sz="1200" b="0" dirty="0">
                 <a:solidFill>
-                  <a:schemeClr val="tx1">
-                    <a:lumMod val="50000"/>
-                    <a:lumOff val="50000"/>
-                  </a:schemeClr>
-                </a:solidFill>
-              </a:rPr>
-              <a:t>                        open</a:t>
+                  <a:schemeClr val="tx1"/>
+                </a:solidFill>
+              </a:rPr>
+              <a:t>&lt;</a:t>
+            </a:r>
+            <a:r>
+              <a:rPr lang="en-GB" sz="1200" dirty="0" err="1">
+                <a:solidFill>
+                  <a:schemeClr val="tx1"/>
+                </a:solidFill>
+              </a:rPr>
+              <a:t>splane</a:t>
+            </a:r>
+            <a:r>
+              <a:rPr lang="en-GB" sz="1200" dirty="0">
+                <a:solidFill>
+                  <a:schemeClr val="tx1"/>
+                </a:solidFill>
+              </a:rPr>
+              <a:t> </a:t>
+            </a:r>
+            <a:r>
+              <a:rPr lang="en-GB" sz="1200" b="0" dirty="0">
+                <a:solidFill>
+                  <a:schemeClr val="tx1">
+                    <a:lumMod val="50000"/>
+                    <a:lumOff val="50000"/>
+                  </a:schemeClr>
+                </a:solidFill>
+              </a:rPr>
+              <a:t>src</a:t>
             </a:r>
             <a:r>
               <a:rPr lang="en-GB" sz="1200" b="0" baseline="30000" dirty="0">
@@ -13394,18 +14067,18 @@
                   </a:schemeClr>
                 </a:solidFill>
               </a:rPr>
-              <a:t>1</a:t>
-            </a:r>
-            <a:r>
-              <a:rPr lang="en-GB" sz="1200" b="0" dirty="0">
-                <a:solidFill>
-                  <a:schemeClr val="tx1">
-                    <a:lumMod val="50000"/>
-                    <a:lumOff val="50000"/>
-                  </a:schemeClr>
-                </a:solidFill>
-              </a:rPr>
-              <a:t> approximating</a:t>
+              <a:t>3,4</a:t>
+            </a:r>
+            <a:r>
+              <a:rPr lang="en-GB" sz="1200" b="0" dirty="0">
+                <a:solidFill>
+                  <a:schemeClr val="tx1">
+                    <a:lumMod val="50000"/>
+                    <a:lumOff val="50000"/>
+                  </a:schemeClr>
+                </a:solidFill>
+              </a:rPr>
+              <a:t> closed</a:t>
             </a:r>
             <a:r>
               <a:rPr lang="en-GB" sz="1200" b="0" baseline="30000" dirty="0">
@@ -13416,54 +14089,18 @@
                   </a:schemeClr>
                 </a:solidFill>
               </a:rPr>
-              <a:t>1</a:t>
-            </a:r>
-            <a:endParaRPr lang="en-GB" sz="1200" b="0" dirty="0">
-              <a:solidFill>
-                <a:schemeClr val="tx1"/>
-              </a:solidFill>
-            </a:endParaRPr>
-          </a:p>
-          <a:p>
-            <a:pPr>
-              <a:tabLst>
-                <a:tab pos="2286000" algn="r"/>
-              </a:tabLst>
-            </a:pPr>
-            <a:r>
-              <a:rPr lang="en-GB" sz="1200" b="0" dirty="0">
-                <a:solidFill>
-                  <a:schemeClr val="tx1"/>
-                </a:solidFill>
-              </a:rPr>
-              <a:t>&lt;</a:t>
-            </a:r>
-            <a:r>
-              <a:rPr lang="en-GB" sz="1200" dirty="0" err="1">
-                <a:solidFill>
-                  <a:schemeClr val="tx1"/>
-                </a:solidFill>
-              </a:rPr>
-              <a:t>splane</a:t>
-            </a:r>
-            <a:r>
-              <a:rPr lang="en-GB" sz="1200" dirty="0">
-                <a:solidFill>
-                  <a:schemeClr val="tx1"/>
-                </a:solidFill>
-              </a:rPr>
-              <a:t> </a:t>
-            </a:r>
-            <a:r>
-              <a:rPr lang="en-GB" sz="1200" b="0" dirty="0">
-                <a:solidFill>
-                  <a:schemeClr val="tx1">
-                    <a:lumMod val="50000"/>
-                    <a:lumOff val="50000"/>
-                  </a:schemeClr>
-                </a:solidFill>
-              </a:rPr>
-              <a:t>src</a:t>
+              <a:t>1,2</a:t>
+            </a:r>
+            <a:r>
+              <a:rPr lang="en-GB" sz="1200" b="0" dirty="0">
+                <a:solidFill>
+                  <a:schemeClr val="tx1">
+                    <a:lumMod val="50000"/>
+                    <a:lumOff val="50000"/>
+                  </a:schemeClr>
+                </a:solidFill>
+              </a:rPr>
+              <a:t> interpolating</a:t>
             </a:r>
             <a:r>
               <a:rPr lang="en-GB" sz="1200" b="0" baseline="30000" dirty="0">
@@ -13474,50 +14111,6 @@
                   </a:schemeClr>
                 </a:solidFill>
               </a:rPr>
-              <a:t>3,4</a:t>
-            </a:r>
-            <a:r>
-              <a:rPr lang="en-GB" sz="1200" b="0" dirty="0">
-                <a:solidFill>
-                  <a:schemeClr val="tx1">
-                    <a:lumMod val="50000"/>
-                    <a:lumOff val="50000"/>
-                  </a:schemeClr>
-                </a:solidFill>
-              </a:rPr>
-              <a:t> closed</a:t>
-            </a:r>
-            <a:r>
-              <a:rPr lang="en-GB" sz="1200" b="0" baseline="30000" dirty="0">
-                <a:solidFill>
-                  <a:schemeClr val="tx1">
-                    <a:lumMod val="50000"/>
-                    <a:lumOff val="50000"/>
-                  </a:schemeClr>
-                </a:solidFill>
-              </a:rPr>
-              <a:t>1,2</a:t>
-            </a:r>
-            <a:r>
-              <a:rPr lang="en-GB" sz="1200" b="0" dirty="0">
-                <a:solidFill>
-                  <a:schemeClr val="tx1">
-                    <a:lumMod val="50000"/>
-                    <a:lumOff val="50000"/>
-                  </a:schemeClr>
-                </a:solidFill>
-              </a:rPr>
-              <a:t> interpolating</a:t>
-            </a:r>
-            <a:r>
-              <a:rPr lang="en-GB" sz="1200" b="0" baseline="30000" dirty="0">
-                <a:solidFill>
-                  <a:schemeClr val="tx1">
-                    <a:lumMod val="50000"/>
-                    <a:lumOff val="50000"/>
-                  </a:schemeClr>
-                </a:solidFill>
-              </a:rPr>
               <a:t>1.2</a:t>
             </a:r>
             <a:r>
@@ -13530,62 +14123,7 @@
             </a:r>
           </a:p>
           <a:p>
-            <a:pPr>
-              <a:tabLst>
-                <a:tab pos="2286000" algn="r"/>
-              </a:tabLst>
-            </a:pPr>
-            <a:r>
-              <a:rPr lang="en-GB" sz="1200" b="0" dirty="0">
-                <a:solidFill>
-                  <a:schemeClr val="tx1">
-                    <a:lumMod val="50000"/>
-                    <a:lumOff val="50000"/>
-                  </a:schemeClr>
-                </a:solidFill>
-              </a:rPr>
-              <a:t>                        open</a:t>
-            </a:r>
-            <a:r>
-              <a:rPr lang="en-GB" sz="1200" b="0" baseline="30000" dirty="0">
-                <a:solidFill>
-                  <a:schemeClr val="tx1">
-                    <a:lumMod val="50000"/>
-                    <a:lumOff val="50000"/>
-                  </a:schemeClr>
-                </a:solidFill>
-              </a:rPr>
-              <a:t>1,2</a:t>
-            </a:r>
-            <a:r>
-              <a:rPr lang="en-GB" sz="1200" b="0" dirty="0">
-                <a:solidFill>
-                  <a:schemeClr val="tx1">
-                    <a:lumMod val="50000"/>
-                    <a:lumOff val="50000"/>
-                  </a:schemeClr>
-                </a:solidFill>
-              </a:rPr>
-              <a:t> approximating</a:t>
-            </a:r>
-            <a:r>
-              <a:rPr lang="en-GB" sz="1200" b="0" baseline="30000" dirty="0">
-                <a:solidFill>
-                  <a:schemeClr val="tx1">
-                    <a:lumMod val="50000"/>
-                    <a:lumOff val="50000"/>
-                  </a:schemeClr>
-                </a:solidFill>
-              </a:rPr>
-              <a:t>1.2</a:t>
-            </a:r>
-            <a:endParaRPr lang="en-GB" sz="1200" b="0" dirty="0">
-              <a:solidFill>
-                <a:schemeClr val="tx1"/>
-              </a:solidFill>
-            </a:endParaRPr>
-          </a:p>
-          <a:p>
+            <a:pPr algn="r"/>
             <a:r>
               <a:rPr lang="en-GB" sz="1200" b="0" dirty="0">
                 <a:solidFill>
@@ -13630,8 +14168,8 @@
         </p:nvSpPr>
         <p:spPr>
           <a:xfrm>
-            <a:off x="8001000" y="527306"/>
-            <a:ext cx="1828793" cy="2215894"/>
+            <a:off x="8153400" y="527306"/>
+            <a:ext cx="1676393" cy="2520694"/>
           </a:xfrm>
           <a:prstGeom prst="rect">
             <a:avLst/>
@@ -13742,14 +14280,14 @@
             <a:pPr>
               <a:tabLst>
                 <a:tab pos="171450" algn="l"/>
-                <a:tab pos="1544638" algn="l"/>
+                <a:tab pos="1485900" algn="l"/>
                 <a:tab pos="1717675" algn="l"/>
               </a:tabLst>
             </a:pPr>
             <a:r>
               <a:rPr lang="en-GB" sz="1600" u="sng" dirty="0">
                 <a:solidFill>
-                  <a:srgbClr val="FF0000"/>
+                  <a:schemeClr val="tx1"/>
                 </a:solidFill>
               </a:rPr>
               <a:t>DRAWINGS</a:t>
@@ -13757,7 +14295,7 @@
             <a:r>
               <a:rPr lang="en-GB" sz="1200" u="sng" dirty="0">
                 <a:solidFill>
-                  <a:srgbClr val="FF0000"/>
+                  <a:schemeClr val="tx1"/>
                 </a:solidFill>
               </a:rPr>
               <a:t>	 </a:t>
@@ -13768,7 +14306,7 @@
             <a:r>
               <a:rPr lang="en-GB" sz="1200" b="0" dirty="0">
                 <a:solidFill>
-                  <a:srgbClr val="FF0000"/>
+                  <a:schemeClr val="tx1"/>
                 </a:solidFill>
               </a:rPr>
               <a:t>&lt;</a:t>
@@ -13776,7 +14314,7 @@
             <a:r>
               <a:rPr lang="en-GB" sz="1200" dirty="0">
                 <a:solidFill>
-                  <a:srgbClr val="FF0000"/>
+                  <a:schemeClr val="tx1"/>
                 </a:solidFill>
               </a:rPr>
               <a:t>drawing </a:t>
@@ -13784,7 +14322,10 @@
             <a:r>
               <a:rPr lang="en-GB" sz="1200" b="0" dirty="0">
                 <a:solidFill>
-                  <a:srgbClr val="FF0000"/>
+                  <a:schemeClr val="tx1">
+                    <a:lumMod val="50000"/>
+                    <a:lumOff val="50000"/>
+                  </a:schemeClr>
                 </a:solidFill>
               </a:rPr>
               <a:t>size </a:t>
@@ -13792,7 +14333,10 @@
             <a:r>
               <a:rPr lang="en-GB" sz="1200" b="0" dirty="0" err="1">
                 <a:solidFill>
-                  <a:srgbClr val="FF0000"/>
+                  <a:schemeClr val="tx1">
+                    <a:lumMod val="50000"/>
+                    <a:lumOff val="50000"/>
+                  </a:schemeClr>
                 </a:solidFill>
               </a:rPr>
               <a:t>color</a:t>
@@ -13800,7 +14344,7 @@
             <a:r>
               <a:rPr lang="en-GB" sz="1200" b="0" dirty="0">
                 <a:solidFill>
-                  <a:srgbClr val="FF0000"/>
+                  <a:schemeClr val="tx1"/>
                 </a:solidFill>
               </a:rPr>
               <a:t>&gt;</a:t>
@@ -13816,7 +14360,7 @@
             <a:r>
               <a:rPr lang="en-GB" sz="1200" b="0" dirty="0">
                 <a:solidFill>
-                  <a:srgbClr val="FF0000"/>
+                  <a:schemeClr val="tx1"/>
                 </a:solidFill>
               </a:rPr>
               <a:t>&lt;</a:t>
@@ -13824,7 +14368,7 @@
             <a:r>
               <a:rPr lang="en-GB" sz="1200" dirty="0" err="1">
                 <a:solidFill>
-                  <a:srgbClr val="FF0000"/>
+                  <a:schemeClr val="tx1"/>
                 </a:solidFill>
               </a:rPr>
               <a:t>moveTo</a:t>
@@ -13832,17 +14376,28 @@
             <a:r>
               <a:rPr lang="en-GB" sz="1200" b="0" dirty="0">
                 <a:solidFill>
-                  <a:srgbClr val="FF0000"/>
-                </a:solidFill>
-              </a:rPr>
-              <a:t> point&gt;</a:t>
-            </a:r>
-          </a:p>
-          <a:p>
-            <a:r>
-              <a:rPr lang="en-GB" sz="1200" b="0" dirty="0">
-                <a:solidFill>
-                  <a:srgbClr val="FF0000"/>
+                  <a:schemeClr val="tx1">
+                    <a:lumMod val="50000"/>
+                    <a:lumOff val="50000"/>
+                  </a:schemeClr>
+                </a:solidFill>
+              </a:rPr>
+              <a:t> point</a:t>
+            </a:r>
+            <a:r>
+              <a:rPr lang="en-GB" sz="1200" b="0" dirty="0">
+                <a:solidFill>
+                  <a:schemeClr val="tx1"/>
+                </a:solidFill>
+              </a:rPr>
+              <a:t>&gt;</a:t>
+            </a:r>
+          </a:p>
+          <a:p>
+            <a:r>
+              <a:rPr lang="en-GB" sz="1200" b="0" dirty="0">
+                <a:solidFill>
+                  <a:schemeClr val="tx1"/>
                 </a:solidFill>
               </a:rPr>
               <a:t>&lt;</a:t>
@@ -13850,7 +14405,7 @@
             <a:r>
               <a:rPr lang="en-GB" sz="1200" dirty="0" err="1">
                 <a:solidFill>
-                  <a:srgbClr val="FF0000"/>
+                  <a:schemeClr val="tx1"/>
                 </a:solidFill>
               </a:rPr>
               <a:t>lineTo</a:t>
@@ -13858,17 +14413,36 @@
             <a:r>
               <a:rPr lang="en-GB" sz="1200" b="0" dirty="0">
                 <a:solidFill>
-                  <a:srgbClr val="FF0000"/>
-                </a:solidFill>
-              </a:rPr>
-              <a:t> point&gt;</a:t>
-            </a:r>
-          </a:p>
-          <a:p>
-            <a:r>
-              <a:rPr lang="en-GB" sz="1200" b="0" dirty="0">
-                <a:solidFill>
-                  <a:srgbClr val="FF0000"/>
+                  <a:schemeClr val="tx1"/>
+                </a:solidFill>
+              </a:rPr>
+              <a:t> </a:t>
+            </a:r>
+            <a:r>
+              <a:rPr lang="en-GB" sz="1200" b="0" dirty="0">
+                <a:solidFill>
+                  <a:schemeClr val="tx1">
+                    <a:lumMod val="50000"/>
+                    <a:lumOff val="50000"/>
+                  </a:schemeClr>
+                </a:solidFill>
+              </a:rPr>
+              <a:t>point</a:t>
+            </a:r>
+            <a:r>
+              <a:rPr lang="en-GB" sz="1200" b="0" dirty="0">
+                <a:solidFill>
+                  <a:schemeClr val="tx1"/>
+                </a:solidFill>
+              </a:rPr>
+              <a:t>&gt;</a:t>
+            </a:r>
+          </a:p>
+          <a:p>
+            <a:r>
+              <a:rPr lang="en-GB" sz="1200" b="0" dirty="0">
+                <a:solidFill>
+                  <a:schemeClr val="tx1"/>
                 </a:solidFill>
               </a:rPr>
               <a:t>&lt;</a:t>
@@ -13876,7 +14450,7 @@
             <a:r>
               <a:rPr lang="en-GB" sz="1200" dirty="0" err="1">
                 <a:solidFill>
-                  <a:srgbClr val="FF0000"/>
+                  <a:schemeClr val="tx1"/>
                 </a:solidFill>
               </a:rPr>
               <a:t>curveTo</a:t>
@@ -13884,17 +14458,55 @@
             <a:r>
               <a:rPr lang="en-GB" sz="1200" b="0" dirty="0">
                 <a:solidFill>
-                  <a:srgbClr val="FF0000"/>
-                </a:solidFill>
-              </a:rPr>
-              <a:t> m point&gt;</a:t>
-            </a:r>
-          </a:p>
-          <a:p>
-            <a:r>
-              <a:rPr lang="en-GB" sz="1200" b="0" dirty="0">
-                <a:solidFill>
-                  <a:srgbClr val="FF0000"/>
+                  <a:schemeClr val="tx1"/>
+                </a:solidFill>
+              </a:rPr>
+              <a:t> </a:t>
+            </a:r>
+            <a:r>
+              <a:rPr lang="en-GB" sz="1200" b="0" dirty="0">
+                <a:solidFill>
+                  <a:schemeClr val="tx1">
+                    <a:lumMod val="50000"/>
+                    <a:lumOff val="50000"/>
+                  </a:schemeClr>
+                </a:solidFill>
+              </a:rPr>
+              <a:t>m</a:t>
+            </a:r>
+            <a:r>
+              <a:rPr lang="en-GB" sz="1200" b="0" dirty="0">
+                <a:solidFill>
+                  <a:schemeClr val="tx1"/>
+                </a:solidFill>
+              </a:rPr>
+              <a:t> </a:t>
+            </a:r>
+            <a:r>
+              <a:rPr lang="en-GB" sz="1200" b="0" dirty="0">
+                <a:solidFill>
+                  <a:schemeClr val="tx1">
+                    <a:lumMod val="50000"/>
+                    <a:lumOff val="50000"/>
+                  </a:schemeClr>
+                </a:solidFill>
+              </a:rPr>
+              <a:t>point</a:t>
+            </a:r>
+            <a:r>
+              <a:rPr lang="en-GB" sz="1200" b="0" dirty="0">
+                <a:solidFill>
+                  <a:schemeClr val="tx1"/>
+                </a:solidFill>
+              </a:rPr>
+              <a:t>&gt;</a:t>
+            </a:r>
+          </a:p>
+          <a:p>
+            <a:r>
+              <a:rPr lang="en-GB" sz="1200" b="0" dirty="0">
+                <a:solidFill>
+                  <a:schemeClr val="tx1"/>
                 </a:solidFill>
               </a:rPr>
               <a:t>&lt;</a:t>
@@ -13902,7 +14514,7 @@
             <a:r>
               <a:rPr lang="en-GB" sz="1200" dirty="0">
                 <a:solidFill>
-                  <a:srgbClr val="FF0000"/>
+                  <a:schemeClr val="tx1"/>
                 </a:solidFill>
               </a:rPr>
               <a:t>arc</a:t>
@@ -13910,15 +14522,29 @@
             <a:r>
               <a:rPr lang="en-GB" sz="1200" b="0" dirty="0">
                 <a:solidFill>
-                  <a:srgbClr val="FF0000"/>
-                </a:solidFill>
-              </a:rPr>
-              <a:t> point radius from to </a:t>
+                  <a:schemeClr val="tx1"/>
+                </a:solidFill>
+              </a:rPr>
+              <a:t> </a:t>
+            </a:r>
+            <a:r>
+              <a:rPr lang="en-GB" sz="1200" b="0" dirty="0">
+                <a:solidFill>
+                  <a:schemeClr val="tx1">
+                    <a:lumMod val="50000"/>
+                    <a:lumOff val="50000"/>
+                  </a:schemeClr>
+                </a:solidFill>
+              </a:rPr>
+              <a:t>point radius from to </a:t>
             </a:r>
             <a:r>
               <a:rPr lang="en-GB" sz="1200" b="0" dirty="0" err="1">
                 <a:solidFill>
-                  <a:srgbClr val="FF0000"/>
+                  <a:schemeClr val="tx1">
+                    <a:lumMod val="50000"/>
+                    <a:lumOff val="50000"/>
+                  </a:schemeClr>
                 </a:solidFill>
               </a:rPr>
               <a:t>cw</a:t>
@@ -13926,7 +14552,7 @@
             <a:r>
               <a:rPr lang="en-GB" sz="1200" b="0" dirty="0">
                 <a:solidFill>
-                  <a:srgbClr val="FF0000"/>
+                  <a:schemeClr val="tx1"/>
                 </a:solidFill>
               </a:rPr>
               <a:t>&gt;</a:t>
@@ -13936,7 +14562,7 @@
             <a:r>
               <a:rPr lang="en-GB" sz="1200" b="0" dirty="0">
                 <a:solidFill>
-                  <a:srgbClr val="FF0000"/>
+                  <a:schemeClr val="tx1"/>
                 </a:solidFill>
               </a:rPr>
               <a:t>&lt;</a:t>
@@ -13944,7 +14570,7 @@
             <a:r>
               <a:rPr lang="en-GB" sz="1200" dirty="0">
                 <a:solidFill>
-                  <a:srgbClr val="FF0000"/>
+                  <a:schemeClr val="tx1"/>
                 </a:solidFill>
               </a:rPr>
               <a:t>stroke </a:t>
@@ -13952,7 +14578,10 @@
             <a:r>
               <a:rPr lang="en-GB" sz="1200" b="0" dirty="0" err="1">
                 <a:solidFill>
-                  <a:srgbClr val="FF0000"/>
+                  <a:schemeClr val="tx1">
+                    <a:lumMod val="50000"/>
+                    <a:lumOff val="50000"/>
+                  </a:schemeClr>
                 </a:solidFill>
               </a:rPr>
               <a:t>color</a:t>
@@ -13960,17 +14589,28 @@
             <a:r>
               <a:rPr lang="en-GB" sz="1200" b="0" dirty="0">
                 <a:solidFill>
-                  <a:srgbClr val="FF0000"/>
-                </a:solidFill>
-              </a:rPr>
-              <a:t> width closed&gt;</a:t>
-            </a:r>
-          </a:p>
-          <a:p>
-            <a:r>
-              <a:rPr lang="en-GB" sz="1200" b="0" dirty="0">
-                <a:solidFill>
-                  <a:srgbClr val="FF0000"/>
+                  <a:schemeClr val="tx1">
+                    <a:lumMod val="50000"/>
+                    <a:lumOff val="50000"/>
+                  </a:schemeClr>
+                </a:solidFill>
+              </a:rPr>
+              <a:t> width closed</a:t>
+            </a:r>
+            <a:r>
+              <a:rPr lang="en-GB" sz="1200" b="0" dirty="0">
+                <a:solidFill>
+                  <a:schemeClr val="tx1"/>
+                </a:solidFill>
+              </a:rPr>
+              <a:t>&gt;</a:t>
+            </a:r>
+          </a:p>
+          <a:p>
+            <a:r>
+              <a:rPr lang="en-GB" sz="1200" b="0" dirty="0">
+                <a:solidFill>
+                  <a:schemeClr val="tx1"/>
                 </a:solidFill>
               </a:rPr>
               <a:t>&lt;</a:t>
@@ -13978,7 +14618,7 @@
             <a:r>
               <a:rPr lang="en-GB" sz="1200" dirty="0">
                 <a:solidFill>
-                  <a:srgbClr val="FF0000"/>
+                  <a:schemeClr val="tx1"/>
                 </a:solidFill>
               </a:rPr>
               <a:t>fill </a:t>
@@ -13986,7 +14626,10 @@
             <a:r>
               <a:rPr lang="en-GB" sz="1200" b="0" dirty="0" err="1">
                 <a:solidFill>
-                  <a:srgbClr val="FF0000"/>
+                  <a:schemeClr val="tx1">
+                    <a:lumMod val="50000"/>
+                    <a:lumOff val="50000"/>
+                  </a:schemeClr>
                 </a:solidFill>
               </a:rPr>
               <a:t>color</a:t>
@@ -13994,7 +14637,7 @@
             <a:r>
               <a:rPr lang="en-GB" sz="1200" b="0" dirty="0">
                 <a:solidFill>
-                  <a:srgbClr val="FF0000"/>
+                  <a:schemeClr val="tx1"/>
                 </a:solidFill>
               </a:rPr>
               <a:t>&gt;</a:t>
@@ -14004,7 +14647,7 @@
             <a:r>
               <a:rPr lang="en-GB" sz="1200" b="0" dirty="0">
                 <a:solidFill>
-                  <a:srgbClr val="FF0000"/>
+                  <a:schemeClr val="tx1"/>
                 </a:solidFill>
               </a:rPr>
               <a:t>&lt;</a:t>
@@ -14012,7 +14655,7 @@
             <a:r>
               <a:rPr lang="en-GB" sz="1200" dirty="0" err="1">
                 <a:solidFill>
-                  <a:srgbClr val="FF0000"/>
+                  <a:schemeClr val="tx1"/>
                 </a:solidFill>
               </a:rPr>
               <a:t>fillText</a:t>
@@ -14020,15 +14663,29 @@
             <a:r>
               <a:rPr lang="en-GB" sz="1200" b="0" dirty="0">
                 <a:solidFill>
-                  <a:srgbClr val="FF0000"/>
-                </a:solidFill>
-              </a:rPr>
-              <a:t> point text </a:t>
+                  <a:schemeClr val="tx1"/>
+                </a:solidFill>
+              </a:rPr>
+              <a:t> </a:t>
+            </a:r>
+            <a:r>
+              <a:rPr lang="en-GB" sz="1200" b="0" dirty="0">
+                <a:solidFill>
+                  <a:schemeClr val="tx1">
+                    <a:lumMod val="50000"/>
+                    <a:lumOff val="50000"/>
+                  </a:schemeClr>
+                </a:solidFill>
+              </a:rPr>
+              <a:t>point text </a:t>
             </a:r>
             <a:r>
               <a:rPr lang="en-GB" sz="1200" b="0" dirty="0" err="1">
                 <a:solidFill>
-                  <a:srgbClr val="FF0000"/>
+                  <a:schemeClr val="tx1">
+                    <a:lumMod val="50000"/>
+                    <a:lumOff val="50000"/>
+                  </a:schemeClr>
                 </a:solidFill>
               </a:rPr>
               <a:t>color</a:t>
@@ -14036,55 +14693,241 @@
             <a:r>
               <a:rPr lang="en-GB" sz="1200" b="0" dirty="0">
                 <a:solidFill>
-                  <a:srgbClr val="FF0000"/>
-                </a:solidFill>
-              </a:rPr>
-              <a:t> font&gt;</a:t>
-            </a:r>
-          </a:p>
-          <a:p>
-            <a:r>
-              <a:rPr lang="en-GB" sz="1200" b="0" dirty="0">
-                <a:solidFill>
-                  <a:srgbClr val="FF0000"/>
-                </a:solidFill>
-              </a:rPr>
-              <a:t>	"bold 20px Courier"</a:t>
+                  <a:schemeClr val="tx1">
+                    <a:lumMod val="50000"/>
+                    <a:lumOff val="50000"/>
+                  </a:schemeClr>
+                </a:solidFill>
+              </a:rPr>
+              <a:t> font</a:t>
+            </a:r>
+            <a:r>
+              <a:rPr lang="en-GB" sz="1200" b="0" dirty="0">
+                <a:solidFill>
+                  <a:schemeClr val="tx1"/>
+                </a:solidFill>
+              </a:rPr>
+              <a:t>&gt;</a:t>
+            </a:r>
+          </a:p>
+          <a:p>
+            <a:r>
+              <a:rPr lang="en-GB" sz="1200" b="0" dirty="0">
+                <a:solidFill>
+                  <a:schemeClr val="tx1"/>
+                </a:solidFill>
+              </a:rPr>
+              <a:t>&lt;</a:t>
+            </a:r>
+            <a:r>
+              <a:rPr lang="en-GB" sz="1200" dirty="0">
+                <a:solidFill>
+                  <a:schemeClr val="tx1"/>
+                </a:solidFill>
+              </a:rPr>
+              <a:t>clear </a:t>
+            </a:r>
+            <a:r>
+              <a:rPr lang="en-GB" sz="1200" b="0" dirty="0" err="1">
+                <a:solidFill>
+                  <a:schemeClr val="tx1">
+                    <a:lumMod val="50000"/>
+                    <a:lumOff val="50000"/>
+                  </a:schemeClr>
+                </a:solidFill>
+              </a:rPr>
+              <a:t>color</a:t>
+            </a:r>
+            <a:r>
+              <a:rPr lang="en-GB" sz="1200" b="0" dirty="0">
+                <a:solidFill>
+                  <a:schemeClr val="tx1"/>
+                </a:solidFill>
+              </a:rPr>
+              <a:t>&gt;</a:t>
             </a:r>
           </a:p>
           <a:p>
             <a:pPr lvl="0"/>
-            <a:r>
-              <a:rPr lang="en-GB" sz="1200" b="0" dirty="0">
-                <a:solidFill>
-                  <a:srgbClr val="FF0000"/>
-                </a:solidFill>
-              </a:rPr>
-              <a:t>&lt;</a:t>
-            </a:r>
+            <a:endParaRPr lang="en-GB" sz="1200" b="0" dirty="0">
+              <a:solidFill>
+                <a:schemeClr val="tx1"/>
+              </a:solidFill>
+            </a:endParaRPr>
+          </a:p>
+          <a:p>
+            <a:pPr lvl="0"/>
             <a:r>
               <a:rPr lang="en-GB" sz="1200" dirty="0">
                 <a:solidFill>
-                  <a:srgbClr val="FF0000"/>
-                </a:solidFill>
-              </a:rPr>
-              <a:t>clear </a:t>
-            </a:r>
-            <a:r>
-              <a:rPr lang="en-GB" sz="1200" b="0" dirty="0" err="1">
-                <a:solidFill>
-                  <a:srgbClr val="FF0000"/>
-                </a:solidFill>
-              </a:rPr>
-              <a:t>color</a:t>
-            </a:r>
-            <a:r>
-              <a:rPr lang="en-GB" sz="1200" b="0" dirty="0">
-                <a:solidFill>
-                  <a:srgbClr val="FF0000"/>
-                </a:solidFill>
-              </a:rPr>
-              <a:t>&gt;</a:t>
+                  <a:schemeClr val="tx1"/>
+                </a:solidFill>
+              </a:rPr>
+              <a:t>point</a:t>
+            </a:r>
+            <a:r>
+              <a:rPr lang="en-GB" sz="1200" b="0" dirty="0">
+                <a:solidFill>
+                  <a:schemeClr val="tx1"/>
+                </a:solidFill>
+              </a:rPr>
+              <a:t>="</a:t>
+            </a:r>
+            <a:r>
+              <a:rPr lang="en-GB" sz="1200" b="0" dirty="0">
+                <a:solidFill>
+                  <a:schemeClr val="tx1">
+                    <a:lumMod val="50000"/>
+                    <a:lumOff val="50000"/>
+                  </a:schemeClr>
+                </a:solidFill>
+              </a:rPr>
+              <a:t>x</a:t>
+            </a:r>
+            <a:r>
+              <a:rPr lang="en-GB" sz="1200" b="0" dirty="0">
+                <a:solidFill>
+                  <a:schemeClr val="tx1"/>
+                </a:solidFill>
+              </a:rPr>
+              <a:t>, </a:t>
+            </a:r>
+            <a:r>
+              <a:rPr lang="en-GB" sz="1200" b="0" dirty="0">
+                <a:solidFill>
+                  <a:schemeClr val="tx1">
+                    <a:lumMod val="50000"/>
+                    <a:lumOff val="50000"/>
+                  </a:schemeClr>
+                </a:solidFill>
+              </a:rPr>
+              <a:t>y</a:t>
+            </a:r>
+            <a:r>
+              <a:rPr lang="en-GB" sz="1200" b="0" dirty="0">
+                <a:solidFill>
+                  <a:schemeClr val="tx1"/>
+                </a:solidFill>
+              </a:rPr>
+              <a:t>"</a:t>
+            </a:r>
+            <a:r>
+              <a:rPr lang="en-GB" sz="1200" b="0" dirty="0">
+                <a:solidFill>
+                  <a:schemeClr val="tx1">
+                    <a:lumMod val="50000"/>
+                    <a:lumOff val="50000"/>
+                  </a:schemeClr>
+                </a:solidFill>
+              </a:rPr>
+              <a:t> or </a:t>
+            </a:r>
+            <a:r>
+              <a:rPr lang="en-GB" sz="1200" dirty="0">
+                <a:solidFill>
+                  <a:schemeClr val="tx1"/>
+                </a:solidFill>
+              </a:rPr>
+              <a:t>x</a:t>
+            </a:r>
+            <a:r>
+              <a:rPr lang="en-GB" sz="1200" b="0" dirty="0">
+                <a:solidFill>
+                  <a:schemeClr val="tx1"/>
+                </a:solidFill>
+              </a:rPr>
+              <a:t>="</a:t>
+            </a:r>
+            <a:r>
+              <a:rPr lang="en-GB" sz="1200" b="0" dirty="0">
+                <a:solidFill>
+                  <a:schemeClr val="tx1">
+                    <a:lumMod val="50000"/>
+                    <a:lumOff val="50000"/>
+                  </a:schemeClr>
+                </a:solidFill>
+              </a:rPr>
+              <a:t>x</a:t>
+            </a:r>
+            <a:r>
+              <a:rPr lang="en-GB" sz="1200" b="0" dirty="0">
+                <a:solidFill>
+                  <a:schemeClr val="tx1"/>
+                </a:solidFill>
+              </a:rPr>
+              <a:t>" </a:t>
+            </a:r>
+            <a:r>
+              <a:rPr lang="en-GB" sz="1200" dirty="0">
+                <a:solidFill>
+                  <a:schemeClr val="tx1"/>
+                </a:solidFill>
+              </a:rPr>
+              <a:t>y</a:t>
+            </a:r>
+            <a:r>
+              <a:rPr lang="en-GB" sz="1200" b="0" dirty="0">
+                <a:solidFill>
+                  <a:schemeClr val="tx1"/>
+                </a:solidFill>
+              </a:rPr>
+              <a:t>="</a:t>
+            </a:r>
+            <a:r>
+              <a:rPr lang="en-GB" sz="1200" b="0" dirty="0">
+                <a:solidFill>
+                  <a:schemeClr val="tx1">
+                    <a:lumMod val="50000"/>
+                    <a:lumOff val="50000"/>
+                  </a:schemeClr>
+                </a:solidFill>
+              </a:rPr>
+              <a:t>y</a:t>
+            </a:r>
+            <a:r>
+              <a:rPr lang="en-GB" sz="1200" b="0" dirty="0">
+                <a:solidFill>
+                  <a:schemeClr val="tx1"/>
+                </a:solidFill>
+              </a:rPr>
+              <a:t>"</a:t>
+            </a:r>
+          </a:p>
+          <a:p>
+            <a:r>
+              <a:rPr lang="en-GB" sz="1200" dirty="0">
+                <a:solidFill>
+                  <a:schemeClr val="tx1"/>
+                </a:solidFill>
+              </a:rPr>
+              <a:t>font</a:t>
+            </a:r>
+            <a:r>
+              <a:rPr lang="en-GB" sz="1200" b="0" dirty="0">
+                <a:solidFill>
+                  <a:schemeClr val="tx1"/>
+                </a:solidFill>
+              </a:rPr>
+              <a:t>="</a:t>
+            </a:r>
+            <a:r>
+              <a:rPr lang="en-GB" sz="1200" b="0" dirty="0">
+                <a:solidFill>
+                  <a:schemeClr val="tx1">
+                    <a:lumMod val="50000"/>
+                    <a:lumOff val="50000"/>
+                  </a:schemeClr>
+                </a:solidFill>
+              </a:rPr>
+              <a:t>bold 20px Courier</a:t>
+            </a:r>
+            <a:r>
+              <a:rPr lang="en-GB" sz="1200" b="0" dirty="0">
+                <a:solidFill>
+                  <a:schemeClr val="tx1"/>
+                </a:solidFill>
+              </a:rPr>
+              <a:t>"</a:t>
             </a:r>
           </a:p>
         </p:txBody>
@@ -14103,8 +14946,8 @@
         </p:nvSpPr>
         <p:spPr>
           <a:xfrm>
-            <a:off x="5169612" y="4591305"/>
-            <a:ext cx="2760566" cy="1428496"/>
+            <a:off x="5181600" y="3893315"/>
+            <a:ext cx="2895600" cy="1663189"/>
           </a:xfrm>
           <a:prstGeom prst="rect">
             <a:avLst/>
@@ -14387,6 +15230,37 @@
             </a:r>
           </a:p>
           <a:p>
+            <a:pPr>
+              <a:spcBef>
+                <a:spcPts val="600"/>
+              </a:spcBef>
+            </a:pPr>
+            <a:r>
+              <a:rPr lang="fr-FR" sz="1200" b="0" dirty="0">
+                <a:solidFill>
+                  <a:srgbClr val="FF0000"/>
+                </a:solidFill>
+              </a:rPr>
+              <a:t>&lt;</a:t>
+            </a:r>
+            <a:r>
+              <a:rPr lang="fr-FR" sz="1200" dirty="0">
+                <a:solidFill>
+                  <a:srgbClr val="FF0000"/>
+                </a:solidFill>
+              </a:rPr>
+              <a:t>proactive</a:t>
+            </a:r>
+            <a:r>
+              <a:rPr lang="fr-FR" sz="1200" b="0" dirty="0">
+                <a:solidFill>
+                  <a:srgbClr val="FF0000"/>
+                </a:solidFill>
+              </a:rPr>
+              <a:t>&gt;</a:t>
+            </a:r>
+          </a:p>
+          <a:p>
             <a:pPr lvl="0">
               <a:spcBef>
                 <a:spcPts val="600"/>
@@ -14414,7 +15288,7 @@
                   <a:srgbClr val="FF0000"/>
                 </a:solidFill>
               </a:rPr>
-              <a:t> ( event ) { … }</a:t>
+              <a:t> (event) { … }</a:t>
             </a:r>
           </a:p>
           <a:p>
@@ -14440,7 +15314,7 @@
                   <a:srgbClr val="FF0000"/>
                 </a:solidFill>
               </a:rPr>
-              <a:t> ( time, </a:t>
+              <a:t> (time, </a:t>
             </a:r>
             <a:r>
               <a:rPr lang="en-GB" sz="1200" b="0" dirty="0" err="1">
@@ -14456,7 +15330,7 @@
                   <a:srgbClr val="FF0000"/>
                 </a:solidFill>
               </a:rPr>
-              <a:t> ) { … }</a:t>
+              <a:t>) { … }</a:t>
             </a:r>
             <a:endParaRPr lang="en-GB" sz="1200" dirty="0">
               <a:solidFill>
@@ -14504,7 +15378,7 @@
         <p:spPr>
           <a:xfrm>
             <a:off x="5181600" y="527306"/>
-            <a:ext cx="2733277" cy="3968494"/>
+            <a:ext cx="2895600" cy="3282694"/>
           </a:xfrm>
           <a:prstGeom prst="rect">
             <a:avLst/>
@@ -14628,6 +15502,177 @@
             </a:r>
           </a:p>
           <a:p>
+            <a:pPr marL="228600" lvl="0" indent="-228600"/>
+            <a:r>
+              <a:rPr lang="fr-FR" sz="1200" b="0" dirty="0">
+                <a:solidFill>
+                  <a:srgbClr val="FF0000"/>
+                </a:solidFill>
+              </a:rPr>
+              <a:t>&lt;</a:t>
+            </a:r>
+            <a:r>
+              <a:rPr lang="fr-FR" sz="1200" dirty="0" err="1">
+                <a:solidFill>
+                  <a:srgbClr val="FF0000"/>
+                </a:solidFill>
+              </a:rPr>
+              <a:t>suica</a:t>
+            </a:r>
+            <a:r>
+              <a:rPr lang="fr-FR" sz="1200" b="0" dirty="0">
+                <a:solidFill>
+                  <a:srgbClr val="FF0000"/>
+                </a:solidFill>
+              </a:rPr>
+              <a:t> </a:t>
+            </a:r>
+            <a:r>
+              <a:rPr lang="fr-FR" sz="1200" b="0" dirty="0" err="1">
+                <a:solidFill>
+                  <a:srgbClr val="FF0000"/>
+                </a:solidFill>
+              </a:rPr>
+              <a:t>width</a:t>
+            </a:r>
+            <a:r>
+              <a:rPr lang="fr-FR" sz="1200" b="0" dirty="0">
+                <a:solidFill>
+                  <a:srgbClr val="FF0000"/>
+                </a:solidFill>
+              </a:rPr>
+              <a:t> </a:t>
+            </a:r>
+            <a:r>
+              <a:rPr lang="fr-FR" sz="1200" b="0" dirty="0" err="1">
+                <a:solidFill>
+                  <a:srgbClr val="FF0000"/>
+                </a:solidFill>
+              </a:rPr>
+              <a:t>height</a:t>
+            </a:r>
+            <a:r>
+              <a:rPr lang="fr-FR" sz="1200" b="0" dirty="0">
+                <a:solidFill>
+                  <a:srgbClr val="FF0000"/>
+                </a:solidFill>
+              </a:rPr>
+              <a:t> background orientation proactive perspective </a:t>
+            </a:r>
+            <a:r>
+              <a:rPr lang="fr-FR" sz="1200" b="0" dirty="0" err="1">
+                <a:solidFill>
+                  <a:srgbClr val="FF0000"/>
+                </a:solidFill>
+              </a:rPr>
+              <a:t>orthographic</a:t>
+            </a:r>
+            <a:r>
+              <a:rPr lang="fr-FR" sz="1200" b="0" dirty="0">
+                <a:solidFill>
+                  <a:srgbClr val="FF0000"/>
+                </a:solidFill>
+              </a:rPr>
+              <a:t> </a:t>
+            </a:r>
+            <a:r>
+              <a:rPr lang="fr-FR" sz="1200" b="0" dirty="0" err="1">
+                <a:solidFill>
+                  <a:srgbClr val="FF0000"/>
+                </a:solidFill>
+              </a:rPr>
+              <a:t>fullWindow</a:t>
+            </a:r>
+            <a:r>
+              <a:rPr lang="fr-FR" sz="1200" b="0" dirty="0">
+                <a:solidFill>
+                  <a:srgbClr val="FF0000"/>
+                </a:solidFill>
+              </a:rPr>
+              <a:t> </a:t>
+            </a:r>
+            <a:r>
+              <a:rPr lang="fr-FR" sz="1200" b="0" dirty="0" err="1">
+                <a:solidFill>
+                  <a:srgbClr val="FF0000"/>
+                </a:solidFill>
+              </a:rPr>
+              <a:t>fullScreen</a:t>
+            </a:r>
+            <a:r>
+              <a:rPr lang="fr-FR" sz="1200" b="0" dirty="0">
+                <a:solidFill>
+                  <a:srgbClr val="FF0000"/>
+                </a:solidFill>
+              </a:rPr>
+              <a:t> </a:t>
+            </a:r>
+            <a:r>
+              <a:rPr lang="fr-FR" sz="1200" b="0" dirty="0" err="1">
+                <a:solidFill>
+                  <a:srgbClr val="FF0000"/>
+                </a:solidFill>
+              </a:rPr>
+              <a:t>stereo</a:t>
+            </a:r>
+            <a:r>
+              <a:rPr lang="fr-FR" sz="1200" b="0" dirty="0">
+                <a:solidFill>
+                  <a:srgbClr val="FF0000"/>
+                </a:solidFill>
+              </a:rPr>
+              <a:t> </a:t>
+            </a:r>
+            <a:r>
+              <a:rPr lang="fr-FR" sz="1200" b="0" dirty="0" err="1">
+                <a:solidFill>
+                  <a:srgbClr val="FF0000"/>
+                </a:solidFill>
+              </a:rPr>
+              <a:t>anaglyph</a:t>
+            </a:r>
+            <a:r>
+              <a:rPr lang="fr-FR" sz="1200" b="0" dirty="0">
+                <a:solidFill>
+                  <a:srgbClr val="FF0000"/>
+                </a:solidFill>
+              </a:rPr>
+              <a:t> </a:t>
+            </a:r>
+            <a:r>
+              <a:rPr lang="fr-FR" sz="1200" b="0" dirty="0" err="1">
+                <a:solidFill>
+                  <a:srgbClr val="FF0000"/>
+                </a:solidFill>
+              </a:rPr>
+              <a:t>vr</a:t>
+            </a:r>
+            <a:r>
+              <a:rPr lang="fr-FR" sz="1200" b="0" dirty="0">
+                <a:solidFill>
+                  <a:srgbClr val="FF0000"/>
+                </a:solidFill>
+              </a:rPr>
+              <a:t>&gt; … &lt;/</a:t>
+            </a:r>
+            <a:r>
+              <a:rPr lang="fr-FR" sz="1200" dirty="0" err="1">
+                <a:solidFill>
+                  <a:srgbClr val="FF0000"/>
+                </a:solidFill>
+              </a:rPr>
+              <a:t>suica</a:t>
+            </a:r>
+            <a:r>
+              <a:rPr lang="fr-FR" sz="1200" b="0" dirty="0">
+                <a:solidFill>
+                  <a:srgbClr val="FF0000"/>
+                </a:solidFill>
+              </a:rPr>
+              <a:t>&gt;</a:t>
+            </a:r>
+          </a:p>
+          <a:p>
             <a:pPr lvl="0"/>
             <a:r>
               <a:rPr lang="fr-FR" sz="1200" b="0" dirty="0">
@@ -14635,7 +15680,7 @@
                   <a:srgbClr val="FF0000"/>
                 </a:solidFill>
               </a:rPr>
-              <a:t>&lt;script src="</a:t>
+              <a:t>&lt;</a:t>
             </a:r>
             <a:r>
               <a:rPr lang="fr-FR" sz="1200" dirty="0">
@@ -14643,7 +15688,7 @@
                   <a:srgbClr val="FF0000"/>
                 </a:solidFill>
               </a:rPr>
-              <a:t>suica.js</a:t>
+              <a:t>background</a:t>
             </a:r>
             <a:r>
               <a:rPr lang="fr-FR" sz="1200" b="0" dirty="0">
@@ -14651,17 +15696,33 @@
                   <a:srgbClr val="FF0000"/>
                 </a:solidFill>
               </a:rPr>
-              <a:t>"&gt;&lt;/script&gt;</a:t>
-            </a:r>
-          </a:p>
-          <a:p>
-            <a:pPr marL="228600" lvl="0" indent="-228600"/>
+              <a:t> </a:t>
+            </a:r>
+            <a:r>
+              <a:rPr lang="fr-FR" sz="1200" b="0" dirty="0" err="1">
+                <a:solidFill>
+                  <a:srgbClr val="FF0000"/>
+                </a:solidFill>
+              </a:rPr>
+              <a:t>color</a:t>
+            </a:r>
             <a:r>
               <a:rPr lang="fr-FR" sz="1200" b="0" dirty="0">
                 <a:solidFill>
                   <a:srgbClr val="FF0000"/>
                 </a:solidFill>
               </a:rPr>
+              <a:t>&gt;</a:t>
+            </a:r>
+          </a:p>
+          <a:p>
+            <a:pPr lvl="0"/>
+            <a:r>
+              <a:rPr lang="fr-FR" sz="1200" b="0" dirty="0">
+                <a:solidFill>
+                  <a:srgbClr val="FF0000"/>
+                </a:solidFill>
+              </a:rPr>
               <a:t>&lt;</a:t>
             </a:r>
             <a:r>
@@ -14670,7 +15731,7 @@
                   <a:srgbClr val="FF0000"/>
                 </a:solidFill>
               </a:rPr>
-              <a:t>suica</a:t>
+              <a:t>oxyz</a:t>
             </a:r>
             <a:r>
               <a:rPr lang="fr-FR" sz="1200" b="0" dirty="0">
@@ -14678,6 +15739,101 @@
                   <a:srgbClr val="FF0000"/>
                 </a:solidFill>
               </a:rPr>
+              <a:t> size </a:t>
+            </a:r>
+            <a:r>
+              <a:rPr lang="fr-FR" sz="1200" b="0" dirty="0" err="1">
+                <a:solidFill>
+                  <a:srgbClr val="FF0000"/>
+                </a:solidFill>
+              </a:rPr>
+              <a:t>color</a:t>
+            </a:r>
+            <a:r>
+              <a:rPr lang="fr-FR" sz="1200" b="0" dirty="0">
+                <a:solidFill>
+                  <a:srgbClr val="FF0000"/>
+                </a:solidFill>
+              </a:rPr>
+              <a:t>&gt;</a:t>
+            </a:r>
+          </a:p>
+          <a:p>
+            <a:pPr lvl="0"/>
+            <a:r>
+              <a:rPr lang="fr-FR" sz="1200" b="0" dirty="0">
+                <a:solidFill>
+                  <a:srgbClr val="FF0000"/>
+                </a:solidFill>
+              </a:rPr>
+              <a:t>&lt;</a:t>
+            </a:r>
+            <a:r>
+              <a:rPr lang="fr-FR" sz="1200" dirty="0" err="1">
+                <a:solidFill>
+                  <a:srgbClr val="FF0000"/>
+                </a:solidFill>
+              </a:rPr>
+              <a:t>demo</a:t>
+            </a:r>
+            <a:r>
+              <a:rPr lang="fr-FR" sz="1200" b="0" dirty="0">
+                <a:solidFill>
+                  <a:srgbClr val="FF0000"/>
+                </a:solidFill>
+              </a:rPr>
+              <a:t> distance altitude speed&gt;</a:t>
+            </a:r>
+          </a:p>
+          <a:p>
+            <a:r>
+              <a:rPr lang="fr-FR" sz="1200" b="0" dirty="0">
+                <a:solidFill>
+                  <a:srgbClr val="FF0000"/>
+                </a:solidFill>
+              </a:rPr>
+              <a:t>&lt;</a:t>
+            </a:r>
+            <a:r>
+              <a:rPr lang="fr-FR" sz="1200" dirty="0" err="1">
+                <a:solidFill>
+                  <a:srgbClr val="FF0000"/>
+                </a:solidFill>
+              </a:rPr>
+              <a:t>orbit</a:t>
+            </a:r>
+            <a:r>
+              <a:rPr lang="fr-FR" sz="1200" b="0" dirty="0">
+                <a:solidFill>
+                  <a:srgbClr val="FF0000"/>
+                </a:solidFill>
+              </a:rPr>
+              <a:t> id distance altitude speed&gt;</a:t>
+            </a:r>
+          </a:p>
+          <a:p>
+            <a:r>
+              <a:rPr lang="fr-FR" sz="1200" b="0" dirty="0">
+                <a:solidFill>
+                  <a:srgbClr val="FF0000"/>
+                </a:solidFill>
+              </a:rPr>
+              <a:t>&lt;</a:t>
+            </a:r>
+            <a:r>
+              <a:rPr lang="fr-FR" sz="1200" dirty="0" err="1">
+                <a:solidFill>
+                  <a:srgbClr val="FF0000"/>
+                </a:solidFill>
+              </a:rPr>
+              <a:t>lookAt</a:t>
+            </a:r>
+            <a:r>
+              <a:rPr lang="fr-FR" sz="1200" dirty="0">
+                <a:solidFill>
+                  <a:srgbClr val="FF0000"/>
+                </a:solidFill>
+              </a:rPr>
               <a:t> </a:t>
             </a:r>
             <a:r>
@@ -14686,7 +15842,7 @@
                   <a:srgbClr val="FF0000"/>
                 </a:solidFill>
               </a:rPr>
-              <a:t>width</a:t>
+              <a:t>from</a:t>
             </a:r>
             <a:r>
               <a:rPr lang="fr-FR" sz="1200" b="0" dirty="0">
@@ -14694,6 +15850,32 @@
                   <a:srgbClr val="FF0000"/>
                 </a:solidFill>
               </a:rPr>
+              <a:t> to up&gt;</a:t>
+            </a:r>
+          </a:p>
+          <a:p>
+            <a:r>
+              <a:rPr lang="fr-FR" sz="1200" b="0" dirty="0">
+                <a:solidFill>
+                  <a:srgbClr val="FF0000"/>
+                </a:solidFill>
+              </a:rPr>
+              <a:t>&lt;</a:t>
+            </a:r>
+            <a:r>
+              <a:rPr lang="fr-FR" sz="1200" dirty="0">
+                <a:solidFill>
+                  <a:srgbClr val="FF0000"/>
+                </a:solidFill>
+              </a:rPr>
+              <a:t>perspective</a:t>
+            </a:r>
+            <a:r>
+              <a:rPr lang="fr-FR" sz="1200" b="0" dirty="0">
+                <a:solidFill>
+                  <a:srgbClr val="FF0000"/>
+                </a:solidFill>
+              </a:rPr>
               <a:t> </a:t>
             </a:r>
             <a:r>
@@ -14702,7 +15884,7 @@
                   <a:srgbClr val="FF0000"/>
                 </a:solidFill>
               </a:rPr>
-              <a:t>height</a:t>
+              <a:t>near</a:t>
             </a:r>
             <a:r>
               <a:rPr lang="fr-FR" sz="1200" b="0" dirty="0">
@@ -14710,7 +15892,7 @@
                   <a:srgbClr val="FF0000"/>
                 </a:solidFill>
               </a:rPr>
-              <a:t> background orientation proactive perspective </a:t>
+              <a:t> far </a:t>
             </a:r>
             <a:r>
               <a:rPr lang="fr-FR" sz="1200" b="0" dirty="0" err="1">
@@ -14718,6 +15900,32 @@
                   <a:srgbClr val="FF0000"/>
                 </a:solidFill>
               </a:rPr>
+              <a:t>fov</a:t>
+            </a:r>
+            <a:r>
+              <a:rPr lang="fr-FR" sz="1200" b="0" dirty="0">
+                <a:solidFill>
+                  <a:srgbClr val="FF0000"/>
+                </a:solidFill>
+              </a:rPr>
+              <a:t>&gt;</a:t>
+            </a:r>
+          </a:p>
+          <a:p>
+            <a:r>
+              <a:rPr lang="fr-FR" sz="1200" b="0" dirty="0">
+                <a:solidFill>
+                  <a:srgbClr val="FF0000"/>
+                </a:solidFill>
+              </a:rPr>
+              <a:t>&lt;</a:t>
+            </a:r>
+            <a:r>
+              <a:rPr lang="fr-FR" sz="1200" dirty="0" err="1">
+                <a:solidFill>
+                  <a:srgbClr val="FF0000"/>
+                </a:solidFill>
+              </a:rPr>
               <a:t>orthographic</a:t>
             </a:r>
             <a:r>
@@ -14734,6 +15942,32 @@
                   <a:srgbClr val="FF0000"/>
                 </a:solidFill>
               </a:rPr>
+              <a:t>near</a:t>
+            </a:r>
+            <a:r>
+              <a:rPr lang="fr-FR" sz="1200" b="0" dirty="0">
+                <a:solidFill>
+                  <a:srgbClr val="FF0000"/>
+                </a:solidFill>
+              </a:rPr>
+              <a:t> far&gt;</a:t>
+            </a:r>
+          </a:p>
+          <a:p>
+            <a:r>
+              <a:rPr lang="fr-FR" sz="1200" b="0" dirty="0">
+                <a:solidFill>
+                  <a:srgbClr val="FF0000"/>
+                </a:solidFill>
+              </a:rPr>
+              <a:t>&lt;</a:t>
+            </a:r>
+            <a:r>
+              <a:rPr lang="fr-FR" sz="1200" dirty="0" err="1">
+                <a:solidFill>
+                  <a:srgbClr val="FF0000"/>
+                </a:solidFill>
+              </a:rPr>
               <a:t>fullWindow</a:t>
             </a:r>
             <a:r>
@@ -14742,14 +15976,24 @@
                   <a:srgbClr val="FF0000"/>
                 </a:solidFill>
               </a:rPr>
-              <a:t> </a:t>
-            </a:r>
-            <a:r>
-              <a:rPr lang="fr-FR" sz="1200" b="0" dirty="0" err="1">
+              <a:t>&gt;</a:t>
+            </a:r>
+          </a:p>
+          <a:p>
+            <a:r>
+              <a:rPr lang="fr-FR" sz="1200" b="0" dirty="0">
                 <a:solidFill>
                   <a:srgbClr val="FF0000"/>
                 </a:solidFill>
               </a:rPr>
+              <a:t>&lt;</a:t>
+            </a:r>
+            <a:r>
+              <a:rPr lang="fr-FR" sz="1200" dirty="0" err="1">
+                <a:solidFill>
+                  <a:srgbClr val="FF0000"/>
+                </a:solidFill>
+              </a:rPr>
               <a:t>fullScreen</a:t>
             </a:r>
             <a:r>
@@ -14758,14 +16002,24 @@
                   <a:srgbClr val="FF0000"/>
                 </a:solidFill>
               </a:rPr>
-              <a:t> </a:t>
-            </a:r>
-            <a:r>
-              <a:rPr lang="fr-FR" sz="1200" b="0" dirty="0" err="1">
+              <a:t>&gt;</a:t>
+            </a:r>
+          </a:p>
+          <a:p>
+            <a:r>
+              <a:rPr lang="fr-FR" sz="1200" b="0" dirty="0">
                 <a:solidFill>
                   <a:srgbClr val="FF0000"/>
                 </a:solidFill>
               </a:rPr>
+              <a:t>&lt;</a:t>
+            </a:r>
+            <a:r>
+              <a:rPr lang="fr-FR" sz="1200" dirty="0" err="1">
+                <a:solidFill>
+                  <a:srgbClr val="FF0000"/>
+                </a:solidFill>
+              </a:rPr>
               <a:t>stereo</a:t>
             </a:r>
             <a:r>
@@ -14774,14 +16028,24 @@
                   <a:srgbClr val="FF0000"/>
                 </a:solidFill>
               </a:rPr>
-              <a:t> </a:t>
-            </a:r>
-            <a:r>
-              <a:rPr lang="fr-FR" sz="1200" b="0" dirty="0" err="1">
+              <a:t> distance&gt;</a:t>
+            </a:r>
+          </a:p>
+          <a:p>
+            <a:r>
+              <a:rPr lang="fr-FR" sz="1200" b="0" dirty="0">
                 <a:solidFill>
                   <a:srgbClr val="FF0000"/>
                 </a:solidFill>
               </a:rPr>
+              <a:t>&lt;</a:t>
+            </a:r>
+            <a:r>
+              <a:rPr lang="fr-FR" sz="1200" dirty="0" err="1">
+                <a:solidFill>
+                  <a:srgbClr val="FF0000"/>
+                </a:solidFill>
+              </a:rPr>
               <a:t>anaglyph</a:t>
             </a:r>
             <a:r>
@@ -14790,10 +16054,10 @@
                   <a:srgbClr val="FF0000"/>
                 </a:solidFill>
               </a:rPr>
-              <a:t> </a:t>
-            </a:r>
-            <a:r>
-              <a:rPr lang="fr-FR" sz="1200" b="0" dirty="0" err="1">
+              <a:t> distance&gt; &lt;</a:t>
+            </a:r>
+            <a:r>
+              <a:rPr lang="fr-FR" sz="1200" dirty="0" err="1">
                 <a:solidFill>
                   <a:srgbClr val="FF0000"/>
                 </a:solidFill>
@@ -14806,478 +16070,10 @@
                   <a:srgbClr val="FF0000"/>
                 </a:solidFill>
               </a:rPr>
-              <a:t>&gt; … &lt;/</a:t>
-            </a:r>
-            <a:r>
-              <a:rPr lang="fr-FR" sz="1200" dirty="0" err="1">
-                <a:solidFill>
-                  <a:srgbClr val="FF0000"/>
-                </a:solidFill>
-              </a:rPr>
-              <a:t>suica</a:t>
-            </a:r>
-            <a:r>
-              <a:rPr lang="fr-FR" sz="1200" b="0" dirty="0">
-                <a:solidFill>
-                  <a:srgbClr val="FF0000"/>
-                </a:solidFill>
-              </a:rPr>
               <a:t>&gt;</a:t>
             </a:r>
           </a:p>
           <a:p>
-            <a:pPr lvl="0">
-              <a:spcBef>
-                <a:spcPts val="600"/>
-              </a:spcBef>
-            </a:pPr>
-            <a:r>
-              <a:rPr lang="fr-FR" sz="1200" b="0" dirty="0">
-                <a:solidFill>
-                  <a:srgbClr val="FF0000"/>
-                </a:solidFill>
-              </a:rPr>
-              <a:t>&lt;</a:t>
-            </a:r>
-            <a:r>
-              <a:rPr lang="fr-FR" sz="1200" dirty="0">
-                <a:solidFill>
-                  <a:srgbClr val="FF0000"/>
-                </a:solidFill>
-              </a:rPr>
-              <a:t>background</a:t>
-            </a:r>
-            <a:r>
-              <a:rPr lang="fr-FR" sz="1200" b="0" dirty="0">
-                <a:solidFill>
-                  <a:srgbClr val="FF0000"/>
-                </a:solidFill>
-              </a:rPr>
-              <a:t> </a:t>
-            </a:r>
-            <a:r>
-              <a:rPr lang="fr-FR" sz="1200" b="0" dirty="0" err="1">
-                <a:solidFill>
-                  <a:srgbClr val="FF0000"/>
-                </a:solidFill>
-              </a:rPr>
-              <a:t>color</a:t>
-            </a:r>
-            <a:r>
-              <a:rPr lang="fr-FR" sz="1200" b="0" dirty="0">
-                <a:solidFill>
-                  <a:srgbClr val="FF0000"/>
-                </a:solidFill>
-              </a:rPr>
-              <a:t>&gt;</a:t>
-            </a:r>
-          </a:p>
-          <a:p>
-            <a:pPr lvl="0"/>
-            <a:r>
-              <a:rPr lang="fr-FR" sz="1200" b="0" dirty="0">
-                <a:solidFill>
-                  <a:srgbClr val="FF0000"/>
-                </a:solidFill>
-              </a:rPr>
-              <a:t>&lt;</a:t>
-            </a:r>
-            <a:r>
-              <a:rPr lang="fr-FR" sz="1200" dirty="0">
-                <a:solidFill>
-                  <a:srgbClr val="FF0000"/>
-                </a:solidFill>
-              </a:rPr>
-              <a:t>proactive</a:t>
-            </a:r>
-            <a:r>
-              <a:rPr lang="fr-FR" sz="1200" b="0" dirty="0">
-                <a:solidFill>
-                  <a:srgbClr val="FF0000"/>
-                </a:solidFill>
-              </a:rPr>
-              <a:t>&gt;</a:t>
-            </a:r>
-          </a:p>
-          <a:p>
-            <a:pPr lvl="0"/>
-            <a:r>
-              <a:rPr lang="fr-FR" sz="1200" b="0" dirty="0">
-                <a:solidFill>
-                  <a:srgbClr val="FF0000"/>
-                </a:solidFill>
-              </a:rPr>
-              <a:t>&lt;</a:t>
-            </a:r>
-            <a:r>
-              <a:rPr lang="fr-FR" sz="1200" dirty="0" err="1">
-                <a:solidFill>
-                  <a:srgbClr val="FF0000"/>
-                </a:solidFill>
-              </a:rPr>
-              <a:t>oxyz</a:t>
-            </a:r>
-            <a:r>
-              <a:rPr lang="fr-FR" sz="1200" b="0" dirty="0">
-                <a:solidFill>
-                  <a:srgbClr val="FF0000"/>
-                </a:solidFill>
-              </a:rPr>
-              <a:t> size </a:t>
-            </a:r>
-            <a:r>
-              <a:rPr lang="fr-FR" sz="1200" b="0" dirty="0" err="1">
-                <a:solidFill>
-                  <a:srgbClr val="FF0000"/>
-                </a:solidFill>
-              </a:rPr>
-              <a:t>color</a:t>
-            </a:r>
-            <a:r>
-              <a:rPr lang="fr-FR" sz="1200" b="0" dirty="0">
-                <a:solidFill>
-                  <a:srgbClr val="FF0000"/>
-                </a:solidFill>
-              </a:rPr>
-              <a:t>&gt;</a:t>
-            </a:r>
-          </a:p>
-          <a:p>
-            <a:pPr lvl="0"/>
-            <a:r>
-              <a:rPr lang="fr-FR" sz="1200" b="0" dirty="0">
-                <a:solidFill>
-                  <a:srgbClr val="FF0000"/>
-                </a:solidFill>
-              </a:rPr>
-              <a:t>&lt;</a:t>
-            </a:r>
-            <a:r>
-              <a:rPr lang="fr-FR" sz="1200" dirty="0" err="1">
-                <a:solidFill>
-                  <a:srgbClr val="FF0000"/>
-                </a:solidFill>
-              </a:rPr>
-              <a:t>demo</a:t>
-            </a:r>
-            <a:r>
-              <a:rPr lang="fr-FR" sz="1200" b="0" dirty="0">
-                <a:solidFill>
-                  <a:srgbClr val="FF0000"/>
-                </a:solidFill>
-              </a:rPr>
-              <a:t> distance altitude speed&gt;</a:t>
-            </a:r>
-          </a:p>
-          <a:p>
-            <a:r>
-              <a:rPr lang="fr-FR" sz="1200" b="0" dirty="0">
-                <a:solidFill>
-                  <a:srgbClr val="FF0000"/>
-                </a:solidFill>
-              </a:rPr>
-              <a:t>&lt;</a:t>
-            </a:r>
-            <a:r>
-              <a:rPr lang="fr-FR" sz="1200" dirty="0" err="1">
-                <a:solidFill>
-                  <a:srgbClr val="FF0000"/>
-                </a:solidFill>
-              </a:rPr>
-              <a:t>orbit</a:t>
-            </a:r>
-            <a:r>
-              <a:rPr lang="fr-FR" sz="1200" b="0" dirty="0">
-                <a:solidFill>
-                  <a:srgbClr val="FF0000"/>
-                </a:solidFill>
-              </a:rPr>
-              <a:t> id distance altitude speed&gt;</a:t>
-            </a:r>
-          </a:p>
-          <a:p>
-            <a:r>
-              <a:rPr lang="fr-FR" sz="1200" b="0" dirty="0">
-                <a:solidFill>
-                  <a:srgbClr val="FF0000"/>
-                </a:solidFill>
-              </a:rPr>
-              <a:t>&lt;</a:t>
-            </a:r>
-            <a:r>
-              <a:rPr lang="fr-FR" sz="1200" dirty="0" err="1">
-                <a:solidFill>
-                  <a:srgbClr val="FF0000"/>
-                </a:solidFill>
-              </a:rPr>
-              <a:t>lookAt</a:t>
-            </a:r>
-            <a:r>
-              <a:rPr lang="fr-FR" sz="1200" dirty="0">
-                <a:solidFill>
-                  <a:srgbClr val="FF0000"/>
-                </a:solidFill>
-              </a:rPr>
-              <a:t> </a:t>
-            </a:r>
-            <a:r>
-              <a:rPr lang="fr-FR" sz="1200" b="0" dirty="0" err="1">
-                <a:solidFill>
-                  <a:srgbClr val="FF0000"/>
-                </a:solidFill>
-              </a:rPr>
-              <a:t>from</a:t>
-            </a:r>
-            <a:r>
-              <a:rPr lang="fr-FR" sz="1200" b="0" dirty="0">
-                <a:solidFill>
-                  <a:srgbClr val="FF0000"/>
-                </a:solidFill>
-              </a:rPr>
-              <a:t> to up&gt;</a:t>
-            </a:r>
-          </a:p>
-          <a:p>
-            <a:pPr>
-              <a:spcBef>
-                <a:spcPts val="600"/>
-              </a:spcBef>
-            </a:pPr>
-            <a:r>
-              <a:rPr lang="fr-FR" sz="1200" b="0" dirty="0">
-                <a:solidFill>
-                  <a:srgbClr val="FF0000"/>
-                </a:solidFill>
-              </a:rPr>
-              <a:t>&lt;</a:t>
-            </a:r>
-            <a:r>
-              <a:rPr lang="fr-FR" sz="1200" dirty="0">
-                <a:solidFill>
-                  <a:srgbClr val="FF0000"/>
-                </a:solidFill>
-              </a:rPr>
-              <a:t>perspective</a:t>
-            </a:r>
-            <a:r>
-              <a:rPr lang="fr-FR" sz="1200" b="0" dirty="0">
-                <a:solidFill>
-                  <a:srgbClr val="FF0000"/>
-                </a:solidFill>
-              </a:rPr>
-              <a:t> </a:t>
-            </a:r>
-            <a:r>
-              <a:rPr lang="fr-FR" sz="1200" b="0" dirty="0" err="1">
-                <a:solidFill>
-                  <a:srgbClr val="FF0000"/>
-                </a:solidFill>
-              </a:rPr>
-              <a:t>near</a:t>
-            </a:r>
-            <a:r>
-              <a:rPr lang="fr-FR" sz="1200" b="0" dirty="0">
-                <a:solidFill>
-                  <a:srgbClr val="FF0000"/>
-                </a:solidFill>
-              </a:rPr>
-              <a:t> far </a:t>
-            </a:r>
-            <a:r>
-              <a:rPr lang="fr-FR" sz="1200" b="0" dirty="0" err="1">
-                <a:solidFill>
-                  <a:srgbClr val="FF0000"/>
-                </a:solidFill>
-              </a:rPr>
-              <a:t>fov</a:t>
-            </a:r>
-            <a:r>
-              <a:rPr lang="fr-FR" sz="1200" b="0" dirty="0">
-                <a:solidFill>
-                  <a:srgbClr val="FF0000"/>
-                </a:solidFill>
-              </a:rPr>
-              <a:t>&gt;</a:t>
-            </a:r>
-          </a:p>
-          <a:p>
-            <a:r>
-              <a:rPr lang="fr-FR" sz="1200" b="0" dirty="0">
-                <a:solidFill>
-                  <a:srgbClr val="FF0000"/>
-                </a:solidFill>
-              </a:rPr>
-              <a:t>&lt;</a:t>
-            </a:r>
-            <a:r>
-              <a:rPr lang="fr-FR" sz="1200" dirty="0" err="1">
-                <a:solidFill>
-                  <a:srgbClr val="FF0000"/>
-                </a:solidFill>
-              </a:rPr>
-              <a:t>orthographic</a:t>
-            </a:r>
-            <a:r>
-              <a:rPr lang="fr-FR" sz="1200" b="0" dirty="0">
-                <a:solidFill>
-                  <a:srgbClr val="FF0000"/>
-                </a:solidFill>
-              </a:rPr>
-              <a:t> </a:t>
-            </a:r>
-            <a:r>
-              <a:rPr lang="fr-FR" sz="1200" b="0" dirty="0" err="1">
-                <a:solidFill>
-                  <a:srgbClr val="FF0000"/>
-                </a:solidFill>
-              </a:rPr>
-              <a:t>near</a:t>
-            </a:r>
-            <a:r>
-              <a:rPr lang="fr-FR" sz="1200" b="0" dirty="0">
-                <a:solidFill>
-                  <a:srgbClr val="FF0000"/>
-                </a:solidFill>
-              </a:rPr>
-              <a:t> far&gt;</a:t>
-            </a:r>
-          </a:p>
-          <a:p>
-            <a:r>
-              <a:rPr lang="fr-FR" sz="1200" b="0" dirty="0">
-                <a:solidFill>
-                  <a:srgbClr val="FF0000"/>
-                </a:solidFill>
-              </a:rPr>
-              <a:t>&lt;</a:t>
-            </a:r>
-            <a:r>
-              <a:rPr lang="fr-FR" sz="1200" dirty="0" err="1">
-                <a:solidFill>
-                  <a:srgbClr val="FF0000"/>
-                </a:solidFill>
-              </a:rPr>
-              <a:t>fullWindow</a:t>
-            </a:r>
-            <a:r>
-              <a:rPr lang="fr-FR" sz="1200" b="0" dirty="0">
-                <a:solidFill>
-                  <a:srgbClr val="FF0000"/>
-                </a:solidFill>
-              </a:rPr>
-              <a:t>&gt;</a:t>
-            </a:r>
-          </a:p>
-          <a:p>
-            <a:r>
-              <a:rPr lang="fr-FR" sz="1200" b="0" dirty="0">
-                <a:solidFill>
-                  <a:srgbClr val="FF0000"/>
-                </a:solidFill>
-              </a:rPr>
-              <a:t>&lt;</a:t>
-            </a:r>
-            <a:r>
-              <a:rPr lang="fr-FR" sz="1200" dirty="0" err="1">
-                <a:solidFill>
-                  <a:srgbClr val="FF0000"/>
-                </a:solidFill>
-              </a:rPr>
-              <a:t>fullScreen</a:t>
-            </a:r>
-            <a:r>
-              <a:rPr lang="fr-FR" sz="1200" b="0" dirty="0">
-                <a:solidFill>
-                  <a:srgbClr val="FF0000"/>
-                </a:solidFill>
-              </a:rPr>
-              <a:t>&gt;</a:t>
-            </a:r>
-          </a:p>
-          <a:p>
-            <a:r>
-              <a:rPr lang="fr-FR" sz="1200" b="0" dirty="0">
-                <a:solidFill>
-                  <a:srgbClr val="FF0000"/>
-                </a:solidFill>
-              </a:rPr>
-              <a:t>&lt;</a:t>
-            </a:r>
-            <a:r>
-              <a:rPr lang="fr-FR" sz="1200" dirty="0" err="1">
-                <a:solidFill>
-                  <a:srgbClr val="FF0000"/>
-                </a:solidFill>
-              </a:rPr>
-              <a:t>stereo</a:t>
-            </a:r>
-            <a:r>
-              <a:rPr lang="fr-FR" sz="1200" b="0" dirty="0">
-                <a:solidFill>
-                  <a:srgbClr val="FF0000"/>
-                </a:solidFill>
-              </a:rPr>
-              <a:t> distance&gt;</a:t>
-            </a:r>
-          </a:p>
-          <a:p>
-            <a:r>
-              <a:rPr lang="fr-FR" sz="1200" b="0" dirty="0">
-                <a:solidFill>
-                  <a:srgbClr val="FF0000"/>
-                </a:solidFill>
-              </a:rPr>
-              <a:t>&lt;</a:t>
-            </a:r>
-            <a:r>
-              <a:rPr lang="fr-FR" sz="1200" dirty="0" err="1">
-                <a:solidFill>
-                  <a:srgbClr val="FF0000"/>
-                </a:solidFill>
-              </a:rPr>
-              <a:t>anaglyph</a:t>
-            </a:r>
-            <a:r>
-              <a:rPr lang="fr-FR" sz="1200" b="0" dirty="0">
-                <a:solidFill>
-                  <a:srgbClr val="FF0000"/>
-                </a:solidFill>
-              </a:rPr>
-              <a:t> distance&gt;</a:t>
-            </a:r>
-          </a:p>
-          <a:p>
-            <a:r>
-              <a:rPr lang="fr-FR" sz="1200" b="0" dirty="0">
-                <a:solidFill>
-                  <a:srgbClr val="FF0000"/>
-                </a:solidFill>
-              </a:rPr>
-              <a:t>&lt;</a:t>
-            </a:r>
-            <a:r>
-              <a:rPr lang="fr-FR" sz="1200" dirty="0" err="1">
-                <a:solidFill>
-                  <a:srgbClr val="FF0000"/>
-                </a:solidFill>
-              </a:rPr>
-              <a:t>vr</a:t>
-            </a:r>
-            <a:r>
-              <a:rPr lang="fr-FR" sz="1200" b="0" dirty="0">
-                <a:solidFill>
-                  <a:srgbClr val="FF0000"/>
-                </a:solidFill>
-              </a:rPr>
-              <a:t>&gt;</a:t>
-            </a:r>
-          </a:p>
-          <a:p>
-            <a:pPr>
-              <a:spcBef>
-                <a:spcPts val="600"/>
-              </a:spcBef>
-            </a:pPr>
             <a:r>
               <a:rPr lang="fr-FR" sz="1200" b="0" dirty="0">
                 <a:solidFill>
@@ -15373,7 +16169,7 @@
         <p:spPr>
           <a:xfrm>
             <a:off x="76204" y="76200"/>
-            <a:ext cx="1828796" cy="355602"/>
+            <a:ext cx="2438396" cy="355602"/>
           </a:xfrm>
           <a:prstGeom prst="rect">
             <a:avLst/>
@@ -15520,8 +16316,8 @@
         </p:nvSpPr>
         <p:spPr>
           <a:xfrm>
-            <a:off x="8458200" y="76200"/>
-            <a:ext cx="1371598" cy="355602"/>
+            <a:off x="8153400" y="76200"/>
+            <a:ext cx="1676398" cy="355602"/>
           </a:xfrm>
           <a:prstGeom prst="rect">
             <a:avLst/>
@@ -15663,423 +16459,6 @@
       </p:sp>
       <p:sp>
         <p:nvSpPr>
-          <p:cNvPr id="14" name="TextBox 13">
-            <a:extLst>
-              <a:ext uri="{FF2B5EF4-FFF2-40B4-BE49-F238E27FC236}">
-                <a16:creationId xmlns:a16="http://schemas.microsoft.com/office/drawing/2014/main" id="{CFD468EB-7E4F-4275-A69A-BD39D468570A}"/>
-              </a:ext>
-            </a:extLst>
-          </p:cNvPr>
-          <p:cNvSpPr txBox="1"/>
-          <p:nvPr/>
-        </p:nvSpPr>
-        <p:spPr>
-          <a:xfrm>
-            <a:off x="1981200" y="76201"/>
-            <a:ext cx="6400800" cy="355601"/>
-          </a:xfrm>
-          <a:prstGeom prst="rect">
-            <a:avLst/>
-          </a:prstGeom>
-          <a:solidFill>
-            <a:schemeClr val="bg1">
-              <a:lumMod val="95000"/>
-            </a:schemeClr>
-          </a:solidFill>
-          <a:ln w="3175">
-            <a:noFill/>
-          </a:ln>
-        </p:spPr>
-        <p:style>
-          <a:lnRef idx="2">
-            <a:schemeClr val="accent1">
-              <a:shade val="50000"/>
-            </a:schemeClr>
-          </a:lnRef>
-          <a:fillRef idx="1">
-            <a:schemeClr val="accent1"/>
-          </a:fillRef>
-          <a:effectRef idx="0">
-            <a:schemeClr val="accent1"/>
-          </a:effectRef>
-          <a:fontRef idx="minor">
-            <a:schemeClr val="lt1"/>
-          </a:fontRef>
-        </p:style>
-        <p:txBody>
-          <a:bodyPr rot="0" spcFirstLastPara="0" vertOverflow="overflow" horzOverflow="overflow" vert="horz" wrap="square" lIns="91440" tIns="45720" rIns="0" bIns="45720" numCol="1" spcCol="0" rtlCol="0" fromWordArt="0" anchor="t" anchorCtr="0" forceAA="0" compatLnSpc="1">
-            <a:prstTxWarp prst="textNoShape">
-              <a:avLst/>
-            </a:prstTxWarp>
-            <a:noAutofit/>
-          </a:bodyPr>
-          <a:lstStyle>
-            <a:defPPr>
-              <a:defRPr lang="en-US"/>
-            </a:defPPr>
-            <a:lvl1pPr>
-              <a:tabLst>
-                <a:tab pos="171450" algn="l"/>
-              </a:tabLst>
-              <a:defRPr sz="1000" b="1">
-                <a:solidFill>
-                  <a:schemeClr val="accent1"/>
-                </a:solidFill>
-                <a:latin typeface="Agency FB" panose="020B0503020202020204" pitchFamily="34" charset="0"/>
-              </a:defRPr>
-            </a:lvl1pPr>
-            <a:lvl2pPr>
-              <a:defRPr>
-                <a:solidFill>
-                  <a:schemeClr val="lt1"/>
-                </a:solidFill>
-              </a:defRPr>
-            </a:lvl2pPr>
-            <a:lvl3pPr>
-              <a:defRPr>
-                <a:solidFill>
-                  <a:schemeClr val="lt1"/>
-                </a:solidFill>
-              </a:defRPr>
-            </a:lvl3pPr>
-            <a:lvl4pPr>
-              <a:defRPr>
-                <a:solidFill>
-                  <a:schemeClr val="lt1"/>
-                </a:solidFill>
-              </a:defRPr>
-            </a:lvl4pPr>
-            <a:lvl5pPr>
-              <a:defRPr>
-                <a:solidFill>
-                  <a:schemeClr val="lt1"/>
-                </a:solidFill>
-              </a:defRPr>
-            </a:lvl5pPr>
-            <a:lvl6pPr>
-              <a:defRPr>
-                <a:solidFill>
-                  <a:schemeClr val="lt1"/>
-                </a:solidFill>
-              </a:defRPr>
-            </a:lvl6pPr>
-            <a:lvl7pPr>
-              <a:defRPr>
-                <a:solidFill>
-                  <a:schemeClr val="lt1"/>
-                </a:solidFill>
-              </a:defRPr>
-            </a:lvl7pPr>
-            <a:lvl8pPr>
-              <a:defRPr>
-                <a:solidFill>
-                  <a:schemeClr val="lt1"/>
-                </a:solidFill>
-              </a:defRPr>
-            </a:lvl8pPr>
-            <a:lvl9pPr>
-              <a:defRPr>
-                <a:solidFill>
-                  <a:schemeClr val="lt1"/>
-                </a:solidFill>
-              </a:defRPr>
-            </a:lvl9pPr>
-          </a:lstStyle>
-          <a:p>
-            <a:pPr>
-              <a:tabLst>
-                <a:tab pos="173038" algn="l"/>
-                <a:tab pos="2286000" algn="r"/>
-              </a:tabLst>
-            </a:pPr>
-            <a:endParaRPr lang="en-GB" sz="1200" b="0" dirty="0">
-              <a:solidFill>
-                <a:schemeClr val="tx1"/>
-              </a:solidFill>
-            </a:endParaRPr>
-          </a:p>
-        </p:txBody>
-      </p:sp>
-      <p:sp>
-        <p:nvSpPr>
-          <p:cNvPr id="16" name="TextBox 15">
-            <a:extLst>
-              <a:ext uri="{FF2B5EF4-FFF2-40B4-BE49-F238E27FC236}">
-                <a16:creationId xmlns:a16="http://schemas.microsoft.com/office/drawing/2014/main" id="{33CB1244-4E30-4E12-B1DD-7D91B674E6BE}"/>
-              </a:ext>
-            </a:extLst>
-          </p:cNvPr>
-          <p:cNvSpPr txBox="1"/>
-          <p:nvPr/>
-        </p:nvSpPr>
-        <p:spPr>
-          <a:xfrm>
-            <a:off x="2622810" y="5804410"/>
-            <a:ext cx="2475980" cy="971295"/>
-          </a:xfrm>
-          <a:prstGeom prst="rect">
-            <a:avLst/>
-          </a:prstGeom>
-          <a:solidFill>
-            <a:schemeClr val="bg1">
-              <a:lumMod val="95000"/>
-            </a:schemeClr>
-          </a:solidFill>
-          <a:ln w="3175">
-            <a:noFill/>
-          </a:ln>
-        </p:spPr>
-        <p:style>
-          <a:lnRef idx="2">
-            <a:schemeClr val="accent1">
-              <a:shade val="50000"/>
-            </a:schemeClr>
-          </a:lnRef>
-          <a:fillRef idx="1">
-            <a:schemeClr val="accent1"/>
-          </a:fillRef>
-          <a:effectRef idx="0">
-            <a:schemeClr val="accent1"/>
-          </a:effectRef>
-          <a:fontRef idx="minor">
-            <a:schemeClr val="lt1"/>
-          </a:fontRef>
-        </p:style>
-        <p:txBody>
-          <a:bodyPr rot="0" spcFirstLastPara="0" vertOverflow="overflow" horzOverflow="overflow" vert="horz" wrap="square" lIns="91440" tIns="45720" rIns="0" bIns="45720" numCol="1" spcCol="0" rtlCol="0" fromWordArt="0" anchor="t" anchorCtr="0" forceAA="0" compatLnSpc="1">
-            <a:prstTxWarp prst="textNoShape">
-              <a:avLst/>
-            </a:prstTxWarp>
-            <a:noAutofit/>
-          </a:bodyPr>
-          <a:lstStyle>
-            <a:defPPr>
-              <a:defRPr lang="en-US"/>
-            </a:defPPr>
-            <a:lvl1pPr>
-              <a:tabLst>
-                <a:tab pos="171450" algn="l"/>
-              </a:tabLst>
-              <a:defRPr sz="1000" b="1">
-                <a:solidFill>
-                  <a:schemeClr val="accent1"/>
-                </a:solidFill>
-                <a:latin typeface="Agency FB" panose="020B0503020202020204" pitchFamily="34" charset="0"/>
-              </a:defRPr>
-            </a:lvl1pPr>
-            <a:lvl2pPr>
-              <a:defRPr>
-                <a:solidFill>
-                  <a:schemeClr val="lt1"/>
-                </a:solidFill>
-              </a:defRPr>
-            </a:lvl2pPr>
-            <a:lvl3pPr>
-              <a:defRPr>
-                <a:solidFill>
-                  <a:schemeClr val="lt1"/>
-                </a:solidFill>
-              </a:defRPr>
-            </a:lvl3pPr>
-            <a:lvl4pPr>
-              <a:defRPr>
-                <a:solidFill>
-                  <a:schemeClr val="lt1"/>
-                </a:solidFill>
-              </a:defRPr>
-            </a:lvl4pPr>
-            <a:lvl5pPr>
-              <a:defRPr>
-                <a:solidFill>
-                  <a:schemeClr val="lt1"/>
-                </a:solidFill>
-              </a:defRPr>
-            </a:lvl5pPr>
-            <a:lvl6pPr>
-              <a:defRPr>
-                <a:solidFill>
-                  <a:schemeClr val="lt1"/>
-                </a:solidFill>
-              </a:defRPr>
-            </a:lvl6pPr>
-            <a:lvl7pPr>
-              <a:defRPr>
-                <a:solidFill>
-                  <a:schemeClr val="lt1"/>
-                </a:solidFill>
-              </a:defRPr>
-            </a:lvl7pPr>
-            <a:lvl8pPr>
-              <a:defRPr>
-                <a:solidFill>
-                  <a:schemeClr val="lt1"/>
-                </a:solidFill>
-              </a:defRPr>
-            </a:lvl8pPr>
-            <a:lvl9pPr>
-              <a:defRPr>
-                <a:solidFill>
-                  <a:schemeClr val="lt1"/>
-                </a:solidFill>
-              </a:defRPr>
-            </a:lvl9pPr>
-          </a:lstStyle>
-          <a:p>
-            <a:pPr>
-              <a:tabLst>
-                <a:tab pos="173038" algn="l"/>
-                <a:tab pos="2286000" algn="r"/>
-              </a:tabLst>
-            </a:pPr>
-            <a:endParaRPr lang="en-GB" sz="1200" b="0" dirty="0">
-              <a:solidFill>
-                <a:schemeClr val="tx1"/>
-              </a:solidFill>
-            </a:endParaRPr>
-          </a:p>
-        </p:txBody>
-      </p:sp>
-      <p:sp>
-        <p:nvSpPr>
-          <p:cNvPr id="18" name="TextBox 17">
-            <a:extLst>
-              <a:ext uri="{FF2B5EF4-FFF2-40B4-BE49-F238E27FC236}">
-                <a16:creationId xmlns:a16="http://schemas.microsoft.com/office/drawing/2014/main" id="{A9D21FED-B0F5-4B0D-B60B-4E2CF57F5552}"/>
-              </a:ext>
-            </a:extLst>
-          </p:cNvPr>
-          <p:cNvSpPr txBox="1"/>
-          <p:nvPr/>
-        </p:nvSpPr>
-        <p:spPr>
-          <a:xfrm>
-            <a:off x="5166299" y="6115306"/>
-            <a:ext cx="2760566" cy="666492"/>
-          </a:xfrm>
-          <a:prstGeom prst="rect">
-            <a:avLst/>
-          </a:prstGeom>
-          <a:solidFill>
-            <a:schemeClr val="bg1">
-              <a:lumMod val="95000"/>
-            </a:schemeClr>
-          </a:solidFill>
-          <a:ln w="3175">
-            <a:noFill/>
-          </a:ln>
-        </p:spPr>
-        <p:style>
-          <a:lnRef idx="2">
-            <a:schemeClr val="accent1">
-              <a:shade val="50000"/>
-            </a:schemeClr>
-          </a:lnRef>
-          <a:fillRef idx="1">
-            <a:schemeClr val="accent1"/>
-          </a:fillRef>
-          <a:effectRef idx="0">
-            <a:schemeClr val="accent1"/>
-          </a:effectRef>
-          <a:fontRef idx="minor">
-            <a:schemeClr val="lt1"/>
-          </a:fontRef>
-        </p:style>
-        <p:txBody>
-          <a:bodyPr rot="0" spcFirstLastPara="0" vertOverflow="overflow" horzOverflow="overflow" vert="horz" wrap="square" lIns="91440" tIns="45720" rIns="0" bIns="45720" numCol="1" spcCol="0" rtlCol="0" fromWordArt="0" anchor="t" anchorCtr="0" forceAA="0" compatLnSpc="1">
-            <a:prstTxWarp prst="textNoShape">
-              <a:avLst/>
-            </a:prstTxWarp>
-            <a:noAutofit/>
-          </a:bodyPr>
-          <a:lstStyle>
-            <a:defPPr>
-              <a:defRPr lang="en-US"/>
-            </a:defPPr>
-            <a:lvl1pPr>
-              <a:tabLst>
-                <a:tab pos="171450" algn="l"/>
-              </a:tabLst>
-              <a:defRPr sz="1000" b="1">
-                <a:solidFill>
-                  <a:schemeClr val="accent1"/>
-                </a:solidFill>
-                <a:latin typeface="Agency FB" panose="020B0503020202020204" pitchFamily="34" charset="0"/>
-              </a:defRPr>
-            </a:lvl1pPr>
-            <a:lvl2pPr>
-              <a:defRPr>
-                <a:solidFill>
-                  <a:schemeClr val="lt1"/>
-                </a:solidFill>
-              </a:defRPr>
-            </a:lvl2pPr>
-            <a:lvl3pPr>
-              <a:defRPr>
-                <a:solidFill>
-                  <a:schemeClr val="lt1"/>
-                </a:solidFill>
-              </a:defRPr>
-            </a:lvl3pPr>
-            <a:lvl4pPr>
-              <a:defRPr>
-                <a:solidFill>
-                  <a:schemeClr val="lt1"/>
-                </a:solidFill>
-              </a:defRPr>
-            </a:lvl4pPr>
-            <a:lvl5pPr>
-              <a:defRPr>
-                <a:solidFill>
-                  <a:schemeClr val="lt1"/>
-                </a:solidFill>
-              </a:defRPr>
-            </a:lvl5pPr>
-            <a:lvl6pPr>
-              <a:defRPr>
-                <a:solidFill>
-                  <a:schemeClr val="lt1"/>
-                </a:solidFill>
-              </a:defRPr>
-            </a:lvl6pPr>
-            <a:lvl7pPr>
-              <a:defRPr>
-                <a:solidFill>
-                  <a:schemeClr val="lt1"/>
-                </a:solidFill>
-              </a:defRPr>
-            </a:lvl7pPr>
-            <a:lvl8pPr>
-              <a:defRPr>
-                <a:solidFill>
-                  <a:schemeClr val="lt1"/>
-                </a:solidFill>
-              </a:defRPr>
-            </a:lvl8pPr>
-            <a:lvl9pPr>
-              <a:defRPr>
-                <a:solidFill>
-                  <a:schemeClr val="lt1"/>
-                </a:solidFill>
-              </a:defRPr>
-            </a:lvl9pPr>
-          </a:lstStyle>
-          <a:p>
-            <a:pPr>
-              <a:tabLst>
-                <a:tab pos="173038" algn="l"/>
-                <a:tab pos="2286000" algn="r"/>
-              </a:tabLst>
-            </a:pPr>
-            <a:endParaRPr lang="en-GB" sz="1200" b="0" dirty="0">
-              <a:solidFill>
-                <a:schemeClr val="tx1"/>
-              </a:solidFill>
-            </a:endParaRPr>
-          </a:p>
-        </p:txBody>
-      </p:sp>
-      <p:sp>
-        <p:nvSpPr>
           <p:cNvPr id="19" name="TextBox 18">
             <a:extLst>
               <a:ext uri="{FF2B5EF4-FFF2-40B4-BE49-F238E27FC236}">
@@ -16092,8 +16471,8 @@
         </p:nvSpPr>
         <p:spPr>
           <a:xfrm>
-            <a:off x="8001000" y="2838704"/>
-            <a:ext cx="1828794" cy="3943094"/>
+            <a:off x="8153396" y="3137410"/>
+            <a:ext cx="1676398" cy="2419094"/>
           </a:xfrm>
           <a:prstGeom prst="rect">
             <a:avLst/>
@@ -16524,104 +16903,75 @@
                   <a:schemeClr val="tx1"/>
                 </a:solidFill>
               </a:rPr>
+              <a:t>", "</a:t>
+            </a:r>
+            <a:r>
+              <a:rPr lang="en-US" sz="1200" b="0" dirty="0">
+                <a:solidFill>
+                  <a:schemeClr val="tx1">
+                    <a:lumMod val="50000"/>
+                    <a:lumOff val="50000"/>
+                  </a:schemeClr>
+                </a:solidFill>
+              </a:rPr>
+              <a:t>r</a:t>
+            </a:r>
+            <a:r>
+              <a:rPr lang="en-US" sz="1200" b="0" dirty="0">
+                <a:solidFill>
+                  <a:schemeClr val="tx1"/>
+                </a:solidFill>
+              </a:rPr>
+              <a:t>,</a:t>
+            </a:r>
+            <a:r>
+              <a:rPr lang="en-US" sz="1200" b="0" dirty="0">
+                <a:solidFill>
+                  <a:schemeClr val="tx1">
+                    <a:lumMod val="50000"/>
+                    <a:lumOff val="50000"/>
+                  </a:schemeClr>
+                </a:solidFill>
+              </a:rPr>
+              <a:t>g</a:t>
+            </a:r>
+            <a:r>
+              <a:rPr lang="en-US" sz="1200" b="0" dirty="0">
+                <a:solidFill>
+                  <a:schemeClr val="tx1"/>
+                </a:solidFill>
+              </a:rPr>
+              <a:t>,</a:t>
+            </a:r>
+            <a:r>
+              <a:rPr lang="en-US" sz="1200" b="0" dirty="0">
+                <a:solidFill>
+                  <a:schemeClr val="tx1">
+                    <a:lumMod val="50000"/>
+                    <a:lumOff val="50000"/>
+                  </a:schemeClr>
+                </a:solidFill>
+              </a:rPr>
+              <a:t>b</a:t>
+            </a:r>
+            <a:r>
+              <a:rPr lang="en-US" sz="1200" b="0" dirty="0">
+                <a:solidFill>
+                  <a:schemeClr val="tx1"/>
+                </a:solidFill>
+              </a:rPr>
               <a:t>"</a:t>
             </a:r>
-            <a:br>
-              <a:rPr lang="en-US" sz="1200" b="0" dirty="0">
-                <a:solidFill>
-                  <a:schemeClr val="tx1">
-                    <a:lumMod val="50000"/>
-                    <a:lumOff val="50000"/>
-                  </a:schemeClr>
-                </a:solidFill>
-              </a:rPr>
-            </a:br>
-            <a:r>
-              <a:rPr lang="en-US" sz="1200" b="0" dirty="0">
-                <a:solidFill>
-                  <a:schemeClr val="tx1"/>
-                </a:solidFill>
-              </a:rPr>
-              <a:t>= "</a:t>
-            </a:r>
-            <a:r>
-              <a:rPr lang="en-US" sz="1200" b="0" dirty="0" err="1">
-                <a:solidFill>
-                  <a:schemeClr val="tx1">
-                    <a:lumMod val="50000"/>
-                    <a:lumOff val="50000"/>
-                  </a:schemeClr>
-                </a:solidFill>
-              </a:rPr>
-              <a:t>r</a:t>
-            </a:r>
-            <a:r>
-              <a:rPr lang="en-US" sz="1200" b="0" dirty="0" err="1">
-                <a:solidFill>
-                  <a:schemeClr val="tx1"/>
-                </a:solidFill>
-              </a:rPr>
-              <a:t>,</a:t>
-            </a:r>
-            <a:r>
-              <a:rPr lang="en-US" sz="1200" b="0" dirty="0" err="1">
-                <a:solidFill>
-                  <a:schemeClr val="tx1">
-                    <a:lumMod val="50000"/>
-                    <a:lumOff val="50000"/>
-                  </a:schemeClr>
-                </a:solidFill>
-              </a:rPr>
-              <a:t>g</a:t>
-            </a:r>
-            <a:r>
-              <a:rPr lang="en-US" sz="1200" b="0" dirty="0" err="1">
-                <a:solidFill>
-                  <a:schemeClr val="tx1"/>
-                </a:solidFill>
-              </a:rPr>
-              <a:t>,</a:t>
-            </a:r>
-            <a:r>
-              <a:rPr lang="en-US" sz="1200" b="0" dirty="0" err="1">
-                <a:solidFill>
-                  <a:schemeClr val="tx1">
-                    <a:lumMod val="50000"/>
-                    <a:lumOff val="50000"/>
-                  </a:schemeClr>
-                </a:solidFill>
-              </a:rPr>
-              <a:t>b</a:t>
-            </a:r>
-            <a:r>
-              <a:rPr lang="en-US" sz="1200" b="0" dirty="0">
-                <a:solidFill>
-                  <a:schemeClr val="tx1"/>
-                </a:solidFill>
-              </a:rPr>
-              <a:t>"</a:t>
-            </a:r>
-            <a:r>
-              <a:rPr lang="en-US" sz="1200" b="0" dirty="0">
-                <a:solidFill>
-                  <a:schemeClr val="tx1">
-                    <a:lumMod val="50000"/>
-                    <a:lumOff val="50000"/>
-                  </a:schemeClr>
-                </a:solidFill>
-              </a:rPr>
-              <a:t> 	</a:t>
-            </a:r>
-            <a:r>
-              <a:rPr lang="en-US" sz="1050" b="0" dirty="0">
-                <a:solidFill>
-                  <a:schemeClr val="tx1">
-                    <a:lumMod val="50000"/>
-                    <a:lumOff val="50000"/>
-                  </a:schemeClr>
-                </a:solidFill>
-              </a:rPr>
-              <a:t>0…1</a:t>
+            <a:r>
+              <a:rPr lang="en-US" sz="1050" b="0" baseline="30000" dirty="0">
+                <a:solidFill>
+                  <a:schemeClr val="tx1">
+                    <a:lumMod val="50000"/>
+                    <a:lumOff val="50000"/>
+                  </a:schemeClr>
+                </a:solidFill>
+              </a:rPr>
+              <a:t>1</a:t>
             </a:r>
             <a:br>
               <a:rPr lang="en-US" sz="1050" b="0" dirty="0">
@@ -16723,37 +17073,156 @@
               <a:t>)"</a:t>
             </a:r>
             <a:r>
-              <a:rPr lang="en-US" sz="1200" b="0" dirty="0">
-                <a:solidFill>
-                  <a:schemeClr val="tx1">
-                    <a:lumMod val="50000"/>
-                    <a:lumOff val="50000"/>
-                  </a:schemeClr>
-                </a:solidFill>
-              </a:rPr>
-              <a:t>	</a:t>
-            </a:r>
-            <a:r>
-              <a:rPr lang="en-US" sz="1050" b="0" dirty="0">
-                <a:solidFill>
-                  <a:schemeClr val="tx1">
-                    <a:lumMod val="50000"/>
-                    <a:lumOff val="50000"/>
-                  </a:schemeClr>
-                </a:solidFill>
-              </a:rPr>
-              <a:t>0…255</a:t>
-            </a:r>
-            <a:br>
-              <a:rPr lang="en-US" sz="1050" b="0" dirty="0">
-                <a:solidFill>
-                  <a:schemeClr val="tx1">
-                    <a:lumMod val="50000"/>
-                    <a:lumOff val="50000"/>
-                  </a:schemeClr>
-                </a:solidFill>
-              </a:rPr>
-            </a:br>
+              <a:rPr lang="en-US" sz="1050" b="0" baseline="30000" dirty="0">
+                <a:solidFill>
+                  <a:schemeClr val="tx1">
+                    <a:lumMod val="50000"/>
+                    <a:lumOff val="50000"/>
+                  </a:schemeClr>
+                </a:solidFill>
+              </a:rPr>
+              <a:t>255</a:t>
+            </a:r>
+            <a:r>
+              <a:rPr lang="en-US" sz="1200" b="0" dirty="0">
+                <a:solidFill>
+                  <a:schemeClr val="tx1"/>
+                </a:solidFill>
+              </a:rPr>
+              <a:t> / "</a:t>
+            </a:r>
+            <a:r>
+              <a:rPr lang="en-US" sz="1200" dirty="0" err="1">
+                <a:solidFill>
+                  <a:schemeClr val="tx1"/>
+                </a:solidFill>
+              </a:rPr>
+              <a:t>hsl</a:t>
+            </a:r>
+            <a:r>
+              <a:rPr lang="en-US" sz="1200" b="0" dirty="0">
+                <a:solidFill>
+                  <a:schemeClr val="tx1">
+                    <a:lumMod val="50000"/>
+                    <a:lumOff val="50000"/>
+                  </a:schemeClr>
+                </a:solidFill>
+              </a:rPr>
+              <a:t> </a:t>
+            </a:r>
+            <a:r>
+              <a:rPr lang="en-US" sz="1200" b="0" dirty="0">
+                <a:solidFill>
+                  <a:schemeClr val="tx1"/>
+                </a:solidFill>
+              </a:rPr>
+              <a:t>(</a:t>
+            </a:r>
+            <a:r>
+              <a:rPr lang="en-US" sz="1200" b="0" dirty="0">
+                <a:solidFill>
+                  <a:schemeClr val="tx1">
+                    <a:lumMod val="50000"/>
+                    <a:lumOff val="50000"/>
+                  </a:schemeClr>
+                </a:solidFill>
+              </a:rPr>
+              <a:t>h</a:t>
+            </a:r>
+            <a:r>
+              <a:rPr lang="en-US" sz="1200" b="0" baseline="30000" dirty="0">
+                <a:solidFill>
+                  <a:schemeClr val="tx1">
+                    <a:lumMod val="50000"/>
+                    <a:lumOff val="50000"/>
+                  </a:schemeClr>
+                </a:solidFill>
+              </a:rPr>
+              <a:t>360</a:t>
+            </a:r>
+            <a:r>
+              <a:rPr lang="en-US" sz="1200" b="0" dirty="0">
+                <a:solidFill>
+                  <a:schemeClr val="tx1"/>
+                </a:solidFill>
+              </a:rPr>
+              <a:t>,</a:t>
+            </a:r>
+            <a:r>
+              <a:rPr lang="en-US" sz="1200" b="0" dirty="0">
+                <a:solidFill>
+                  <a:schemeClr val="tx1">
+                    <a:lumMod val="50000"/>
+                    <a:lumOff val="50000"/>
+                  </a:schemeClr>
+                </a:solidFill>
+              </a:rPr>
+              <a:t>s</a:t>
+            </a:r>
+            <a:r>
+              <a:rPr lang="en-US" sz="1200" b="0" baseline="30000" dirty="0">
+                <a:solidFill>
+                  <a:schemeClr val="tx1">
+                    <a:lumMod val="50000"/>
+                    <a:lumOff val="50000"/>
+                  </a:schemeClr>
+                </a:solidFill>
+              </a:rPr>
+              <a:t>100</a:t>
+            </a:r>
+            <a:r>
+              <a:rPr lang="en-US" sz="1200" b="0" dirty="0">
+                <a:solidFill>
+                  <a:schemeClr val="tx1"/>
+                </a:solidFill>
+              </a:rPr>
+              <a:t>,</a:t>
+            </a:r>
+            <a:r>
+              <a:rPr lang="en-US" sz="1200" b="0" dirty="0">
+                <a:solidFill>
+                  <a:schemeClr val="tx1">
+                    <a:lumMod val="50000"/>
+                    <a:lumOff val="50000"/>
+                  </a:schemeClr>
+                </a:solidFill>
+              </a:rPr>
+              <a:t>l</a:t>
+            </a:r>
+            <a:r>
+              <a:rPr lang="en-US" sz="1200" b="0" baseline="30000" dirty="0">
+                <a:solidFill>
+                  <a:schemeClr val="tx1">
+                    <a:lumMod val="50000"/>
+                    <a:lumOff val="50000"/>
+                  </a:schemeClr>
+                </a:solidFill>
+              </a:rPr>
+              <a:t>100</a:t>
+            </a:r>
+            <a:r>
+              <a:rPr lang="en-US" sz="1200" b="0" dirty="0">
+                <a:solidFill>
+                  <a:schemeClr val="tx1"/>
+                </a:solidFill>
+              </a:rPr>
+              <a:t>)"</a:t>
+            </a:r>
+          </a:p>
+          <a:p>
+            <a:pPr marL="285750" lvl="0" indent="-285750">
+              <a:tabLst>
+                <a:tab pos="2117725" algn="r"/>
+              </a:tabLst>
+            </a:pPr>
+            <a:r>
+              <a:rPr lang="en-US" sz="1200" dirty="0">
+                <a:solidFill>
+                  <a:schemeClr val="tx1"/>
+                </a:solidFill>
+              </a:rPr>
+              <a:t>count </a:t>
+            </a:r>
             <a:r>
               <a:rPr lang="en-US" sz="1200" b="0" dirty="0">
                 <a:solidFill>
@@ -16763,12 +17232,95 @@
               <a:t>= "</a:t>
             </a:r>
             <a:r>
-              <a:rPr lang="en-US" sz="1200" dirty="0" err="1">
-                <a:solidFill>
-                  <a:schemeClr val="tx1"/>
-                </a:solidFill>
-              </a:rPr>
-              <a:t>hsl</a:t>
+              <a:rPr lang="en-US" sz="1200" b="0" dirty="0">
+                <a:solidFill>
+                  <a:schemeClr val="tx1">
+                    <a:lumMod val="50000"/>
+                    <a:lumOff val="50000"/>
+                  </a:schemeClr>
+                </a:solidFill>
+              </a:rPr>
+              <a:t>count</a:t>
+            </a:r>
+            <a:r>
+              <a:rPr lang="en-US" sz="1200" b="0" dirty="0">
+                <a:solidFill>
+                  <a:schemeClr val="tx1"/>
+                </a:solidFill>
+              </a:rPr>
+              <a:t>"</a:t>
+            </a:r>
+            <a:r>
+              <a:rPr lang="en-US" sz="1200" b="0" dirty="0">
+                <a:solidFill>
+                  <a:schemeClr val="tx1">
+                    <a:lumMod val="50000"/>
+                    <a:lumOff val="50000"/>
+                  </a:schemeClr>
+                </a:solidFill>
+              </a:rPr>
+              <a:t> / </a:t>
+            </a:r>
+            <a:r>
+              <a:rPr lang="en-US" sz="1200" b="0" dirty="0">
+                <a:solidFill>
+                  <a:schemeClr val="tx1"/>
+                </a:solidFill>
+              </a:rPr>
+              <a:t>"</a:t>
+            </a:r>
+            <a:r>
+              <a:rPr lang="en-US" sz="1200" b="0" dirty="0">
+                <a:solidFill>
+                  <a:schemeClr val="tx1">
+                    <a:lumMod val="50000"/>
+                    <a:lumOff val="50000"/>
+                  </a:schemeClr>
+                </a:solidFill>
+              </a:rPr>
+              <a:t>count</a:t>
+            </a:r>
+            <a:r>
+              <a:rPr lang="en-US" sz="1200" b="0" dirty="0">
+                <a:solidFill>
+                  <a:schemeClr val="tx1"/>
+                </a:solidFill>
+              </a:rPr>
+              <a:t>, </a:t>
+            </a:r>
+            <a:r>
+              <a:rPr lang="en-US" sz="1200" b="0" dirty="0">
+                <a:solidFill>
+                  <a:schemeClr val="tx1">
+                    <a:lumMod val="50000"/>
+                    <a:lumOff val="50000"/>
+                  </a:schemeClr>
+                </a:solidFill>
+              </a:rPr>
+              <a:t>count</a:t>
+            </a:r>
+            <a:r>
+              <a:rPr lang="en-US" sz="1200" b="0" dirty="0">
+                <a:solidFill>
+                  <a:schemeClr val="tx1"/>
+                </a:solidFill>
+              </a:rPr>
+              <a:t>"</a:t>
+            </a:r>
+          </a:p>
+          <a:p>
+            <a:pPr lvl="0">
+              <a:tabLst>
+                <a:tab pos="2117725" algn="r"/>
+              </a:tabLst>
+            </a:pPr>
+            <a:r>
+              <a:rPr lang="en-US" sz="1200" dirty="0">
+                <a:solidFill>
+                  <a:schemeClr val="tx1"/>
+                </a:solidFill>
+              </a:rPr>
+              <a:t>id</a:t>
             </a:r>
             <a:r>
               <a:rPr lang="en-US" sz="1200" b="0" dirty="0">
@@ -16787,86 +17339,37 @@
                   <a:schemeClr val="tx1"/>
                 </a:solidFill>
               </a:rPr>
-              <a:t>(</a:t>
-            </a:r>
-            <a:r>
-              <a:rPr lang="en-US" sz="1200" b="0" dirty="0" err="1">
-                <a:solidFill>
-                  <a:schemeClr val="tx1">
-                    <a:lumMod val="50000"/>
-                    <a:lumOff val="50000"/>
-                  </a:schemeClr>
-                </a:solidFill>
-              </a:rPr>
-              <a:t>h</a:t>
-            </a:r>
-            <a:r>
-              <a:rPr lang="en-US" sz="1200" b="0" dirty="0" err="1">
-                <a:solidFill>
-                  <a:schemeClr val="tx1"/>
-                </a:solidFill>
-              </a:rPr>
-              <a:t>,</a:t>
-            </a:r>
-            <a:r>
-              <a:rPr lang="en-US" sz="1200" b="0" dirty="0" err="1">
-                <a:solidFill>
-                  <a:schemeClr val="tx1">
-                    <a:lumMod val="50000"/>
-                    <a:lumOff val="50000"/>
-                  </a:schemeClr>
-                </a:solidFill>
-              </a:rPr>
-              <a:t>s</a:t>
-            </a:r>
-            <a:r>
-              <a:rPr lang="en-US" sz="1200" b="0" dirty="0" err="1">
-                <a:solidFill>
-                  <a:schemeClr val="tx1"/>
-                </a:solidFill>
-              </a:rPr>
-              <a:t>,</a:t>
-            </a:r>
-            <a:r>
-              <a:rPr lang="en-US" sz="1200" b="0" dirty="0" err="1">
-                <a:solidFill>
-                  <a:schemeClr val="tx1">
-                    <a:lumMod val="50000"/>
-                    <a:lumOff val="50000"/>
-                  </a:schemeClr>
-                </a:solidFill>
-              </a:rPr>
-              <a:t>l</a:t>
-            </a:r>
-            <a:r>
-              <a:rPr lang="en-US" sz="1200" b="0" dirty="0">
-                <a:solidFill>
-                  <a:schemeClr val="tx1"/>
-                </a:solidFill>
-              </a:rPr>
-              <a:t>)"</a:t>
-            </a:r>
-            <a:r>
-              <a:rPr lang="en-US" sz="1200" b="0" dirty="0">
-                <a:solidFill>
-                  <a:schemeClr val="tx1">
-                    <a:lumMod val="50000"/>
-                    <a:lumOff val="50000"/>
-                  </a:schemeClr>
-                </a:solidFill>
-              </a:rPr>
-              <a:t>	</a:t>
-            </a:r>
-            <a:r>
-              <a:rPr lang="en-US" b="0" dirty="0">
-                <a:solidFill>
-                  <a:schemeClr val="tx1">
-                    <a:lumMod val="50000"/>
-                    <a:lumOff val="50000"/>
-                  </a:schemeClr>
-                </a:solidFill>
-              </a:rPr>
-              <a:t>h=0…360, 0…100</a:t>
+              <a:t>= "</a:t>
+            </a:r>
+            <a:r>
+              <a:rPr lang="en-US" sz="1200" b="0" dirty="0">
+                <a:solidFill>
+                  <a:schemeClr val="tx1">
+                    <a:lumMod val="50000"/>
+                    <a:lumOff val="50000"/>
+                  </a:schemeClr>
+                </a:solidFill>
+              </a:rPr>
+              <a:t>string</a:t>
+            </a:r>
+            <a:r>
+              <a:rPr lang="en-US" sz="1200" b="0" dirty="0">
+                <a:solidFill>
+                  <a:schemeClr val="tx1"/>
+                </a:solidFill>
+              </a:rPr>
+              <a:t>"</a:t>
+            </a:r>
+            <a:r>
+              <a:rPr lang="fr-FR" sz="1200" b="0" dirty="0">
+                <a:solidFill>
+                  <a:schemeClr val="tx1">
+                    <a:lumMod val="50000"/>
+                    <a:lumOff val="50000"/>
+                  </a:schemeClr>
+                </a:solidFill>
+              </a:rPr>
+              <a:t> </a:t>
             </a:r>
           </a:p>
           <a:p>
@@ -16881,26 +17384,45 @@
                   <a:schemeClr val="tx1"/>
                 </a:solidFill>
               </a:rPr>
-              <a:t>count </a:t>
-            </a:r>
-            <a:r>
-              <a:rPr lang="en-US" sz="1200" b="0" dirty="0">
-                <a:solidFill>
-                  <a:schemeClr val="tx1"/>
-                </a:solidFill>
-              </a:rPr>
-              <a:t>= "</a:t>
-            </a:r>
-            <a:r>
-              <a:rPr lang="en-US" sz="1200" b="0" dirty="0">
-                <a:solidFill>
-                  <a:schemeClr val="tx1">
-                    <a:lumMod val="50000"/>
-                    <a:lumOff val="50000"/>
-                  </a:schemeClr>
-                </a:solidFill>
-              </a:rPr>
-              <a:t>count</a:t>
+              <a:t>image</a:t>
+            </a:r>
+            <a:r>
+              <a:rPr lang="en-US" sz="1200" b="0" dirty="0">
+                <a:solidFill>
+                  <a:schemeClr val="tx1"/>
+                </a:solidFill>
+              </a:rPr>
+              <a:t> = "</a:t>
+            </a:r>
+            <a:r>
+              <a:rPr lang="en-US" sz="1200" b="0" dirty="0">
+                <a:solidFill>
+                  <a:schemeClr val="tx1">
+                    <a:lumMod val="50000"/>
+                    <a:lumOff val="50000"/>
+                  </a:schemeClr>
+                </a:solidFill>
+              </a:rPr>
+              <a:t>drawing</a:t>
+            </a:r>
+            <a:r>
+              <a:rPr lang="en-US" sz="1200" b="0" dirty="0">
+                <a:solidFill>
+                  <a:schemeClr val="tx1"/>
+                </a:solidFill>
+              </a:rPr>
+              <a:t>" / "</a:t>
+            </a:r>
+            <a:r>
+              <a:rPr lang="en-US" sz="1200" b="0" dirty="0">
+                <a:solidFill>
+                  <a:schemeClr val="tx1">
+                    <a:lumMod val="50000"/>
+                    <a:lumOff val="50000"/>
+                  </a:schemeClr>
+                </a:solidFill>
+              </a:rPr>
+              <a:t>filename</a:t>
             </a:r>
             <a:r>
               <a:rPr lang="en-US" sz="1200" b="0" dirty="0">
@@ -16909,188 +17431,6 @@
                 </a:solidFill>
               </a:rPr>
               <a:t>"</a:t>
-            </a:r>
-            <a:r>
-              <a:rPr lang="en-US" sz="1200" b="0" dirty="0">
-                <a:solidFill>
-                  <a:schemeClr val="tx1">
-                    <a:lumMod val="50000"/>
-                    <a:lumOff val="50000"/>
-                  </a:schemeClr>
-                </a:solidFill>
-              </a:rPr>
-              <a:t> / </a:t>
-            </a:r>
-            <a:r>
-              <a:rPr lang="en-US" sz="1200" b="0" dirty="0">
-                <a:solidFill>
-                  <a:schemeClr val="tx1"/>
-                </a:solidFill>
-              </a:rPr>
-              <a:t>"</a:t>
-            </a:r>
-            <a:r>
-              <a:rPr lang="en-US" sz="1200" b="0" dirty="0">
-                <a:solidFill>
-                  <a:schemeClr val="tx1">
-                    <a:lumMod val="50000"/>
-                    <a:lumOff val="50000"/>
-                  </a:schemeClr>
-                </a:solidFill>
-              </a:rPr>
-              <a:t>count</a:t>
-            </a:r>
-            <a:r>
-              <a:rPr lang="en-US" sz="1200" b="0" dirty="0">
-                <a:solidFill>
-                  <a:schemeClr val="tx1"/>
-                </a:solidFill>
-              </a:rPr>
-              <a:t>, </a:t>
-            </a:r>
-            <a:r>
-              <a:rPr lang="en-US" sz="1200" b="0" dirty="0">
-                <a:solidFill>
-                  <a:schemeClr val="tx1">
-                    <a:lumMod val="50000"/>
-                    <a:lumOff val="50000"/>
-                  </a:schemeClr>
-                </a:solidFill>
-              </a:rPr>
-              <a:t>count</a:t>
-            </a:r>
-            <a:r>
-              <a:rPr lang="en-US" sz="1200" b="0" dirty="0">
-                <a:solidFill>
-                  <a:schemeClr val="tx1"/>
-                </a:solidFill>
-              </a:rPr>
-              <a:t>"</a:t>
-            </a:r>
-          </a:p>
-          <a:p>
-            <a:pPr lvl="0">
-              <a:tabLst>
-                <a:tab pos="2117725" algn="r"/>
-              </a:tabLst>
-            </a:pPr>
-            <a:r>
-              <a:rPr lang="en-US" sz="1200" dirty="0">
-                <a:solidFill>
-                  <a:schemeClr val="tx1"/>
-                </a:solidFill>
-              </a:rPr>
-              <a:t>id</a:t>
-            </a:r>
-            <a:r>
-              <a:rPr lang="en-US" sz="1200" b="0" dirty="0">
-                <a:solidFill>
-                  <a:schemeClr val="tx1">
-                    <a:lumMod val="50000"/>
-                    <a:lumOff val="50000"/>
-                  </a:schemeClr>
-                </a:solidFill>
-              </a:rPr>
-              <a:t> </a:t>
-            </a:r>
-            <a:r>
-              <a:rPr lang="en-US" sz="1200" b="0" dirty="0">
-                <a:solidFill>
-                  <a:schemeClr val="tx1"/>
-                </a:solidFill>
-              </a:rPr>
-              <a:t>= "</a:t>
-            </a:r>
-            <a:r>
-              <a:rPr lang="en-US" sz="1200" b="0" dirty="0">
-                <a:solidFill>
-                  <a:schemeClr val="tx1">
-                    <a:lumMod val="50000"/>
-                    <a:lumOff val="50000"/>
-                  </a:schemeClr>
-                </a:solidFill>
-              </a:rPr>
-              <a:t>string</a:t>
-            </a:r>
-            <a:r>
-              <a:rPr lang="en-US" sz="1200" b="0" dirty="0">
-                <a:solidFill>
-                  <a:schemeClr val="tx1"/>
-                </a:solidFill>
-              </a:rPr>
-              <a:t>"</a:t>
-            </a:r>
-            <a:r>
-              <a:rPr lang="fr-FR" sz="1200" b="0" dirty="0">
-                <a:solidFill>
-                  <a:schemeClr val="tx1">
-                    <a:lumMod val="50000"/>
-                    <a:lumOff val="50000"/>
-                  </a:schemeClr>
-                </a:solidFill>
-              </a:rPr>
-              <a:t> </a:t>
-            </a:r>
-          </a:p>
-          <a:p>
-            <a:pPr>
-              <a:tabLst>
-                <a:tab pos="2117725" algn="r"/>
-              </a:tabLst>
-            </a:pPr>
-            <a:r>
-              <a:rPr lang="en-US" sz="1200" dirty="0">
-                <a:solidFill>
-                  <a:schemeClr val="tx1"/>
-                </a:solidFill>
-              </a:rPr>
-              <a:t>image</a:t>
-            </a:r>
-            <a:r>
-              <a:rPr lang="en-US" sz="1200" b="0" dirty="0">
-                <a:solidFill>
-                  <a:schemeClr val="tx1"/>
-                </a:solidFill>
-              </a:rPr>
-              <a:t> = "</a:t>
-            </a:r>
-            <a:r>
-              <a:rPr lang="en-US" sz="1200" b="0" dirty="0">
-                <a:solidFill>
-                  <a:schemeClr val="tx1">
-                    <a:lumMod val="50000"/>
-                    <a:lumOff val="50000"/>
-                  </a:schemeClr>
-                </a:solidFill>
-              </a:rPr>
-              <a:t>drawing</a:t>
-            </a:r>
-            <a:r>
-              <a:rPr lang="en-US" sz="1200" b="0" dirty="0">
-                <a:solidFill>
-                  <a:schemeClr val="tx1"/>
-                </a:solidFill>
-              </a:rPr>
-              <a:t>" / "</a:t>
-            </a:r>
-            <a:r>
-              <a:rPr lang="en-US" sz="1200" b="0" dirty="0">
-                <a:solidFill>
-                  <a:schemeClr val="tx1">
-                    <a:lumMod val="50000"/>
-                    <a:lumOff val="50000"/>
-                  </a:schemeClr>
-                </a:solidFill>
-              </a:rPr>
-              <a:t>filename</a:t>
-            </a:r>
-            <a:r>
-              <a:rPr lang="en-US" sz="1200" b="0" dirty="0">
-                <a:solidFill>
-                  <a:schemeClr val="tx1"/>
-                </a:solidFill>
-              </a:rPr>
-              <a:t>.jpg"</a:t>
             </a:r>
           </a:p>
           <a:p>
@@ -17484,8 +17824,8 @@
         </p:nvSpPr>
         <p:spPr>
           <a:xfrm>
-            <a:off x="76204" y="5962905"/>
-            <a:ext cx="2438396" cy="812799"/>
+            <a:off x="76203" y="5658105"/>
+            <a:ext cx="9753589" cy="1117599"/>
           </a:xfrm>
           <a:prstGeom prst="rect">
             <a:avLst/>
@@ -17624,7 +17964,7 @@
         <p:spPr>
           <a:xfrm>
             <a:off x="2621153" y="3137410"/>
-            <a:ext cx="2475980" cy="2577590"/>
+            <a:ext cx="2475980" cy="2419094"/>
           </a:xfrm>
           <a:prstGeom prst="rect">
             <a:avLst/>
@@ -17747,149 +18087,6 @@
             </a:r>
           </a:p>
           <a:p>
-            <a:pPr>
-              <a:tabLst>
-                <a:tab pos="2117725" algn="r"/>
-              </a:tabLst>
-            </a:pPr>
-            <a:r>
-              <a:rPr lang="en-US" sz="1200" dirty="0">
-                <a:solidFill>
-                  <a:schemeClr val="tx1"/>
-                </a:solidFill>
-              </a:rPr>
-              <a:t>approximating </a:t>
-            </a:r>
-            <a:r>
-              <a:rPr lang="en-US" sz="1200" b="0" dirty="0">
-                <a:solidFill>
-                  <a:schemeClr val="tx1">
-                    <a:lumMod val="50000"/>
-                    <a:lumOff val="50000"/>
-                  </a:schemeClr>
-                </a:solidFill>
-              </a:rPr>
-              <a:t>= </a:t>
-            </a:r>
-            <a:r>
-              <a:rPr lang="en-US" sz="1200" b="0" dirty="0">
-                <a:solidFill>
-                  <a:schemeClr val="tx1"/>
-                </a:solidFill>
-              </a:rPr>
-              <a:t>"</a:t>
-            </a:r>
-            <a:r>
-              <a:rPr lang="en-US" sz="1200" b="0" dirty="0">
-                <a:solidFill>
-                  <a:schemeClr val="tx1">
-                    <a:lumMod val="50000"/>
-                    <a:lumOff val="50000"/>
-                  </a:schemeClr>
-                </a:solidFill>
-              </a:rPr>
-              <a:t>bool</a:t>
-            </a:r>
-            <a:r>
-              <a:rPr lang="en-US" sz="1200" b="0" dirty="0">
-                <a:solidFill>
-                  <a:schemeClr val="tx1"/>
-                </a:solidFill>
-              </a:rPr>
-              <a:t>"</a:t>
-            </a:r>
-            <a:r>
-              <a:rPr lang="en-US" sz="1200" b="0" baseline="30000" dirty="0">
-                <a:solidFill>
-                  <a:schemeClr val="tx1">
-                    <a:lumMod val="50000"/>
-                    <a:lumOff val="50000"/>
-                  </a:schemeClr>
-                </a:solidFill>
-              </a:rPr>
-              <a:t>1</a:t>
-            </a:r>
-            <a:r>
-              <a:rPr lang="en-US" sz="1200" b="0" dirty="0">
-                <a:solidFill>
-                  <a:schemeClr val="tx1">
-                    <a:lumMod val="50000"/>
-                    <a:lumOff val="50000"/>
-                  </a:schemeClr>
-                </a:solidFill>
-              </a:rPr>
-              <a:t> / </a:t>
-            </a:r>
-            <a:r>
-              <a:rPr lang="en-US" sz="1200" b="0" dirty="0">
-                <a:solidFill>
-                  <a:schemeClr val="tx1"/>
-                </a:solidFill>
-              </a:rPr>
-              <a:t>"</a:t>
-            </a:r>
-            <a:r>
-              <a:rPr lang="en-US" sz="1200" b="0" dirty="0">
-                <a:solidFill>
-                  <a:schemeClr val="tx1">
-                    <a:lumMod val="50000"/>
-                    <a:lumOff val="50000"/>
-                  </a:schemeClr>
-                </a:solidFill>
-              </a:rPr>
-              <a:t>bool</a:t>
-            </a:r>
-            <a:r>
-              <a:rPr lang="en-US" sz="1200" b="0" dirty="0">
-                <a:solidFill>
-                  <a:schemeClr val="tx1"/>
-                </a:solidFill>
-              </a:rPr>
-              <a:t>,</a:t>
-            </a:r>
-            <a:r>
-              <a:rPr lang="en-US" sz="1200" dirty="0">
-                <a:solidFill>
-                  <a:schemeClr val="tx1">
-                    <a:lumMod val="50000"/>
-                    <a:lumOff val="50000"/>
-                  </a:schemeClr>
-                </a:solidFill>
-              </a:rPr>
-              <a:t> </a:t>
-            </a:r>
-            <a:r>
-              <a:rPr lang="en-US" sz="1200" b="0" dirty="0">
-                <a:solidFill>
-                  <a:schemeClr val="tx1">
-                    <a:lumMod val="50000"/>
-                    <a:lumOff val="50000"/>
-                  </a:schemeClr>
-                </a:solidFill>
-              </a:rPr>
-              <a:t>bool</a:t>
-            </a:r>
-            <a:r>
-              <a:rPr lang="en-US" sz="1200" b="0" dirty="0">
-                <a:solidFill>
-                  <a:schemeClr val="tx1"/>
-                </a:solidFill>
-              </a:rPr>
-              <a:t>"</a:t>
-            </a:r>
-            <a:r>
-              <a:rPr lang="en-US" sz="1200" b="0" baseline="30000" dirty="0">
-                <a:solidFill>
-                  <a:schemeClr val="tx1">
-                    <a:lumMod val="50000"/>
-                    <a:lumOff val="50000"/>
-                  </a:schemeClr>
-                </a:solidFill>
-              </a:rPr>
-              <a:t>2</a:t>
-            </a:r>
-          </a:p>
-          <a:p>
             <a:pPr marL="285750" indent="-285750">
               <a:tabLst>
                 <a:tab pos="2117725" algn="r"/>
@@ -18726,23 +18923,42 @@
               </a:tabLst>
             </a:pPr>
             <a:r>
-              <a:rPr lang="en-US" sz="1200" dirty="0">
-                <a:solidFill>
-                  <a:schemeClr val="tx1"/>
-                </a:solidFill>
-              </a:rPr>
-              <a:t>open </a:t>
-            </a:r>
-            <a:r>
-              <a:rPr lang="en-US" sz="1200" b="0" dirty="0">
-                <a:solidFill>
-                  <a:schemeClr val="tx1">
-                    <a:lumMod val="50000"/>
-                    <a:lumOff val="50000"/>
-                  </a:schemeClr>
-                </a:solidFill>
-              </a:rPr>
-              <a:t>= </a:t>
+              <a:rPr lang="en-US" sz="1200" dirty="0" err="1">
+                <a:solidFill>
+                  <a:schemeClr val="tx1"/>
+                </a:solidFill>
+              </a:rPr>
+              <a:t>src</a:t>
+            </a:r>
+            <a:r>
+              <a:rPr lang="en-US" sz="1200" b="0" dirty="0">
+                <a:solidFill>
+                  <a:schemeClr val="tx1">
+                    <a:lumMod val="50000"/>
+                    <a:lumOff val="50000"/>
+                  </a:schemeClr>
+                </a:solidFill>
+              </a:rPr>
+              <a:t> </a:t>
+            </a:r>
+            <a:r>
+              <a:rPr lang="en-US" sz="1200" b="0" dirty="0">
+                <a:solidFill>
+                  <a:schemeClr val="tx1"/>
+                </a:solidFill>
+              </a:rPr>
+              <a:t>=</a:t>
+            </a:r>
+            <a:r>
+              <a:rPr lang="en-US" sz="1200" b="0" dirty="0">
+                <a:solidFill>
+                  <a:schemeClr val="tx1">
+                    <a:lumMod val="50000"/>
+                    <a:lumOff val="50000"/>
+                  </a:schemeClr>
+                </a:solidFill>
+              </a:rPr>
+              <a:t> </a:t>
             </a:r>
             <a:r>
               <a:rPr lang="en-US" sz="1200" b="0" dirty="0">
@@ -18761,7 +18977,7 @@
                   </a:schemeClr>
                 </a:solidFill>
               </a:rPr>
-              <a:t>bool</a:t>
+              <a:t>id</a:t>
             </a:r>
             <a:r>
               <a:rPr lang="en-US" sz="1200" b="0" dirty="0">
@@ -18810,23 +19026,187 @@
                   </a:schemeClr>
                 </a:solidFill>
               </a:rPr>
-              <a:t>bool</a:t>
-            </a:r>
-            <a:r>
-              <a:rPr lang="en-US" sz="1200" b="0" dirty="0">
-                <a:solidFill>
-                  <a:schemeClr val="tx1"/>
-                </a:solidFill>
-              </a:rPr>
-              <a:t>,</a:t>
-            </a:r>
-            <a:r>
-              <a:rPr lang="en-US" sz="1200" dirty="0">
-                <a:solidFill>
-                  <a:schemeClr val="tx1">
-                    <a:lumMod val="50000"/>
-                    <a:lumOff val="50000"/>
-                  </a:schemeClr>
+              <a:t>point</a:t>
+            </a:r>
+            <a:r>
+              <a:rPr lang="en-US" sz="1200" b="0" dirty="0">
+                <a:solidFill>
+                  <a:schemeClr val="tx1"/>
+                </a:solidFill>
+              </a:rPr>
+              <a:t>;</a:t>
+            </a:r>
+            <a:r>
+              <a:rPr lang="en-US" sz="1200" b="0" dirty="0">
+                <a:solidFill>
+                  <a:schemeClr val="tx1">
+                    <a:lumMod val="50000"/>
+                    <a:lumOff val="50000"/>
+                  </a:schemeClr>
+                </a:solidFill>
+              </a:rPr>
+              <a:t> …</a:t>
+            </a:r>
+            <a:r>
+              <a:rPr lang="en-US" sz="1200" b="0" dirty="0">
+                <a:solidFill>
+                  <a:schemeClr val="tx1"/>
+                </a:solidFill>
+              </a:rPr>
+              <a:t>"</a:t>
+            </a:r>
+            <a:r>
+              <a:rPr lang="en-US" sz="1200" b="0" baseline="30000" dirty="0">
+                <a:solidFill>
+                  <a:schemeClr val="tx1">
+                    <a:lumMod val="50000"/>
+                    <a:lumOff val="50000"/>
+                  </a:schemeClr>
+                </a:solidFill>
+              </a:rPr>
+              <a:t>2</a:t>
+            </a:r>
+            <a:r>
+              <a:rPr lang="en-US" sz="1200" b="0" dirty="0">
+                <a:solidFill>
+                  <a:schemeClr val="tx1">
+                    <a:lumMod val="50000"/>
+                    <a:lumOff val="50000"/>
+                  </a:schemeClr>
+                </a:solidFill>
+              </a:rPr>
+              <a:t> / </a:t>
+            </a:r>
+            <a:r>
+              <a:rPr lang="en-US" sz="1200" b="0" dirty="0">
+                <a:solidFill>
+                  <a:schemeClr val="tx1"/>
+                </a:solidFill>
+              </a:rPr>
+              <a:t>"</a:t>
+            </a:r>
+            <a:r>
+              <a:rPr lang="en-US" sz="1200" b="0" dirty="0" err="1">
+                <a:solidFill>
+                  <a:schemeClr val="tx1">
+                    <a:lumMod val="50000"/>
+                    <a:lumOff val="50000"/>
+                  </a:schemeClr>
+                </a:solidFill>
+              </a:rPr>
+              <a:t>func</a:t>
+            </a:r>
+            <a:r>
+              <a:rPr lang="en-US" sz="1200" b="0" dirty="0">
+                <a:solidFill>
+                  <a:schemeClr val="tx1">
+                    <a:lumMod val="50000"/>
+                    <a:lumOff val="50000"/>
+                  </a:schemeClr>
+                </a:solidFill>
+              </a:rPr>
+              <a:t>(u)</a:t>
+            </a:r>
+            <a:r>
+              <a:rPr lang="en-US" sz="1200" b="0" dirty="0">
+                <a:solidFill>
+                  <a:schemeClr val="tx1"/>
+                </a:solidFill>
+              </a:rPr>
+              <a:t>"</a:t>
+            </a:r>
+            <a:r>
+              <a:rPr lang="en-US" sz="1200" b="0" baseline="30000" dirty="0">
+                <a:solidFill>
+                  <a:schemeClr val="tx1">
+                    <a:lumMod val="50000"/>
+                    <a:lumOff val="50000"/>
+                  </a:schemeClr>
+                </a:solidFill>
+              </a:rPr>
+              <a:t> 5</a:t>
+            </a:r>
+            <a:endParaRPr lang="en-US" sz="1200" b="0" dirty="0">
+              <a:solidFill>
+                <a:schemeClr val="tx1"/>
+              </a:solidFill>
+            </a:endParaRPr>
+          </a:p>
+          <a:p>
+            <a:pPr marL="173038">
+              <a:tabLst>
+                <a:tab pos="2117725" algn="r"/>
+              </a:tabLst>
+            </a:pPr>
+            <a:r>
+              <a:rPr lang="en-US" sz="1200" b="0" baseline="30000" dirty="0">
+                <a:solidFill>
+                  <a:schemeClr val="tx1"/>
+                </a:solidFill>
+              </a:rPr>
+              <a:t>  </a:t>
+            </a:r>
+            <a:r>
+              <a:rPr lang="en-US" sz="1200" b="0" dirty="0">
+                <a:solidFill>
+                  <a:schemeClr val="tx1"/>
+                </a:solidFill>
+              </a:rPr>
+              <a:t>= "</a:t>
+            </a:r>
+            <a:r>
+              <a:rPr lang="en-US" sz="1200" b="0" dirty="0">
+                <a:solidFill>
+                  <a:schemeClr val="tx1">
+                    <a:lumMod val="50000"/>
+                    <a:lumOff val="50000"/>
+                  </a:schemeClr>
+                </a:solidFill>
+              </a:rPr>
+              <a:t>point</a:t>
+            </a:r>
+            <a:r>
+              <a:rPr lang="en-US" sz="1200" b="0" dirty="0">
+                <a:solidFill>
+                  <a:schemeClr val="tx1"/>
+                </a:solidFill>
+              </a:rPr>
+              <a:t>;</a:t>
+            </a:r>
+            <a:r>
+              <a:rPr lang="en-US" sz="1200" b="0" dirty="0">
+                <a:solidFill>
+                  <a:schemeClr val="tx1">
+                    <a:lumMod val="50000"/>
+                    <a:lumOff val="50000"/>
+                  </a:schemeClr>
+                </a:solidFill>
+              </a:rPr>
+              <a:t> … </a:t>
+            </a:r>
+            <a:r>
+              <a:rPr lang="en-GB" sz="1200" b="0" dirty="0">
+                <a:solidFill>
+                  <a:schemeClr val="tx1"/>
+                </a:solidFill>
+              </a:rPr>
+              <a:t>| </a:t>
+            </a:r>
+            <a:r>
+              <a:rPr lang="en-GB" sz="1200" b="0" dirty="0">
+                <a:solidFill>
+                  <a:schemeClr val="tx1">
+                    <a:lumMod val="50000"/>
+                    <a:lumOff val="50000"/>
+                  </a:schemeClr>
+                </a:solidFill>
+              </a:rPr>
+              <a:t>...</a:t>
+            </a:r>
+            <a:r>
+              <a:rPr lang="en-GB" sz="1200" b="0" dirty="0">
+                <a:solidFill>
+                  <a:schemeClr val="tx1"/>
                 </a:solidFill>
               </a:rPr>
               <a:t> </a:t>
@@ -18834,17 +19214,6 @@
             <a:r>
               <a:rPr lang="en-US" sz="1200" b="0" dirty="0">
                 <a:solidFill>
-                  <a:schemeClr val="tx1">
-                    <a:lumMod val="50000"/>
-                    <a:lumOff val="50000"/>
-                  </a:schemeClr>
-                </a:solidFill>
-              </a:rPr>
-              <a:t>bool</a:t>
-            </a:r>
-            <a:r>
-              <a:rPr lang="en-US" sz="1200" b="0" dirty="0">
-                <a:solidFill>
                   <a:schemeClr val="tx1"/>
                 </a:solidFill>
               </a:rPr>
@@ -18859,8 +19228,105 @@
                   </a:schemeClr>
                 </a:solidFill>
               </a:rPr>
-              <a:t>2</a:t>
-            </a:r>
+              <a:t>3</a:t>
+            </a:r>
+            <a:r>
+              <a:rPr lang="en-US" sz="1200" b="0" dirty="0">
+                <a:solidFill>
+                  <a:schemeClr val="tx1">
+                    <a:lumMod val="50000"/>
+                    <a:lumOff val="50000"/>
+                  </a:schemeClr>
+                </a:solidFill>
+              </a:rPr>
+              <a:t> / </a:t>
+            </a:r>
+            <a:r>
+              <a:rPr lang="en-US" sz="1200" b="0" dirty="0">
+                <a:solidFill>
+                  <a:schemeClr val="tx1"/>
+                </a:solidFill>
+              </a:rPr>
+              <a:t>"</a:t>
+            </a:r>
+            <a:r>
+              <a:rPr lang="en-US" sz="1200" b="0" dirty="0" err="1">
+                <a:solidFill>
+                  <a:schemeClr val="tx1">
+                    <a:lumMod val="50000"/>
+                    <a:lumOff val="50000"/>
+                  </a:schemeClr>
+                </a:solidFill>
+              </a:rPr>
+              <a:t>func</a:t>
+            </a:r>
+            <a:r>
+              <a:rPr lang="en-US" sz="1200" b="0" dirty="0">
+                <a:solidFill>
+                  <a:schemeClr val="tx1">
+                    <a:lumMod val="50000"/>
+                    <a:lumOff val="50000"/>
+                  </a:schemeClr>
+                </a:solidFill>
+              </a:rPr>
+              <a:t>(</a:t>
+            </a:r>
+            <a:r>
+              <a:rPr lang="en-US" sz="1200" b="0" dirty="0" err="1">
+                <a:solidFill>
+                  <a:schemeClr val="tx1">
+                    <a:lumMod val="50000"/>
+                    <a:lumOff val="50000"/>
+                  </a:schemeClr>
+                </a:solidFill>
+              </a:rPr>
+              <a:t>u,v</a:t>
+            </a:r>
+            <a:r>
+              <a:rPr lang="en-US" sz="1200" b="0" dirty="0">
+                <a:solidFill>
+                  <a:schemeClr val="tx1">
+                    <a:lumMod val="50000"/>
+                    <a:lumOff val="50000"/>
+                  </a:schemeClr>
+                </a:solidFill>
+              </a:rPr>
+              <a:t>)</a:t>
+            </a:r>
+            <a:r>
+              <a:rPr lang="en-US" sz="1200" b="0" dirty="0">
+                <a:solidFill>
+                  <a:schemeClr val="tx1"/>
+                </a:solidFill>
+              </a:rPr>
+              <a:t>"</a:t>
+            </a:r>
+            <a:r>
+              <a:rPr lang="en-US" sz="1200" b="0" baseline="30000" dirty="0">
+                <a:solidFill>
+                  <a:schemeClr val="tx1">
+                    <a:lumMod val="50000"/>
+                    <a:lumOff val="50000"/>
+                  </a:schemeClr>
+                </a:solidFill>
+              </a:rPr>
+              <a:t> 4</a:t>
+            </a:r>
+          </a:p>
+          <a:p>
+            <a:pPr marL="173038">
+              <a:tabLst>
+                <a:tab pos="2117725" algn="r"/>
+              </a:tabLst>
+            </a:pPr>
+            <a:endParaRPr lang="en-US" sz="1200" b="0" baseline="30000" dirty="0">
+              <a:solidFill>
+                <a:schemeClr val="tx1">
+                  <a:lumMod val="50000"/>
+                  <a:lumOff val="50000"/>
+                </a:schemeClr>
+              </a:solidFill>
+            </a:endParaRPr>
           </a:p>
           <a:p>
             <a:pPr>
@@ -18869,212 +19335,118 @@
               </a:tabLst>
             </a:pPr>
             <a:r>
+              <a:rPr lang="en-US" sz="1200" dirty="0">
+                <a:solidFill>
+                  <a:schemeClr val="tx1"/>
+                </a:solidFill>
+              </a:rPr>
+              <a:t>interpolating</a:t>
+            </a:r>
+            <a:r>
+              <a:rPr lang="en-US" sz="1200" b="0" dirty="0">
+                <a:solidFill>
+                  <a:schemeClr val="tx1">
+                    <a:lumMod val="50000"/>
+                    <a:lumOff val="50000"/>
+                  </a:schemeClr>
+                </a:solidFill>
+              </a:rPr>
+              <a:t> vs </a:t>
+            </a:r>
+            <a:r>
+              <a:rPr lang="en-US" sz="1200" dirty="0">
+                <a:solidFill>
+                  <a:schemeClr val="tx1"/>
+                </a:solidFill>
+              </a:rPr>
+              <a:t>approximating</a:t>
+            </a:r>
+            <a:endParaRPr lang="en-US" sz="1200" b="0" baseline="30000" dirty="0">
+              <a:solidFill>
+                <a:schemeClr val="tx1">
+                  <a:lumMod val="50000"/>
+                  <a:lumOff val="50000"/>
+                </a:schemeClr>
+              </a:solidFill>
+            </a:endParaRPr>
+          </a:p>
+          <a:p>
+            <a:pPr marL="285750" indent="-285750">
+              <a:tabLst>
+                <a:tab pos="2117725" algn="r"/>
+              </a:tabLst>
+            </a:pPr>
+            <a:r>
+              <a:rPr lang="en-US" sz="1200" dirty="0">
+                <a:solidFill>
+                  <a:schemeClr val="tx1"/>
+                </a:solidFill>
+              </a:rPr>
+              <a:t>closed</a:t>
+            </a:r>
+            <a:r>
+              <a:rPr lang="en-US" sz="1200" b="0" dirty="0">
+                <a:solidFill>
+                  <a:schemeClr val="tx1">
+                    <a:lumMod val="50000"/>
+                    <a:lumOff val="50000"/>
+                  </a:schemeClr>
+                </a:solidFill>
+              </a:rPr>
+              <a:t> vs </a:t>
+            </a:r>
+            <a:r>
+              <a:rPr lang="en-US" sz="1200" dirty="0">
+                <a:solidFill>
+                  <a:schemeClr val="tx1"/>
+                </a:solidFill>
+              </a:rPr>
+              <a:t>open</a:t>
+            </a:r>
+            <a:r>
+              <a:rPr lang="en-US" sz="1200" dirty="0">
+                <a:solidFill>
+                  <a:schemeClr val="tx1">
+                    <a:lumMod val="50000"/>
+                    <a:lumOff val="50000"/>
+                  </a:schemeClr>
+                </a:solidFill>
+              </a:rPr>
+              <a:t>, </a:t>
+            </a:r>
+            <a:r>
               <a:rPr lang="en-US" sz="1200" dirty="0" err="1">
                 <a:solidFill>
                   <a:schemeClr val="tx1"/>
                 </a:solidFill>
               </a:rPr>
-              <a:t>src</a:t>
-            </a:r>
-            <a:r>
-              <a:rPr lang="en-US" sz="1200" b="0" dirty="0">
-                <a:solidFill>
-                  <a:schemeClr val="tx1">
-                    <a:lumMod val="50000"/>
-                    <a:lumOff val="50000"/>
-                  </a:schemeClr>
-                </a:solidFill>
-              </a:rPr>
-              <a:t> </a:t>
-            </a:r>
-            <a:r>
-              <a:rPr lang="en-US" sz="1200" b="0" dirty="0">
-                <a:solidFill>
-                  <a:schemeClr val="tx1"/>
-                </a:solidFill>
-              </a:rPr>
-              <a:t>=</a:t>
-            </a:r>
-            <a:r>
-              <a:rPr lang="en-US" sz="1200" b="0" dirty="0">
-                <a:solidFill>
-                  <a:schemeClr val="tx1">
-                    <a:lumMod val="50000"/>
-                    <a:lumOff val="50000"/>
-                  </a:schemeClr>
-                </a:solidFill>
-              </a:rPr>
-              <a:t> </a:t>
-            </a:r>
-            <a:r>
-              <a:rPr lang="en-US" sz="1200" b="0" dirty="0">
-                <a:solidFill>
-                  <a:schemeClr val="tx1"/>
-                </a:solidFill>
-              </a:rPr>
-              <a:t>"</a:t>
-            </a:r>
-            <a:r>
-              <a:rPr lang="en-US" sz="1200" b="0" dirty="0">
-                <a:solidFill>
-                  <a:schemeClr val="tx1">
-                    <a:lumMod val="50000"/>
-                    <a:lumOff val="50000"/>
-                  </a:schemeClr>
-                </a:solidFill>
-              </a:rPr>
-              <a:t>id</a:t>
-            </a:r>
-            <a:r>
-              <a:rPr lang="en-US" sz="1200" b="0" dirty="0">
-                <a:solidFill>
-                  <a:schemeClr val="tx1"/>
-                </a:solidFill>
-              </a:rPr>
-              <a:t>"</a:t>
-            </a:r>
-            <a:r>
-              <a:rPr lang="en-US" sz="1200" b="0" baseline="30000" dirty="0">
-                <a:solidFill>
-                  <a:schemeClr val="tx1">
-                    <a:lumMod val="50000"/>
-                    <a:lumOff val="50000"/>
-                  </a:schemeClr>
-                </a:solidFill>
-              </a:rPr>
-              <a:t>1</a:t>
-            </a:r>
-            <a:r>
-              <a:rPr lang="en-US" sz="1200" b="0" dirty="0">
-                <a:solidFill>
-                  <a:schemeClr val="tx1">
-                    <a:lumMod val="50000"/>
-                    <a:lumOff val="50000"/>
-                  </a:schemeClr>
-                </a:solidFill>
-              </a:rPr>
-              <a:t> / </a:t>
-            </a:r>
-            <a:r>
-              <a:rPr lang="en-US" sz="1200" b="0" dirty="0">
-                <a:solidFill>
-                  <a:schemeClr val="tx1"/>
-                </a:solidFill>
-              </a:rPr>
-              <a:t>"</a:t>
-            </a:r>
-            <a:r>
-              <a:rPr lang="en-US" sz="1200" b="0" dirty="0">
-                <a:solidFill>
-                  <a:schemeClr val="tx1">
-                    <a:lumMod val="50000"/>
-                    <a:lumOff val="50000"/>
-                  </a:schemeClr>
-                </a:solidFill>
-              </a:rPr>
-              <a:t>point</a:t>
-            </a:r>
-            <a:r>
-              <a:rPr lang="en-US" sz="1200" b="0" dirty="0">
-                <a:solidFill>
-                  <a:schemeClr val="tx1"/>
-                </a:solidFill>
-              </a:rPr>
-              <a:t>;</a:t>
-            </a:r>
-            <a:r>
-              <a:rPr lang="en-US" sz="1200" b="0" dirty="0">
-                <a:solidFill>
-                  <a:schemeClr val="tx1">
-                    <a:lumMod val="50000"/>
-                    <a:lumOff val="50000"/>
-                  </a:schemeClr>
-                </a:solidFill>
-              </a:rPr>
-              <a:t> …</a:t>
-            </a:r>
-            <a:r>
-              <a:rPr lang="en-US" sz="1200" b="0" dirty="0">
-                <a:solidFill>
-                  <a:schemeClr val="tx1"/>
-                </a:solidFill>
-              </a:rPr>
-              <a:t>"</a:t>
-            </a:r>
-            <a:r>
-              <a:rPr lang="en-US" sz="1200" b="0" baseline="30000" dirty="0">
-                <a:solidFill>
-                  <a:schemeClr val="tx1">
-                    <a:lumMod val="50000"/>
-                    <a:lumOff val="50000"/>
-                  </a:schemeClr>
-                </a:solidFill>
-              </a:rPr>
-              <a:t>2</a:t>
-            </a:r>
-            <a:r>
-              <a:rPr lang="en-US" sz="1200" b="0" dirty="0">
-                <a:solidFill>
-                  <a:schemeClr val="tx1">
-                    <a:lumMod val="50000"/>
-                    <a:lumOff val="50000"/>
-                  </a:schemeClr>
-                </a:solidFill>
-              </a:rPr>
-              <a:t> / </a:t>
-            </a:r>
-            <a:r>
-              <a:rPr lang="en-US" sz="1200" b="0" dirty="0">
-                <a:solidFill>
-                  <a:schemeClr val="tx1"/>
-                </a:solidFill>
-              </a:rPr>
-              <a:t>"</a:t>
-            </a:r>
-            <a:r>
-              <a:rPr lang="en-US" sz="1200" b="0" dirty="0" err="1">
-                <a:solidFill>
-                  <a:schemeClr val="tx1">
-                    <a:lumMod val="50000"/>
-                    <a:lumOff val="50000"/>
-                  </a:schemeClr>
-                </a:solidFill>
-              </a:rPr>
-              <a:t>func</a:t>
-            </a:r>
-            <a:r>
-              <a:rPr lang="en-US" sz="1200" b="0" dirty="0">
-                <a:solidFill>
-                  <a:schemeClr val="tx1">
-                    <a:lumMod val="50000"/>
-                    <a:lumOff val="50000"/>
-                  </a:schemeClr>
-                </a:solidFill>
-              </a:rPr>
-              <a:t>(u)</a:t>
-            </a:r>
-            <a:r>
-              <a:rPr lang="en-US" sz="1200" b="0" dirty="0">
-                <a:solidFill>
-                  <a:schemeClr val="tx1"/>
-                </a:solidFill>
-              </a:rPr>
-              <a:t>"</a:t>
-            </a:r>
-            <a:r>
-              <a:rPr lang="en-US" sz="1200" b="0" baseline="30000" dirty="0">
-                <a:solidFill>
-                  <a:schemeClr val="tx1">
-                    <a:lumMod val="50000"/>
-                    <a:lumOff val="50000"/>
-                  </a:schemeClr>
-                </a:solidFill>
-              </a:rPr>
-              <a:t> 5</a:t>
-            </a:r>
-            <a:endParaRPr lang="en-US" sz="1200" b="0" dirty="0">
+              <a:t>cw</a:t>
+            </a:r>
+            <a:r>
+              <a:rPr lang="en-US" sz="1200" b="0" dirty="0">
+                <a:solidFill>
+                  <a:schemeClr val="tx1">
+                    <a:lumMod val="50000"/>
+                    <a:lumOff val="50000"/>
+                  </a:schemeClr>
+                </a:solidFill>
+              </a:rPr>
+              <a:t> vs </a:t>
+            </a:r>
+            <a:r>
+              <a:rPr lang="en-US" sz="1200" dirty="0" err="1">
+                <a:solidFill>
+                  <a:schemeClr val="tx1"/>
+                </a:solidFill>
+              </a:rPr>
+              <a:t>ccw</a:t>
+            </a:r>
+            <a:endParaRPr lang="en-US" sz="1200" b="0" baseline="30000" dirty="0">
               <a:solidFill>
-                <a:schemeClr val="tx1"/>
+                <a:schemeClr val="tx1">
+                  <a:lumMod val="50000"/>
+                  <a:lumOff val="50000"/>
+                </a:schemeClr>
               </a:solidFill>
             </a:endParaRPr>
           </a:p>
@@ -19084,323 +19456,165 @@
                 <a:tab pos="2117725" algn="r"/>
               </a:tabLst>
             </a:pPr>
-            <a:r>
-              <a:rPr lang="en-US" sz="1200" b="0" baseline="30000" dirty="0">
-                <a:solidFill>
-                  <a:schemeClr val="tx1"/>
-                </a:solidFill>
-              </a:rPr>
-              <a:t>  </a:t>
-            </a:r>
-            <a:r>
-              <a:rPr lang="en-US" sz="1200" b="0" dirty="0">
-                <a:solidFill>
-                  <a:schemeClr val="tx1"/>
-                </a:solidFill>
-              </a:rPr>
-              <a:t>= "</a:t>
-            </a:r>
-            <a:r>
-              <a:rPr lang="en-US" sz="1200" b="0" dirty="0">
-                <a:solidFill>
-                  <a:schemeClr val="tx1">
-                    <a:lumMod val="50000"/>
-                    <a:lumOff val="50000"/>
-                  </a:schemeClr>
-                </a:solidFill>
-              </a:rPr>
-              <a:t>point</a:t>
-            </a:r>
-            <a:r>
-              <a:rPr lang="en-US" sz="1200" b="0" dirty="0">
-                <a:solidFill>
-                  <a:schemeClr val="tx1"/>
-                </a:solidFill>
-              </a:rPr>
-              <a:t>;</a:t>
-            </a:r>
-            <a:r>
-              <a:rPr lang="en-US" sz="1200" b="0" dirty="0">
-                <a:solidFill>
-                  <a:schemeClr val="tx1">
-                    <a:lumMod val="50000"/>
-                    <a:lumOff val="50000"/>
-                  </a:schemeClr>
-                </a:solidFill>
-              </a:rPr>
-              <a:t> … </a:t>
-            </a:r>
-            <a:r>
-              <a:rPr lang="en-GB" sz="1200" b="0" dirty="0">
-                <a:solidFill>
-                  <a:schemeClr val="tx1"/>
-                </a:solidFill>
-              </a:rPr>
-              <a:t>| </a:t>
-            </a:r>
-            <a:r>
-              <a:rPr lang="en-GB" sz="1200" b="0" dirty="0">
-                <a:solidFill>
-                  <a:schemeClr val="tx1">
-                    <a:lumMod val="50000"/>
-                    <a:lumOff val="50000"/>
-                  </a:schemeClr>
-                </a:solidFill>
-              </a:rPr>
-              <a:t>...</a:t>
-            </a:r>
-            <a:r>
-              <a:rPr lang="en-GB" sz="1200" b="0" dirty="0">
-                <a:solidFill>
-                  <a:schemeClr val="tx1"/>
-                </a:solidFill>
-              </a:rPr>
-              <a:t> </a:t>
-            </a:r>
-            <a:r>
-              <a:rPr lang="en-US" sz="1200" b="0" dirty="0">
-                <a:solidFill>
-                  <a:schemeClr val="tx1"/>
-                </a:solidFill>
-              </a:rPr>
-              <a:t>"</a:t>
-            </a:r>
-            <a:r>
-              <a:rPr lang="en-US" sz="1200" b="0" baseline="30000" dirty="0">
-                <a:solidFill>
-                  <a:schemeClr val="tx1">
-                    <a:lumMod val="50000"/>
-                    <a:lumOff val="50000"/>
-                  </a:schemeClr>
-                </a:solidFill>
-              </a:rPr>
-              <a:t>3</a:t>
-            </a:r>
-            <a:r>
-              <a:rPr lang="en-US" sz="1200" b="0" dirty="0">
-                <a:solidFill>
-                  <a:schemeClr val="tx1">
-                    <a:lumMod val="50000"/>
-                    <a:lumOff val="50000"/>
-                  </a:schemeClr>
-                </a:solidFill>
-              </a:rPr>
-              <a:t> / </a:t>
-            </a:r>
-            <a:r>
-              <a:rPr lang="en-US" sz="1200" b="0" dirty="0">
-                <a:solidFill>
-                  <a:schemeClr val="tx1"/>
-                </a:solidFill>
-              </a:rPr>
-              <a:t>"</a:t>
-            </a:r>
-            <a:r>
-              <a:rPr lang="en-US" sz="1200" b="0" dirty="0" err="1">
-                <a:solidFill>
-                  <a:schemeClr val="tx1">
-                    <a:lumMod val="50000"/>
-                    <a:lumOff val="50000"/>
-                  </a:schemeClr>
-                </a:solidFill>
-              </a:rPr>
-              <a:t>func</a:t>
-            </a:r>
-            <a:r>
-              <a:rPr lang="en-US" sz="1200" b="0" dirty="0">
-                <a:solidFill>
-                  <a:schemeClr val="tx1">
-                    <a:lumMod val="50000"/>
-                    <a:lumOff val="50000"/>
-                  </a:schemeClr>
-                </a:solidFill>
-              </a:rPr>
-              <a:t>(</a:t>
-            </a:r>
-            <a:r>
-              <a:rPr lang="en-US" sz="1200" b="0" dirty="0" err="1">
-                <a:solidFill>
-                  <a:schemeClr val="tx1">
-                    <a:lumMod val="50000"/>
-                    <a:lumOff val="50000"/>
-                  </a:schemeClr>
-                </a:solidFill>
-              </a:rPr>
-              <a:t>u,v</a:t>
-            </a:r>
-            <a:r>
-              <a:rPr lang="en-US" sz="1200" b="0" dirty="0">
-                <a:solidFill>
-                  <a:schemeClr val="tx1">
-                    <a:lumMod val="50000"/>
-                    <a:lumOff val="50000"/>
-                  </a:schemeClr>
-                </a:solidFill>
-              </a:rPr>
-              <a:t>)</a:t>
-            </a:r>
-            <a:r>
-              <a:rPr lang="en-US" sz="1200" b="0" dirty="0">
-                <a:solidFill>
-                  <a:schemeClr val="tx1"/>
-                </a:solidFill>
-              </a:rPr>
-              <a:t>"</a:t>
-            </a:r>
-            <a:r>
-              <a:rPr lang="en-US" sz="1200" b="0" baseline="30000" dirty="0">
-                <a:solidFill>
-                  <a:schemeClr val="tx1">
-                    <a:lumMod val="50000"/>
-                    <a:lumOff val="50000"/>
-                  </a:schemeClr>
-                </a:solidFill>
-              </a:rPr>
-              <a:t> 4</a:t>
-            </a:r>
-          </a:p>
-          <a:p>
-            <a:pPr lvl="0">
-              <a:tabLst>
-                <a:tab pos="2117725" algn="r"/>
-              </a:tabLst>
-            </a:pPr>
-            <a:r>
-              <a:rPr lang="fr-FR" sz="1200" dirty="0">
-                <a:solidFill>
-                  <a:srgbClr val="FF0000"/>
-                </a:solidFill>
-              </a:rPr>
-              <a:t>point </a:t>
-            </a:r>
-            <a:r>
-              <a:rPr lang="fr-FR" sz="1200" b="0" dirty="0">
-                <a:solidFill>
-                  <a:srgbClr val="FF0000"/>
-                </a:solidFill>
-              </a:rPr>
-              <a:t>= "</a:t>
-            </a:r>
-            <a:r>
-              <a:rPr lang="fr-FR" sz="1200" dirty="0">
-                <a:solidFill>
-                  <a:srgbClr val="FF0000"/>
-                </a:solidFill>
-              </a:rPr>
-              <a:t>x</a:t>
-            </a:r>
-            <a:r>
-              <a:rPr lang="fr-FR" sz="1200" b="0" dirty="0">
-                <a:solidFill>
-                  <a:srgbClr val="FF0000"/>
-                </a:solidFill>
-              </a:rPr>
-              <a:t>, </a:t>
-            </a:r>
-            <a:r>
-              <a:rPr lang="fr-FR" sz="1200" dirty="0">
-                <a:solidFill>
-                  <a:srgbClr val="FF0000"/>
-                </a:solidFill>
-              </a:rPr>
-              <a:t>y</a:t>
-            </a:r>
-            <a:r>
-              <a:rPr lang="fr-FR" sz="1200" b="0" dirty="0">
-                <a:solidFill>
-                  <a:srgbClr val="FF0000"/>
-                </a:solidFill>
-              </a:rPr>
-              <a:t>"</a:t>
-            </a:r>
-          </a:p>
-          <a:p>
-            <a:pPr>
-              <a:tabLst>
-                <a:tab pos="2117725" algn="r"/>
-              </a:tabLst>
-            </a:pPr>
-            <a:r>
-              <a:rPr lang="en-US" sz="1200" dirty="0">
-                <a:solidFill>
-                  <a:srgbClr val="FF0000"/>
-                </a:solidFill>
-              </a:rPr>
-              <a:t>orientation</a:t>
-            </a:r>
-            <a:r>
-              <a:rPr lang="en-US" sz="1200" b="0" dirty="0">
-                <a:solidFill>
-                  <a:srgbClr val="FF0000"/>
-                </a:solidFill>
-              </a:rPr>
-              <a:t> = "</a:t>
-            </a:r>
-            <a:r>
-              <a:rPr lang="en-US" sz="1200" b="0" dirty="0" err="1">
-                <a:solidFill>
-                  <a:srgbClr val="FF0000"/>
-                </a:solidFill>
-              </a:rPr>
-              <a:t>xyz</a:t>
-            </a:r>
-            <a:r>
-              <a:rPr lang="en-US" sz="1200" b="0" dirty="0">
-                <a:solidFill>
-                  <a:srgbClr val="FF0000"/>
-                </a:solidFill>
-              </a:rPr>
-              <a:t>"/ "</a:t>
-            </a:r>
-            <a:r>
-              <a:rPr lang="en-US" sz="1200" b="0" dirty="0" err="1">
-                <a:solidFill>
-                  <a:srgbClr val="FF0000"/>
-                </a:solidFill>
-              </a:rPr>
-              <a:t>xzy</a:t>
-            </a:r>
-            <a:r>
-              <a:rPr lang="en-US" sz="1200" b="0" dirty="0">
-                <a:solidFill>
-                  <a:srgbClr val="FF0000"/>
-                </a:solidFill>
-              </a:rPr>
-              <a:t>"/ "</a:t>
-            </a:r>
-            <a:r>
-              <a:rPr lang="en-US" sz="1200" b="0" dirty="0" err="1">
-                <a:solidFill>
-                  <a:srgbClr val="FF0000"/>
-                </a:solidFill>
-              </a:rPr>
-              <a:t>yxz</a:t>
-            </a:r>
-            <a:r>
-              <a:rPr lang="en-US" sz="1200" b="0" dirty="0">
-                <a:solidFill>
-                  <a:srgbClr val="FF0000"/>
-                </a:solidFill>
-              </a:rPr>
-              <a:t>"/ …</a:t>
-            </a:r>
-            <a:endParaRPr lang="fr-FR" sz="1200" b="0" dirty="0">
+            <a:endParaRPr lang="en-US" sz="1200" b="0" baseline="30000" dirty="0">
               <a:solidFill>
-                <a:srgbClr val="FF0000"/>
+                <a:schemeClr val="tx1">
+                  <a:lumMod val="50000"/>
+                  <a:lumOff val="50000"/>
+                </a:schemeClr>
               </a:solidFill>
             </a:endParaRPr>
           </a:p>
-          <a:p>
-            <a:pPr lvl="0">
+        </p:txBody>
+      </p:sp>
+      <p:sp>
+        <p:nvSpPr>
+          <p:cNvPr id="22" name="TextBox 21">
+            <a:extLst>
+              <a:ext uri="{FF2B5EF4-FFF2-40B4-BE49-F238E27FC236}">
+                <a16:creationId xmlns:a16="http://schemas.microsoft.com/office/drawing/2014/main" id="{25A9B2AC-D583-49D0-B0B3-DCCEBC2E7E71}"/>
+              </a:ext>
+            </a:extLst>
+          </p:cNvPr>
+          <p:cNvSpPr txBox="1"/>
+          <p:nvPr/>
+        </p:nvSpPr>
+        <p:spPr>
+          <a:xfrm>
+            <a:off x="2621152" y="76201"/>
+            <a:ext cx="5456047" cy="367790"/>
+          </a:xfrm>
+          <a:prstGeom prst="rect">
+            <a:avLst/>
+          </a:prstGeom>
+          <a:solidFill>
+            <a:schemeClr val="bg1"/>
+          </a:solidFill>
+          <a:ln w="3175">
+            <a:noFill/>
+          </a:ln>
+        </p:spPr>
+        <p:style>
+          <a:lnRef idx="2">
+            <a:schemeClr val="accent1">
+              <a:shade val="50000"/>
+            </a:schemeClr>
+          </a:lnRef>
+          <a:fillRef idx="1">
+            <a:schemeClr val="accent1"/>
+          </a:fillRef>
+          <a:effectRef idx="0">
+            <a:schemeClr val="accent1"/>
+          </a:effectRef>
+          <a:fontRef idx="minor">
+            <a:schemeClr val="lt1"/>
+          </a:fontRef>
+        </p:style>
+        <p:txBody>
+          <a:bodyPr rot="0" spcFirstLastPara="0" vertOverflow="overflow" horzOverflow="overflow" vert="horz" wrap="square" lIns="91440" tIns="45720" rIns="0" bIns="45720" numCol="1" spcCol="0" rtlCol="0" fromWordArt="0" anchor="ctr" anchorCtr="0" forceAA="0" compatLnSpc="1">
+            <a:prstTxWarp prst="textNoShape">
+              <a:avLst/>
+            </a:prstTxWarp>
+            <a:noAutofit/>
+          </a:bodyPr>
+          <a:lstStyle>
+            <a:defPPr>
+              <a:defRPr lang="en-US"/>
+            </a:defPPr>
+            <a:lvl1pPr>
               <a:tabLst>
-                <a:tab pos="2117725" algn="r"/>
+                <a:tab pos="171450" algn="l"/>
               </a:tabLst>
-            </a:pPr>
-            <a:endParaRPr lang="fr-FR" sz="1200" b="0" dirty="0">
-              <a:solidFill>
-                <a:srgbClr val="FF0000"/>
-              </a:solidFill>
-            </a:endParaRPr>
+              <a:defRPr sz="1000" b="1">
+                <a:solidFill>
+                  <a:schemeClr val="accent1"/>
+                </a:solidFill>
+                <a:latin typeface="Agency FB" panose="020B0503020202020204" pitchFamily="34" charset="0"/>
+              </a:defRPr>
+            </a:lvl1pPr>
+            <a:lvl2pPr>
+              <a:defRPr>
+                <a:solidFill>
+                  <a:schemeClr val="lt1"/>
+                </a:solidFill>
+              </a:defRPr>
+            </a:lvl2pPr>
+            <a:lvl3pPr>
+              <a:defRPr>
+                <a:solidFill>
+                  <a:schemeClr val="lt1"/>
+                </a:solidFill>
+              </a:defRPr>
+            </a:lvl3pPr>
+            <a:lvl4pPr>
+              <a:defRPr>
+                <a:solidFill>
+                  <a:schemeClr val="lt1"/>
+                </a:solidFill>
+              </a:defRPr>
+            </a:lvl4pPr>
+            <a:lvl5pPr>
+              <a:defRPr>
+                <a:solidFill>
+                  <a:schemeClr val="lt1"/>
+                </a:solidFill>
+              </a:defRPr>
+            </a:lvl5pPr>
+            <a:lvl6pPr>
+              <a:defRPr>
+                <a:solidFill>
+                  <a:schemeClr val="lt1"/>
+                </a:solidFill>
+              </a:defRPr>
+            </a:lvl6pPr>
+            <a:lvl7pPr>
+              <a:defRPr>
+                <a:solidFill>
+                  <a:schemeClr val="lt1"/>
+                </a:solidFill>
+              </a:defRPr>
+            </a:lvl7pPr>
+            <a:lvl8pPr>
+              <a:defRPr>
+                <a:solidFill>
+                  <a:schemeClr val="lt1"/>
+                </a:solidFill>
+              </a:defRPr>
+            </a:lvl8pPr>
+            <a:lvl9pPr>
+              <a:defRPr>
+                <a:solidFill>
+                  <a:schemeClr val="lt1"/>
+                </a:solidFill>
+              </a:defRPr>
+            </a:lvl9pPr>
+          </a:lstStyle>
+          <a:p>
+            <a:pPr lvl="0"/>
+            <a:r>
+              <a:rPr lang="fr-FR" sz="1200" b="0" dirty="0">
+                <a:solidFill>
+                  <a:schemeClr val="tx1"/>
+                </a:solidFill>
+              </a:rPr>
+              <a:t>&lt;script src="</a:t>
+            </a:r>
+            <a:r>
+              <a:rPr lang="fr-FR" sz="1200" dirty="0">
+                <a:solidFill>
+                  <a:schemeClr val="tx1"/>
+                </a:solidFill>
+              </a:rPr>
+              <a:t>suica.js</a:t>
+            </a:r>
+            <a:r>
+              <a:rPr lang="fr-FR" sz="1200" b="0" dirty="0">
+                <a:solidFill>
+                  <a:schemeClr val="tx1"/>
+                </a:solidFill>
+              </a:rPr>
+              <a:t>"&gt;&lt;/script&gt;</a:t>
+            </a:r>
           </a:p>
         </p:txBody>
       </p:sp>
